--- a/lectures/10/1_Data Analysis.pptx
+++ b/lectures/10/1_Data Analysis.pptx
@@ -6,10 +6,10 @@
     <p:sldMasterId id="2147483660" r:id="rId5"/>
   </p:sldMasterIdLst>
   <p:notesMasterIdLst>
-    <p:notesMasterId r:id="rId37"/>
+    <p:notesMasterId r:id="rId34"/>
   </p:notesMasterIdLst>
   <p:handoutMasterIdLst>
-    <p:handoutMasterId r:id="rId38"/>
+    <p:handoutMasterId r:id="rId35"/>
   </p:handoutMasterIdLst>
   <p:sldIdLst>
     <p:sldId id="260" r:id="rId6"/>
@@ -37,12 +37,9 @@
     <p:sldId id="315" r:id="rId28"/>
     <p:sldId id="316" r:id="rId29"/>
     <p:sldId id="317" r:id="rId30"/>
-    <p:sldId id="318" r:id="rId31"/>
-    <p:sldId id="280" r:id="rId32"/>
-    <p:sldId id="281" r:id="rId33"/>
-    <p:sldId id="259" r:id="rId34"/>
-    <p:sldId id="296" r:id="rId35"/>
-    <p:sldId id="299" r:id="rId36"/>
+    <p:sldId id="259" r:id="rId31"/>
+    <p:sldId id="296" r:id="rId32"/>
+    <p:sldId id="299" r:id="rId33"/>
   </p:sldIdLst>
   <p:sldSz cx="12192000" cy="6858000"/>
   <p:notesSz cx="6858000" cy="9144000"/>
@@ -6940,7 +6937,7 @@
           <a:p>
             <a:fld id="{73B2889B-A0AC-4482-8592-5C96F2309420}" type="datetimeFigureOut">
               <a:rPr lang="en-US" smtClean="0"/>
-              <a:t>10/30/2021</a:t>
+              <a:t>3/20/2022</a:t>
             </a:fld>
             <a:endParaRPr lang="en-US"/>
           </a:p>
@@ -7117,7 +7114,7 @@
           <a:p>
             <a:fld id="{830EB223-FFC0-462A-A3B8-EAA7CE0F8CBD}" type="datetimeFigureOut">
               <a:rPr lang="en-US" smtClean="0"/>
-              <a:t>10/30/2021</a:t>
+              <a:t>3/20/2022</a:t>
             </a:fld>
             <a:endParaRPr lang="en-US" dirty="0"/>
           </a:p>
@@ -7430,7 +7427,19 @@
           <a:p>
             <a:r>
               <a:rPr lang="en-US" dirty="0"/>
-              <a:t>Today, we will cover </a:t>
+              <a:t>Today, we will cover data analysis that includes statistical tests </a:t>
+            </a:r>
+          </a:p>
+          <a:p>
+            <a:r>
+              <a:rPr lang="en-US" dirty="0"/>
+              <a:t>Last week, you guys dabble in assignment 6 and familiarize yourself with descriptive statistics, and you saw statistical test, </a:t>
+            </a:r>
+          </a:p>
+          <a:p>
+            <a:r>
+              <a:rPr lang="en-US" dirty="0"/>
+              <a:t>This week we will cover statistical test  </a:t>
             </a:r>
           </a:p>
           <a:p>
@@ -7508,7 +7517,7 @@
             </a:pPr>
             <a:r>
               <a:rPr lang="en-US" dirty="0"/>
-              <a:t>We will cover analysis until presentation day. SO if you need help with your analysis, I can help in in the optional project meeting. But besides that, I cannot walk through every group’s analysis</a:t>
+              <a:t>We will cover analysis until presentation day. SO if you need help with your analysis, I can help in the optional project meeting. But besides that, I cannot walk through every group’s analysis</a:t>
             </a:r>
           </a:p>
           <a:p>
@@ -8146,25 +8155,7 @@
           <a:p>
             <a:r>
               <a:rPr lang="en-US" dirty="0"/>
-              <a:t>Go to assignment 6</a:t>
-            </a:r>
-          </a:p>
-          <a:p>
-            <a:r>
-              <a:rPr lang="en-US" dirty="0"/>
-              <a:t>https://umsystem.instructure.com/courses/41919/assignments/871304?module_item_id=2985137</a:t>
-            </a:r>
-          </a:p>
-          <a:p>
-            <a:r>
-              <a:rPr lang="en-US" dirty="0"/>
-              <a:t>Show template</a:t>
-            </a:r>
-          </a:p>
-          <a:p>
-            <a:r>
-              <a:rPr lang="en-US" dirty="0"/>
-              <a:t>And go through example with students</a:t>
+              <a:t>Just a reminder for you </a:t>
             </a:r>
           </a:p>
         </p:txBody>
@@ -8186,7 +8177,7 @@
           <a:p>
             <a:fld id="{BC849E9A-41F7-4779-A581-48A7C374A227}" type="slidenum">
               <a:rPr lang="en-US" smtClean="0"/>
-              <a:t>29</a:t>
+              <a:t>23</a:t>
             </a:fld>
             <a:endParaRPr lang="en-US" dirty="0"/>
           </a:p>
@@ -8195,7 +8186,7 @@
     </p:spTree>
     <p:extLst>
       <p:ext uri="{BB962C8B-B14F-4D97-AF65-F5344CB8AC3E}">
-        <p14:creationId xmlns:p14="http://schemas.microsoft.com/office/powerpoint/2010/main" val="1842581156"/>
+        <p14:creationId xmlns:p14="http://schemas.microsoft.com/office/powerpoint/2010/main" val="1893936706"/>
       </p:ext>
     </p:extLst>
   </p:cSld>
@@ -8249,7 +8240,28 @@
           <a:bodyPr/>
           <a:lstStyle/>
           <a:p>
-            <a:endParaRPr lang="en-US" dirty="0"/>
+            <a:r>
+              <a:rPr lang="en-US" dirty="0"/>
+              <a:t>Go to assignment 6</a:t>
+            </a:r>
+          </a:p>
+          <a:p>
+            <a:r>
+              <a:rPr lang="en-US" dirty="0"/>
+              <a:t>https://umsystem.instructure.com/courses/41919/assignments/871304?module_item_id=2985137</a:t>
+            </a:r>
+          </a:p>
+          <a:p>
+            <a:r>
+              <a:rPr lang="en-US" dirty="0"/>
+              <a:t>Show template</a:t>
+            </a:r>
+          </a:p>
+          <a:p>
+            <a:r>
+              <a:rPr lang="en-US" dirty="0"/>
+              <a:t>And go through example with students</a:t>
+            </a:r>
           </a:p>
         </p:txBody>
       </p:sp>
@@ -8270,7 +8282,91 @@
           <a:p>
             <a:fld id="{BC849E9A-41F7-4779-A581-48A7C374A227}" type="slidenum">
               <a:rPr lang="en-US" smtClean="0"/>
-              <a:t>30</a:t>
+              <a:t>26</a:t>
+            </a:fld>
+            <a:endParaRPr lang="en-US" dirty="0"/>
+          </a:p>
+        </p:txBody>
+      </p:sp>
+    </p:spTree>
+    <p:extLst>
+      <p:ext uri="{BB962C8B-B14F-4D97-AF65-F5344CB8AC3E}">
+        <p14:creationId xmlns:p14="http://schemas.microsoft.com/office/powerpoint/2010/main" val="1842581156"/>
+      </p:ext>
+    </p:extLst>
+  </p:cSld>
+  <p:clrMapOvr>
+    <a:masterClrMapping/>
+  </p:clrMapOvr>
+</p:notes>
+</file>
+
+<file path=ppt/notesSlides/notesSlide15.xml><?xml version="1.0" encoding="utf-8"?>
+<p:notes xmlns:a="http://schemas.openxmlformats.org/drawingml/2006/main" xmlns:r="http://schemas.openxmlformats.org/officeDocument/2006/relationships" xmlns:p="http://schemas.openxmlformats.org/presentationml/2006/main">
+  <p:cSld>
+    <p:spTree>
+      <p:nvGrpSpPr>
+        <p:cNvPr id="1" name=""/>
+        <p:cNvGrpSpPr/>
+        <p:nvPr/>
+      </p:nvGrpSpPr>
+      <p:grpSpPr>
+        <a:xfrm>
+          <a:off x="0" y="0"/>
+          <a:ext cx="0" cy="0"/>
+          <a:chOff x="0" y="0"/>
+          <a:chExt cx="0" cy="0"/>
+        </a:xfrm>
+      </p:grpSpPr>
+      <p:sp>
+        <p:nvSpPr>
+          <p:cNvPr id="2" name="Slide Image Placeholder 1"/>
+          <p:cNvSpPr>
+            <a:spLocks noGrp="1" noRot="1" noChangeAspect="1"/>
+          </p:cNvSpPr>
+          <p:nvPr>
+            <p:ph type="sldImg"/>
+          </p:nvPr>
+        </p:nvSpPr>
+        <p:spPr/>
+      </p:sp>
+      <p:sp>
+        <p:nvSpPr>
+          <p:cNvPr id="3" name="Notes Placeholder 2"/>
+          <p:cNvSpPr>
+            <a:spLocks noGrp="1"/>
+          </p:cNvSpPr>
+          <p:nvPr>
+            <p:ph type="body" idx="1"/>
+          </p:nvPr>
+        </p:nvSpPr>
+        <p:spPr/>
+        <p:txBody>
+          <a:bodyPr/>
+          <a:lstStyle/>
+          <a:p>
+            <a:endParaRPr lang="en-US" dirty="0"/>
+          </a:p>
+        </p:txBody>
+      </p:sp>
+      <p:sp>
+        <p:nvSpPr>
+          <p:cNvPr id="4" name="Slide Number Placeholder 3"/>
+          <p:cNvSpPr>
+            <a:spLocks noGrp="1"/>
+          </p:cNvSpPr>
+          <p:nvPr>
+            <p:ph type="sldNum" sz="quarter" idx="5"/>
+          </p:nvPr>
+        </p:nvSpPr>
+        <p:spPr/>
+        <p:txBody>
+          <a:bodyPr/>
+          <a:lstStyle/>
+          <a:p>
+            <a:fld id="{BC849E9A-41F7-4779-A581-48A7C374A227}" type="slidenum">
+              <a:rPr lang="en-US" smtClean="0"/>
+              <a:t>27</a:t>
             </a:fld>
             <a:endParaRPr lang="en-US" dirty="0"/>
           </a:p>
@@ -8344,7 +8440,7 @@
           <a:p>
             <a:r>
               <a:rPr lang="en-US" dirty="0"/>
-              <a:t>What do statistic measure? Statistics measure the characteristics of a sample </a:t>
+              <a:t>What do statistics measure? Statistics measure the characteristics of a sample </a:t>
             </a:r>
           </a:p>
           <a:p>
@@ -8693,7 +8789,7 @@
           <a:p>
             <a:r>
               <a:rPr lang="en-US" dirty="0"/>
-              <a:t>this is study of statistics. Formally, statistical inference is a set of …  </a:t>
+              <a:t>this is the study of statistics. Formally, statistical inference is a set of …  </a:t>
             </a:r>
           </a:p>
           <a:p>
@@ -8702,7 +8798,7 @@
           <a:p>
             <a:r>
               <a:rPr lang="en-US" dirty="0"/>
-              <a:t>In this preliminary class, we can only cover so much. Hence, we have sample average and standard deviation. There are more sample statistics beyond these two, such as proportion. </a:t>
+              <a:t>In this preliminary class, we can only cover so much. Hence, we have sample average and proportion. </a:t>
             </a:r>
           </a:p>
           <a:p>
@@ -8834,7 +8930,7 @@
                 <a:effectLst/>
                 <a:latin typeface="Roboto" panose="02000000000000000000" pitchFamily="2" charset="0"/>
               </a:rPr>
-              <a:t>However, with sample statistics such percentage or mean, we can infer mean and percentage for population parameters </a:t>
+              <a:t>However, with sample statistics such as percentage or mean, we can infer mean and percentage for population parameters </a:t>
             </a:r>
           </a:p>
           <a:p>
@@ -9027,7 +9123,7 @@
           <a:p>
             <a:r>
               <a:rPr lang="en-US" dirty="0"/>
-              <a:t>As mentioned in the last slide, mean is used for continuous variables, while proportion is used for categorial variables </a:t>
+              <a:t>Mean is used for continuous variables, while the proportion is used for categorical variables </a:t>
             </a:r>
           </a:p>
           <a:p>
@@ -9042,7 +9138,7 @@
           <a:p>
             <a:r>
               <a:rPr lang="en-US" dirty="0"/>
-              <a:t>After you have your formula, you also have to decide at what level of confidence do you want to calculate </a:t>
+              <a:t>After you have your formula, you also have to decide at what level of confidence you want to calculate </a:t>
             </a:r>
           </a:p>
           <a:p>
@@ -10210,7 +10306,7 @@
           <a:p>
             <a:fld id="{8AF234EC-1E1E-4781-99A9-0A28CCB2B4BE}" type="datetime1">
               <a:rPr lang="en-US" smtClean="0"/>
-              <a:t>10/30/2021</a:t>
+              <a:t>3/20/2022</a:t>
             </a:fld>
             <a:endParaRPr lang="en-US" dirty="0"/>
           </a:p>
@@ -10412,7 +10508,7 @@
           <a:p>
             <a:fld id="{22A9C4EA-047E-4A78-A42D-B75F2DB9C834}" type="datetime1">
               <a:rPr lang="en-US" smtClean="0"/>
-              <a:t>10/30/2021</a:t>
+              <a:t>3/20/2022</a:t>
             </a:fld>
             <a:endParaRPr lang="en-US" dirty="0"/>
           </a:p>
@@ -10624,7 +10720,7 @@
           <a:p>
             <a:fld id="{AC42DE87-5538-44B3-819A-CF13FBCDF38E}" type="datetime1">
               <a:rPr lang="en-US" smtClean="0"/>
-              <a:t>10/30/2021</a:t>
+              <a:t>3/20/2022</a:t>
             </a:fld>
             <a:endParaRPr lang="en-US" dirty="0"/>
           </a:p>
@@ -10848,7 +10944,7 @@
           <a:p>
             <a:fld id="{DECF21A4-E71B-4D3A-AF45-E989C23A7BB1}" type="datetimeFigureOut">
               <a:rPr lang="en-US" smtClean="0"/>
-              <a:t>10/30/2021</a:t>
+              <a:t>3/20/2022</a:t>
             </a:fld>
             <a:endParaRPr lang="en-US" dirty="0"/>
           </a:p>
@@ -11046,7 +11142,7 @@
           <a:p>
             <a:fld id="{DECF21A4-E71B-4D3A-AF45-E989C23A7BB1}" type="datetimeFigureOut">
               <a:rPr lang="en-US" smtClean="0"/>
-              <a:t>10/30/2021</a:t>
+              <a:t>3/20/2022</a:t>
             </a:fld>
             <a:endParaRPr lang="en-US" dirty="0"/>
           </a:p>
@@ -11321,7 +11417,7 @@
           <a:p>
             <a:fld id="{DECF21A4-E71B-4D3A-AF45-E989C23A7BB1}" type="datetimeFigureOut">
               <a:rPr lang="en-US" smtClean="0"/>
-              <a:t>10/30/2021</a:t>
+              <a:t>3/20/2022</a:t>
             </a:fld>
             <a:endParaRPr lang="en-US" dirty="0"/>
           </a:p>
@@ -11586,7 +11682,7 @@
           <a:p>
             <a:fld id="{DECF21A4-E71B-4D3A-AF45-E989C23A7BB1}" type="datetimeFigureOut">
               <a:rPr lang="en-US" smtClean="0"/>
-              <a:t>10/30/2021</a:t>
+              <a:t>3/20/2022</a:t>
             </a:fld>
             <a:endParaRPr lang="en-US" dirty="0"/>
           </a:p>
@@ -11998,7 +12094,7 @@
           <a:p>
             <a:fld id="{DECF21A4-E71B-4D3A-AF45-E989C23A7BB1}" type="datetimeFigureOut">
               <a:rPr lang="en-US" smtClean="0"/>
-              <a:t>10/30/2021</a:t>
+              <a:t>3/20/2022</a:t>
             </a:fld>
             <a:endParaRPr lang="en-US" dirty="0"/>
           </a:p>
@@ -12139,7 +12235,7 @@
           <a:p>
             <a:fld id="{DECF21A4-E71B-4D3A-AF45-E989C23A7BB1}" type="datetimeFigureOut">
               <a:rPr lang="en-US" smtClean="0"/>
-              <a:t>10/30/2021</a:t>
+              <a:t>3/20/2022</a:t>
             </a:fld>
             <a:endParaRPr lang="en-US" dirty="0"/>
           </a:p>
@@ -12252,7 +12348,7 @@
           <a:p>
             <a:fld id="{DECF21A4-E71B-4D3A-AF45-E989C23A7BB1}" type="datetimeFigureOut">
               <a:rPr lang="en-US" smtClean="0"/>
-              <a:t>10/30/2021</a:t>
+              <a:t>3/20/2022</a:t>
             </a:fld>
             <a:endParaRPr lang="en-US" dirty="0"/>
           </a:p>
@@ -12563,7 +12659,7 @@
           <a:p>
             <a:fld id="{DECF21A4-E71B-4D3A-AF45-E989C23A7BB1}" type="datetimeFigureOut">
               <a:rPr lang="en-US" smtClean="0"/>
-              <a:t>10/30/2021</a:t>
+              <a:t>3/20/2022</a:t>
             </a:fld>
             <a:endParaRPr lang="en-US" dirty="0"/>
           </a:p>
@@ -12761,7 +12857,7 @@
           <a:p>
             <a:fld id="{18063F28-525C-4D2F-9462-E350E3E64AF6}" type="datetime1">
               <a:rPr lang="en-US" smtClean="0"/>
-              <a:t>10/30/2021</a:t>
+              <a:t>3/20/2022</a:t>
             </a:fld>
             <a:endParaRPr lang="en-US" dirty="0"/>
           </a:p>
@@ -13057,7 +13153,7 @@
           <a:p>
             <a:fld id="{DECF21A4-E71B-4D3A-AF45-E989C23A7BB1}" type="datetimeFigureOut">
               <a:rPr lang="en-US" smtClean="0"/>
-              <a:t>10/30/2021</a:t>
+              <a:t>3/20/2022</a:t>
             </a:fld>
             <a:endParaRPr lang="en-US" dirty="0"/>
           </a:p>
@@ -13255,7 +13351,7 @@
           <a:p>
             <a:fld id="{DECF21A4-E71B-4D3A-AF45-E989C23A7BB1}" type="datetimeFigureOut">
               <a:rPr lang="en-US" smtClean="0"/>
-              <a:t>10/30/2021</a:t>
+              <a:t>3/20/2022</a:t>
             </a:fld>
             <a:endParaRPr lang="en-US" dirty="0"/>
           </a:p>
@@ -13463,7 +13559,7 @@
           <a:p>
             <a:fld id="{DECF21A4-E71B-4D3A-AF45-E989C23A7BB1}" type="datetimeFigureOut">
               <a:rPr lang="en-US" smtClean="0"/>
-              <a:t>10/30/2021</a:t>
+              <a:t>3/20/2022</a:t>
             </a:fld>
             <a:endParaRPr lang="en-US" dirty="0"/>
           </a:p>
@@ -13738,7 +13834,7 @@
           <a:p>
             <a:fld id="{37CF39F8-67D0-454E-8A32-D01189D240B4}" type="datetime1">
               <a:rPr lang="en-US" smtClean="0"/>
-              <a:t>10/30/2021</a:t>
+              <a:t>3/20/2022</a:t>
             </a:fld>
             <a:endParaRPr lang="en-US" dirty="0"/>
           </a:p>
@@ -14007,7 +14103,7 @@
           <a:p>
             <a:fld id="{710022DA-7B43-4B05-9EB2-95FA5414D608}" type="datetime1">
               <a:rPr lang="en-US" smtClean="0"/>
-              <a:t>10/30/2021</a:t>
+              <a:t>3/20/2022</a:t>
             </a:fld>
             <a:endParaRPr lang="en-US" dirty="0"/>
           </a:p>
@@ -14423,7 +14519,7 @@
           <a:p>
             <a:fld id="{DCC0965F-5C4D-4D57-8560-49DE2E8F69E1}" type="datetime1">
               <a:rPr lang="en-US" smtClean="0"/>
-              <a:t>10/30/2021</a:t>
+              <a:t>3/20/2022</a:t>
             </a:fld>
             <a:endParaRPr lang="en-US" dirty="0"/>
           </a:p>
@@ -14568,7 +14664,7 @@
           <a:p>
             <a:fld id="{E470E1BA-6770-4704-AEF1-C1E53A826593}" type="datetime1">
               <a:rPr lang="en-US" smtClean="0"/>
-              <a:t>10/30/2021</a:t>
+              <a:t>3/20/2022</a:t>
             </a:fld>
             <a:endParaRPr lang="en-US" dirty="0"/>
           </a:p>
@@ -14685,7 +14781,7 @@
           <a:p>
             <a:fld id="{6D69FE86-AC42-4784-A62A-371E4E04F25D}" type="datetime1">
               <a:rPr lang="en-US" smtClean="0"/>
-              <a:t>10/30/2021</a:t>
+              <a:t>3/20/2022</a:t>
             </a:fld>
             <a:endParaRPr lang="en-US" dirty="0"/>
           </a:p>
@@ -15000,7 +15096,7 @@
           <a:p>
             <a:fld id="{563FD4EB-8A2B-4B15-81B4-AF489665346C}" type="datetime1">
               <a:rPr lang="en-US" smtClean="0"/>
-              <a:t>10/30/2021</a:t>
+              <a:t>3/20/2022</a:t>
             </a:fld>
             <a:endParaRPr lang="en-US" dirty="0"/>
           </a:p>
@@ -15296,7 +15392,7 @@
           <a:p>
             <a:fld id="{5AFB6B90-020F-4ADD-B4E0-542FB5BFAA23}" type="datetime1">
               <a:rPr lang="en-US" smtClean="0"/>
-              <a:t>10/30/2021</a:t>
+              <a:t>3/20/2022</a:t>
             </a:fld>
             <a:endParaRPr lang="en-US" dirty="0"/>
           </a:p>
@@ -15541,7 +15637,7 @@
           <a:p>
             <a:fld id="{BF3C8070-8CAD-4030-857E-B3DF8F925AC3}" type="datetime1">
               <a:rPr lang="en-US" smtClean="0"/>
-              <a:t>10/30/2021</a:t>
+              <a:t>3/20/2022</a:t>
             </a:fld>
             <a:endParaRPr lang="en-US" dirty="0"/>
           </a:p>
@@ -16114,7 +16210,7 @@
           <a:p>
             <a:fld id="{DECF21A4-E71B-4D3A-AF45-E989C23A7BB1}" type="datetimeFigureOut">
               <a:rPr lang="en-US" smtClean="0"/>
-              <a:t>10/30/2021</a:t>
+              <a:t>3/20/2022</a:t>
             </a:fld>
             <a:endParaRPr lang="en-US" dirty="0"/>
           </a:p>
@@ -25783,7 +25879,7 @@
 </file>
 
 <file path=ppt/slides/slide22.xml><?xml version="1.0" encoding="utf-8"?>
-<p:sld xmlns:a="http://schemas.openxmlformats.org/drawingml/2006/main" xmlns:r="http://schemas.openxmlformats.org/officeDocument/2006/relationships" xmlns:p="http://schemas.openxmlformats.org/presentationml/2006/main" show="0">
+<p:sld xmlns:a="http://schemas.openxmlformats.org/drawingml/2006/main" xmlns:r="http://schemas.openxmlformats.org/officeDocument/2006/relationships" xmlns:p="http://schemas.openxmlformats.org/presentationml/2006/main">
   <p:cSld>
     <p:spTree>
       <p:nvGrpSpPr>
@@ -26158,7 +26254,7 @@
           <p:nvPr/>
         </p:nvPicPr>
         <p:blipFill>
-          <a:blip r:embed="rId2">
+          <a:blip r:embed="rId3">
             <a:extLst>
               <a:ext uri="{28A0092B-C50C-407E-A947-70E740481C1C}">
                 <a14:useLocalDpi xmlns:a14="http://schemas.microsoft.com/office/drawing/2010/main" val="0"/>
@@ -26376,7 +26472,7 @@
 </file>
 
 <file path=ppt/slides/slide25.xml><?xml version="1.0" encoding="utf-8"?>
-<p:sld xmlns:a="http://schemas.openxmlformats.org/drawingml/2006/main" xmlns:r="http://schemas.openxmlformats.org/officeDocument/2006/relationships" xmlns:p="http://schemas.openxmlformats.org/presentationml/2006/main">
+<p:sld xmlns:a="http://schemas.openxmlformats.org/drawingml/2006/main" xmlns:r="http://schemas.openxmlformats.org/officeDocument/2006/relationships" xmlns:p="http://schemas.openxmlformats.org/presentationml/2006/main" show="0">
   <p:cSld>
     <p:spTree>
       <p:nvGrpSpPr>
@@ -26484,1412 +26580,6 @@
 </file>
 
 <file path=ppt/slides/slide26.xml><?xml version="1.0" encoding="utf-8"?>
-<p:sld xmlns:a="http://schemas.openxmlformats.org/drawingml/2006/main" xmlns:r="http://schemas.openxmlformats.org/officeDocument/2006/relationships" xmlns:p="http://schemas.openxmlformats.org/presentationml/2006/main" show="0">
-  <p:cSld>
-    <p:spTree>
-      <p:nvGrpSpPr>
-        <p:cNvPr id="1" name=""/>
-        <p:cNvGrpSpPr/>
-        <p:nvPr/>
-      </p:nvGrpSpPr>
-      <p:grpSpPr>
-        <a:xfrm>
-          <a:off x="0" y="0"/>
-          <a:ext cx="0" cy="0"/>
-          <a:chOff x="0" y="0"/>
-          <a:chExt cx="0" cy="0"/>
-        </a:xfrm>
-      </p:grpSpPr>
-      <p:sp>
-        <p:nvSpPr>
-          <p:cNvPr id="2" name="Title 1">
-            <a:extLst>
-              <a:ext uri="{FF2B5EF4-FFF2-40B4-BE49-F238E27FC236}">
-                <a16:creationId xmlns:a16="http://schemas.microsoft.com/office/drawing/2014/main" id="{289CCA8D-D8C1-436B-B67A-A442C5908FD0}"/>
-              </a:ext>
-            </a:extLst>
-          </p:cNvPr>
-          <p:cNvSpPr>
-            <a:spLocks noGrp="1"/>
-          </p:cNvSpPr>
-          <p:nvPr>
-            <p:ph type="title"/>
-          </p:nvPr>
-        </p:nvSpPr>
-        <p:spPr>
-          <a:xfrm>
-            <a:off x="643467" y="321734"/>
-            <a:ext cx="10905066" cy="1135737"/>
-          </a:xfrm>
-        </p:spPr>
-        <p:txBody>
-          <a:bodyPr vert="horz" lIns="91440" tIns="45720" rIns="91440" bIns="45720" rtlCol="0" anchor="ctr">
-            <a:normAutofit/>
-          </a:bodyPr>
-          <a:lstStyle/>
-          <a:p>
-            <a:r>
-              <a:rPr lang="en-US" sz="3600"/>
-              <a:t>Confidence Intervals for Means </a:t>
-            </a:r>
-            <a:br>
-              <a:rPr lang="en-US" sz="3600"/>
-            </a:br>
-            <a:r>
-              <a:rPr lang="en-US" sz="3600"/>
-              <a:t>(Continuous Measures)</a:t>
-            </a:r>
-          </a:p>
-        </p:txBody>
-      </p:sp>
-      <p:sp>
-        <p:nvSpPr>
-          <p:cNvPr id="5" name="Content Placeholder 3">
-            <a:extLst>
-              <a:ext uri="{FF2B5EF4-FFF2-40B4-BE49-F238E27FC236}">
-                <a16:creationId xmlns:a16="http://schemas.microsoft.com/office/drawing/2014/main" id="{F5DB1179-8533-4272-9133-1850BB68514D}"/>
-              </a:ext>
-            </a:extLst>
-          </p:cNvPr>
-          <p:cNvSpPr>
-            <a:spLocks noGrp="1"/>
-          </p:cNvSpPr>
-          <p:nvPr/>
-        </p:nvSpPr>
-        <p:spPr bwMode="auto">
-          <a:xfrm>
-            <a:off x="643469" y="1782981"/>
-            <a:ext cx="4008384" cy="4393982"/>
-          </a:xfrm>
-          <a:prstGeom prst="rect">
-            <a:avLst/>
-          </a:prstGeom>
-        </p:spPr>
-        <p:txBody>
-          <a:bodyPr vert="horz" lIns="91440" tIns="45720" rIns="91440" bIns="45720" numCol="1" rtlCol="0" anchorCtr="0" compatLnSpc="1">
-            <a:prstTxWarp prst="textNoShape">
-              <a:avLst/>
-            </a:prstTxWarp>
-            <a:normAutofit/>
-          </a:bodyPr>
-          <a:lstStyle>
-            <a:lvl1pPr marL="342900" indent="-342900" algn="l" rtl="0" eaLnBrk="1" fontAlgn="base" hangingPunct="1">
-              <a:spcBef>
-                <a:spcPts val="600"/>
-              </a:spcBef>
-              <a:spcAft>
-                <a:spcPts val="600"/>
-              </a:spcAft>
-              <a:buChar char="•"/>
-              <a:defRPr sz="3600">
-                <a:solidFill>
-                  <a:schemeClr val="tx1"/>
-                </a:solidFill>
-                <a:latin typeface="+mj-lt"/>
-                <a:ea typeface="ＭＳ Ｐゴシック" pitchFamily="-105" charset="-128"/>
-                <a:cs typeface="Times New Roman MT Std"/>
-              </a:defRPr>
-            </a:lvl1pPr>
-            <a:lvl2pPr marL="804672" indent="-347472" algn="l" rtl="0" eaLnBrk="1" fontAlgn="base" hangingPunct="1">
-              <a:spcBef>
-                <a:spcPts val="600"/>
-              </a:spcBef>
-              <a:spcAft>
-                <a:spcPts val="600"/>
-              </a:spcAft>
-              <a:buFont typeface="Arial" panose="020B0604020202020204" pitchFamily="34" charset="0"/>
-              <a:buChar char="•"/>
-              <a:defRPr sz="3200">
-                <a:solidFill>
-                  <a:schemeClr val="tx1"/>
-                </a:solidFill>
-                <a:latin typeface="+mj-lt"/>
-                <a:ea typeface="ＭＳ Ｐゴシック" charset="-128"/>
-                <a:cs typeface="Times New Roman MT Std"/>
-              </a:defRPr>
-            </a:lvl2pPr>
-            <a:lvl3pPr marL="1188720" indent="-274320" algn="l" rtl="0" eaLnBrk="1" fontAlgn="base" hangingPunct="1">
-              <a:spcBef>
-                <a:spcPts val="600"/>
-              </a:spcBef>
-              <a:spcAft>
-                <a:spcPts val="600"/>
-              </a:spcAft>
-              <a:buChar char="•"/>
-              <a:defRPr sz="3000">
-                <a:solidFill>
-                  <a:schemeClr val="tx1"/>
-                </a:solidFill>
-                <a:latin typeface="+mj-lt"/>
-                <a:ea typeface="ＭＳ Ｐゴシック" charset="-128"/>
-                <a:cs typeface="Times New Roman MT Std"/>
-              </a:defRPr>
-            </a:lvl3pPr>
-            <a:lvl4pPr marL="1645920" indent="-274320" algn="l" rtl="0" eaLnBrk="1" fontAlgn="base" hangingPunct="1">
-              <a:spcBef>
-                <a:spcPts val="600"/>
-              </a:spcBef>
-              <a:spcAft>
-                <a:spcPts val="600"/>
-              </a:spcAft>
-              <a:buFont typeface="Arial" panose="020B0604020202020204" pitchFamily="34" charset="0"/>
-              <a:buChar char="•"/>
-              <a:defRPr sz="2800">
-                <a:solidFill>
-                  <a:schemeClr val="tx1"/>
-                </a:solidFill>
-                <a:latin typeface="+mj-lt"/>
-                <a:ea typeface="ＭＳ Ｐゴシック" charset="-128"/>
-                <a:cs typeface="Times New Roman MT Std"/>
-              </a:defRPr>
-            </a:lvl4pPr>
-            <a:lvl5pPr marL="2057400" indent="-228600" algn="l" rtl="0" eaLnBrk="1" fontAlgn="base" hangingPunct="1">
-              <a:spcBef>
-                <a:spcPts val="600"/>
-              </a:spcBef>
-              <a:spcAft>
-                <a:spcPts val="600"/>
-              </a:spcAft>
-              <a:buFont typeface="Arial" panose="020B0604020202020204" pitchFamily="34" charset="0"/>
-              <a:buChar char="•"/>
-              <a:defRPr sz="2400">
-                <a:solidFill>
-                  <a:schemeClr val="tx1"/>
-                </a:solidFill>
-                <a:latin typeface="+mj-lt"/>
-                <a:ea typeface="ＭＳ Ｐゴシック" charset="-128"/>
-                <a:cs typeface="Times New Roman MT Std"/>
-              </a:defRPr>
-            </a:lvl5pPr>
-            <a:lvl6pPr marL="2514600" indent="-228600" algn="l" rtl="0" eaLnBrk="1" fontAlgn="base" hangingPunct="1">
-              <a:spcBef>
-                <a:spcPct val="20000"/>
-              </a:spcBef>
-              <a:spcAft>
-                <a:spcPct val="0"/>
-              </a:spcAft>
-              <a:buChar char="»"/>
-              <a:defRPr sz="1600">
-                <a:solidFill>
-                  <a:schemeClr val="tx1"/>
-                </a:solidFill>
-                <a:latin typeface="+mn-lt"/>
-                <a:ea typeface="ＭＳ Ｐゴシック" charset="-128"/>
-              </a:defRPr>
-            </a:lvl6pPr>
-            <a:lvl7pPr marL="2971800" indent="-228600" algn="l" rtl="0" eaLnBrk="1" fontAlgn="base" hangingPunct="1">
-              <a:spcBef>
-                <a:spcPct val="20000"/>
-              </a:spcBef>
-              <a:spcAft>
-                <a:spcPct val="0"/>
-              </a:spcAft>
-              <a:buChar char="»"/>
-              <a:defRPr sz="1600">
-                <a:solidFill>
-                  <a:schemeClr val="tx1"/>
-                </a:solidFill>
-                <a:latin typeface="+mn-lt"/>
-                <a:ea typeface="ＭＳ Ｐゴシック" charset="-128"/>
-              </a:defRPr>
-            </a:lvl7pPr>
-            <a:lvl8pPr marL="3429000" indent="-228600" algn="l" rtl="0" eaLnBrk="1" fontAlgn="base" hangingPunct="1">
-              <a:spcBef>
-                <a:spcPct val="20000"/>
-              </a:spcBef>
-              <a:spcAft>
-                <a:spcPct val="0"/>
-              </a:spcAft>
-              <a:buChar char="»"/>
-              <a:defRPr sz="1600">
-                <a:solidFill>
-                  <a:schemeClr val="tx1"/>
-                </a:solidFill>
-                <a:latin typeface="+mn-lt"/>
-                <a:ea typeface="ＭＳ Ｐゴシック" charset="-128"/>
-              </a:defRPr>
-            </a:lvl8pPr>
-            <a:lvl9pPr marL="3886200" indent="-228600" algn="l" rtl="0" eaLnBrk="1" fontAlgn="base" hangingPunct="1">
-              <a:spcBef>
-                <a:spcPct val="20000"/>
-              </a:spcBef>
-              <a:spcAft>
-                <a:spcPct val="0"/>
-              </a:spcAft>
-              <a:buChar char="»"/>
-              <a:defRPr sz="1600">
-                <a:solidFill>
-                  <a:schemeClr val="tx1"/>
-                </a:solidFill>
-                <a:latin typeface="+mn-lt"/>
-                <a:ea typeface="ＭＳ Ｐゴシック" charset="-128"/>
-              </a:defRPr>
-            </a:lvl9pPr>
-          </a:lstStyle>
-          <a:p>
-            <a:pPr marL="0" indent="-228600">
-              <a:lnSpc>
-                <a:spcPct val="90000"/>
-              </a:lnSpc>
-              <a:buFont typeface="Arial" panose="020B0604020202020204" pitchFamily="34" charset="0"/>
-              <a:buChar char="•"/>
-            </a:pPr>
-            <a:r>
-              <a:rPr lang="en-US" sz="2000" dirty="0">
-                <a:latin typeface="+mn-lt"/>
-                <a:ea typeface="+mn-ea"/>
-                <a:cs typeface="+mn-cs"/>
-              </a:rPr>
-              <a:t>where </a:t>
-            </a:r>
-          </a:p>
-          <a:p>
-            <a:pPr marL="461772" lvl="1" indent="-228600">
-              <a:lnSpc>
-                <a:spcPct val="90000"/>
-              </a:lnSpc>
-            </a:pPr>
-            <a:r>
-              <a:rPr lang="en-US" sz="1600" i="1" dirty="0">
-                <a:latin typeface="+mn-lt"/>
-                <a:ea typeface="+mn-ea"/>
-                <a:cs typeface="+mn-cs"/>
-              </a:rPr>
-              <a:t>z</a:t>
-            </a:r>
-            <a:r>
-              <a:rPr lang="en-US" sz="1600" dirty="0">
-                <a:latin typeface="+mn-lt"/>
-                <a:ea typeface="+mn-ea"/>
-                <a:cs typeface="+mn-cs"/>
-              </a:rPr>
-              <a:t> = </a:t>
-            </a:r>
-            <a:r>
-              <a:rPr lang="en-US" sz="1600" i="1" dirty="0">
-                <a:latin typeface="+mn-lt"/>
-                <a:ea typeface="+mn-ea"/>
-                <a:cs typeface="+mn-cs"/>
-              </a:rPr>
-              <a:t>z</a:t>
-            </a:r>
-            <a:r>
-              <a:rPr lang="en-US" sz="1600" dirty="0">
-                <a:latin typeface="+mn-lt"/>
-                <a:ea typeface="+mn-ea"/>
-                <a:cs typeface="+mn-cs"/>
-              </a:rPr>
-              <a:t> score associated with the desired level of confidence </a:t>
-            </a:r>
-          </a:p>
-          <a:p>
-            <a:pPr marL="461772" lvl="1" indent="-228600">
-              <a:lnSpc>
-                <a:spcPct val="90000"/>
-              </a:lnSpc>
-            </a:pPr>
-            <a:r>
-              <a:rPr lang="en-US" sz="1600" i="1" dirty="0">
-                <a:latin typeface="+mn-lt"/>
-                <a:ea typeface="+mn-ea"/>
-                <a:cs typeface="+mn-cs"/>
-              </a:rPr>
-              <a:t>s</a:t>
-            </a:r>
-            <a:r>
-              <a:rPr lang="en-US" sz="1600" dirty="0">
-                <a:latin typeface="+mn-lt"/>
-                <a:ea typeface="+mn-ea"/>
-                <a:cs typeface="+mn-cs"/>
-              </a:rPr>
-              <a:t> = the sample standard deviation</a:t>
-            </a:r>
-          </a:p>
-          <a:p>
-            <a:pPr marL="461772" lvl="1" indent="-228600">
-              <a:lnSpc>
-                <a:spcPct val="90000"/>
-              </a:lnSpc>
-            </a:pPr>
-            <a:r>
-              <a:rPr lang="en-US" sz="1600" i="1" dirty="0">
-                <a:latin typeface="+mn-lt"/>
-                <a:ea typeface="+mn-ea"/>
-                <a:cs typeface="+mn-cs"/>
-              </a:rPr>
-              <a:t>n</a:t>
-            </a:r>
-            <a:r>
-              <a:rPr lang="en-US" sz="1600" dirty="0">
-                <a:latin typeface="+mn-lt"/>
-                <a:ea typeface="+mn-ea"/>
-                <a:cs typeface="+mn-cs"/>
-              </a:rPr>
-              <a:t> = the total number of cases used to calculate the mean.</a:t>
-            </a:r>
-          </a:p>
-        </p:txBody>
-      </p:sp>
-      <p:pic>
-        <p:nvPicPr>
-          <p:cNvPr id="4" name="Picture 3" descr="A formula reads, sampling error equals z times (s divided by square root of n).">
-            <a:extLst>
-              <a:ext uri="{FF2B5EF4-FFF2-40B4-BE49-F238E27FC236}">
-                <a16:creationId xmlns:a16="http://schemas.microsoft.com/office/drawing/2014/main" id="{FF8E7408-58D7-451C-A47B-374C2382DBD3}"/>
-              </a:ext>
-            </a:extLst>
-          </p:cNvPr>
-          <p:cNvPicPr>
-            <a:picLocks noGrp="1" noChangeAspect="1" noChangeArrowheads="1"/>
-          </p:cNvPicPr>
-          <p:nvPr/>
-        </p:nvPicPr>
-        <p:blipFill>
-          <a:blip r:embed="rId2">
-            <a:extLst>
-              <a:ext uri="{28A0092B-C50C-407E-A947-70E740481C1C}">
-                <a14:useLocalDpi xmlns:a14="http://schemas.microsoft.com/office/drawing/2010/main" val="0"/>
-              </a:ext>
-            </a:extLst>
-          </a:blip>
-          <a:stretch>
-            <a:fillRect/>
-          </a:stretch>
-        </p:blipFill>
-        <p:spPr bwMode="auto">
-          <a:xfrm>
-            <a:off x="5295319" y="2003469"/>
-            <a:ext cx="6253211" cy="1675584"/>
-          </a:xfrm>
-          <a:prstGeom prst="rect">
-            <a:avLst/>
-          </a:prstGeom>
-          <a:noFill/>
-          <a:extLst>
-            <a:ext uri="{909E8E84-426E-40DD-AFC4-6F175D3DCCD1}">
-              <a14:hiddenFill xmlns:a14="http://schemas.microsoft.com/office/drawing/2010/main">
-                <a:solidFill>
-                  <a:schemeClr val="accent1"/>
-                </a:solidFill>
-              </a14:hiddenFill>
-            </a:ext>
-            <a:ext uri="{91240B29-F687-4F45-9708-019B960494DF}">
-              <a14:hiddenLine xmlns:a14="http://schemas.microsoft.com/office/drawing/2010/main" w="9525">
-                <a:solidFill>
-                  <a:schemeClr val="tx1"/>
-                </a:solidFill>
-                <a:miter lim="800000"/>
-                <a:headEnd/>
-                <a:tailEnd/>
-              </a14:hiddenLine>
-            </a:ext>
-          </a:extLst>
-        </p:spPr>
-      </p:pic>
-      <p:pic>
-        <p:nvPicPr>
-          <p:cNvPr id="6" name="Picture 5" descr="Another formula titled confidence interval reads, (x bar minus sampling error) is less than or equal to mu, which is less than or equal to (x bar plus sampling error).">
-            <a:extLst>
-              <a:ext uri="{FF2B5EF4-FFF2-40B4-BE49-F238E27FC236}">
-                <a16:creationId xmlns:a16="http://schemas.microsoft.com/office/drawing/2014/main" id="{095809F4-1549-4CFA-B82C-071E391D0987}"/>
-              </a:ext>
-            </a:extLst>
-          </p:cNvPr>
-          <p:cNvPicPr>
-            <a:picLocks noGrp="1" noChangeAspect="1" noChangeArrowheads="1"/>
-          </p:cNvPicPr>
-          <p:nvPr/>
-        </p:nvPicPr>
-        <p:blipFill>
-          <a:blip r:embed="rId3">
-            <a:extLst>
-              <a:ext uri="{28A0092B-C50C-407E-A947-70E740481C1C}">
-                <a14:useLocalDpi xmlns:a14="http://schemas.microsoft.com/office/drawing/2010/main" val="0"/>
-              </a:ext>
-            </a:extLst>
-          </a:blip>
-          <a:stretch>
-            <a:fillRect/>
-          </a:stretch>
-        </p:blipFill>
-        <p:spPr bwMode="auto">
-          <a:xfrm>
-            <a:off x="5295320" y="4625832"/>
-            <a:ext cx="6253212" cy="953614"/>
-          </a:xfrm>
-          <a:prstGeom prst="rect">
-            <a:avLst/>
-          </a:prstGeom>
-          <a:noFill/>
-          <a:extLst>
-            <a:ext uri="{909E8E84-426E-40DD-AFC4-6F175D3DCCD1}">
-              <a14:hiddenFill xmlns:a14="http://schemas.microsoft.com/office/drawing/2010/main">
-                <a:solidFill>
-                  <a:srgbClr val="FFFFFF"/>
-                </a:solidFill>
-              </a14:hiddenFill>
-            </a:ext>
-          </a:extLst>
-        </p:spPr>
-      </p:pic>
-    </p:spTree>
-    <p:extLst>
-      <p:ext uri="{BB962C8B-B14F-4D97-AF65-F5344CB8AC3E}">
-        <p14:creationId xmlns:p14="http://schemas.microsoft.com/office/powerpoint/2010/main" val="2320293064"/>
-      </p:ext>
-    </p:extLst>
-  </p:cSld>
-  <p:clrMapOvr>
-    <a:masterClrMapping/>
-  </p:clrMapOvr>
-</p:sld>
-</file>
-
-<file path=ppt/slides/slide27.xml><?xml version="1.0" encoding="utf-8"?>
-<p:sld xmlns:a="http://schemas.openxmlformats.org/drawingml/2006/main" xmlns:r="http://schemas.openxmlformats.org/officeDocument/2006/relationships" xmlns:p="http://schemas.openxmlformats.org/presentationml/2006/main" show="0">
-  <p:cSld>
-    <p:spTree>
-      <p:nvGrpSpPr>
-        <p:cNvPr id="1" name=""/>
-        <p:cNvGrpSpPr/>
-        <p:nvPr/>
-      </p:nvGrpSpPr>
-      <p:grpSpPr>
-        <a:xfrm>
-          <a:off x="0" y="0"/>
-          <a:ext cx="0" cy="0"/>
-          <a:chOff x="0" y="0"/>
-          <a:chExt cx="0" cy="0"/>
-        </a:xfrm>
-      </p:grpSpPr>
-      <p:sp>
-        <p:nvSpPr>
-          <p:cNvPr id="2" name="Title 1">
-            <a:extLst>
-              <a:ext uri="{FF2B5EF4-FFF2-40B4-BE49-F238E27FC236}">
-                <a16:creationId xmlns:a16="http://schemas.microsoft.com/office/drawing/2014/main" id="{A85C54B5-83B9-47F3-A225-82113848B6B7}"/>
-              </a:ext>
-            </a:extLst>
-          </p:cNvPr>
-          <p:cNvSpPr>
-            <a:spLocks noGrp="1"/>
-          </p:cNvSpPr>
-          <p:nvPr>
-            <p:ph type="title"/>
-          </p:nvPr>
-        </p:nvSpPr>
-        <p:spPr>
-          <a:xfrm>
-            <a:off x="841246" y="673770"/>
-            <a:ext cx="3644489" cy="2414488"/>
-          </a:xfrm>
-        </p:spPr>
-        <p:txBody>
-          <a:bodyPr vert="horz" lIns="91440" tIns="45720" rIns="91440" bIns="45720" rtlCol="0" anchor="t">
-            <a:normAutofit/>
-          </a:bodyPr>
-          <a:lstStyle/>
-          <a:p>
-            <a:r>
-              <a:rPr lang="en-US" altLang="en-US" sz="3000" b="1" kern="1200">
-                <a:solidFill>
-                  <a:srgbClr val="FFFFFF"/>
-                </a:solidFill>
-                <a:latin typeface="+mj-lt"/>
-                <a:ea typeface="+mj-ea"/>
-                <a:cs typeface="+mj-cs"/>
-              </a:rPr>
-              <a:t>Question:</a:t>
-            </a:r>
-            <a:r>
-              <a:rPr lang="en-US" altLang="en-US" sz="3000" kern="1200">
-                <a:solidFill>
-                  <a:srgbClr val="FFFFFF"/>
-                </a:solidFill>
-                <a:latin typeface="+mj-lt"/>
-                <a:ea typeface="+mj-ea"/>
-                <a:cs typeface="+mj-cs"/>
-              </a:rPr>
-              <a:t> How many times per month do AFC members visit the center? </a:t>
-            </a:r>
-            <a:endParaRPr lang="en-US" sz="3000" kern="1200">
-              <a:solidFill>
-                <a:srgbClr val="FFFFFF"/>
-              </a:solidFill>
-              <a:latin typeface="+mj-lt"/>
-              <a:ea typeface="+mj-ea"/>
-              <a:cs typeface="+mj-cs"/>
-            </a:endParaRPr>
-          </a:p>
-        </p:txBody>
-      </p:sp>
-      <p:sp>
-        <p:nvSpPr>
-          <p:cNvPr id="4" name="Content Placeholder 2">
-            <a:extLst>
-              <a:ext uri="{FF2B5EF4-FFF2-40B4-BE49-F238E27FC236}">
-                <a16:creationId xmlns:a16="http://schemas.microsoft.com/office/drawing/2014/main" id="{91FAC67F-51AA-4D0C-8E5A-7C1D86139ABA}"/>
-              </a:ext>
-            </a:extLst>
-          </p:cNvPr>
-          <p:cNvSpPr>
-            <a:spLocks noGrp="1"/>
-          </p:cNvSpPr>
-          <p:nvPr/>
-        </p:nvSpPr>
-        <p:spPr bwMode="auto">
-          <a:xfrm>
-            <a:off x="6095999" y="882315"/>
-            <a:ext cx="5254754" cy="5294647"/>
-          </a:xfrm>
-          <a:prstGeom prst="rect">
-            <a:avLst/>
-          </a:prstGeom>
-        </p:spPr>
-        <p:txBody>
-          <a:bodyPr vert="horz" lIns="91440" tIns="45720" rIns="91440" bIns="45720" numCol="1" rtlCol="0" anchorCtr="0" compatLnSpc="1">
-            <a:prstTxWarp prst="textNoShape">
-              <a:avLst/>
-            </a:prstTxWarp>
-            <a:normAutofit/>
-          </a:bodyPr>
-          <a:lstStyle>
-            <a:lvl1pPr marL="342900" indent="-342900" algn="l" rtl="0" eaLnBrk="1" fontAlgn="base" hangingPunct="1">
-              <a:spcBef>
-                <a:spcPct val="20000"/>
-              </a:spcBef>
-              <a:spcAft>
-                <a:spcPct val="0"/>
-              </a:spcAft>
-              <a:buChar char="•"/>
-              <a:defRPr sz="3600">
-                <a:solidFill>
-                  <a:schemeClr val="tx1"/>
-                </a:solidFill>
-                <a:latin typeface="+mj-lt"/>
-                <a:ea typeface="ＭＳ Ｐゴシック" pitchFamily="-105" charset="-128"/>
-                <a:cs typeface="Times New Roman MT Std"/>
-              </a:defRPr>
-            </a:lvl1pPr>
-            <a:lvl2pPr marL="804672" indent="-347472" algn="l" rtl="0" eaLnBrk="1" fontAlgn="base" hangingPunct="1">
-              <a:spcBef>
-                <a:spcPct val="20000"/>
-              </a:spcBef>
-              <a:spcAft>
-                <a:spcPct val="0"/>
-              </a:spcAft>
-              <a:buFont typeface="Arial" panose="020B0604020202020204" pitchFamily="34" charset="0"/>
-              <a:buChar char="•"/>
-              <a:defRPr sz="3200">
-                <a:solidFill>
-                  <a:schemeClr val="tx1"/>
-                </a:solidFill>
-                <a:latin typeface="+mj-lt"/>
-                <a:ea typeface="ＭＳ Ｐゴシック" charset="-128"/>
-                <a:cs typeface="Times New Roman MT Std"/>
-              </a:defRPr>
-            </a:lvl2pPr>
-            <a:lvl3pPr marL="1188720" indent="-274320" algn="l" rtl="0" eaLnBrk="1" fontAlgn="base" hangingPunct="1">
-              <a:spcBef>
-                <a:spcPct val="20000"/>
-              </a:spcBef>
-              <a:spcAft>
-                <a:spcPct val="0"/>
-              </a:spcAft>
-              <a:buChar char="•"/>
-              <a:defRPr sz="3000">
-                <a:solidFill>
-                  <a:schemeClr val="tx1"/>
-                </a:solidFill>
-                <a:latin typeface="+mj-lt"/>
-                <a:ea typeface="ＭＳ Ｐゴシック" charset="-128"/>
-                <a:cs typeface="Times New Roman MT Std"/>
-              </a:defRPr>
-            </a:lvl3pPr>
-            <a:lvl4pPr marL="1645920" indent="-274320" algn="l" rtl="0" eaLnBrk="1" fontAlgn="base" hangingPunct="1">
-              <a:spcBef>
-                <a:spcPct val="20000"/>
-              </a:spcBef>
-              <a:spcAft>
-                <a:spcPct val="0"/>
-              </a:spcAft>
-              <a:buFont typeface="Arial" panose="020B0604020202020204" pitchFamily="34" charset="0"/>
-              <a:buChar char="•"/>
-              <a:defRPr sz="2800">
-                <a:solidFill>
-                  <a:schemeClr val="tx1"/>
-                </a:solidFill>
-                <a:latin typeface="+mj-lt"/>
-                <a:ea typeface="ＭＳ Ｐゴシック" charset="-128"/>
-                <a:cs typeface="Times New Roman MT Std"/>
-              </a:defRPr>
-            </a:lvl4pPr>
-            <a:lvl5pPr marL="2057400" indent="-228600" algn="l" rtl="0" eaLnBrk="1" fontAlgn="base" hangingPunct="1">
-              <a:spcBef>
-                <a:spcPct val="20000"/>
-              </a:spcBef>
-              <a:spcAft>
-                <a:spcPct val="0"/>
-              </a:spcAft>
-              <a:buFont typeface="Arial" panose="020B0604020202020204" pitchFamily="34" charset="0"/>
-              <a:buChar char="•"/>
-              <a:defRPr sz="2400">
-                <a:solidFill>
-                  <a:schemeClr val="tx1"/>
-                </a:solidFill>
-                <a:latin typeface="+mj-lt"/>
-                <a:ea typeface="ＭＳ Ｐゴシック" charset="-128"/>
-                <a:cs typeface="Times New Roman MT Std"/>
-              </a:defRPr>
-            </a:lvl5pPr>
-            <a:lvl6pPr marL="2514600" indent="-228600" algn="l" rtl="0" eaLnBrk="1" fontAlgn="base" hangingPunct="1">
-              <a:spcBef>
-                <a:spcPct val="20000"/>
-              </a:spcBef>
-              <a:spcAft>
-                <a:spcPct val="0"/>
-              </a:spcAft>
-              <a:buChar char="»"/>
-              <a:defRPr sz="1800">
-                <a:solidFill>
-                  <a:schemeClr val="tx1"/>
-                </a:solidFill>
-                <a:latin typeface="+mn-lt"/>
-                <a:ea typeface="ＭＳ Ｐゴシック" charset="-128"/>
-              </a:defRPr>
-            </a:lvl6pPr>
-            <a:lvl7pPr marL="2971800" indent="-228600" algn="l" rtl="0" eaLnBrk="1" fontAlgn="base" hangingPunct="1">
-              <a:spcBef>
-                <a:spcPct val="20000"/>
-              </a:spcBef>
-              <a:spcAft>
-                <a:spcPct val="0"/>
-              </a:spcAft>
-              <a:buChar char="»"/>
-              <a:defRPr sz="1800">
-                <a:solidFill>
-                  <a:schemeClr val="tx1"/>
-                </a:solidFill>
-                <a:latin typeface="+mn-lt"/>
-                <a:ea typeface="ＭＳ Ｐゴシック" charset="-128"/>
-              </a:defRPr>
-            </a:lvl7pPr>
-            <a:lvl8pPr marL="3429000" indent="-228600" algn="l" rtl="0" eaLnBrk="1" fontAlgn="base" hangingPunct="1">
-              <a:spcBef>
-                <a:spcPct val="20000"/>
-              </a:spcBef>
-              <a:spcAft>
-                <a:spcPct val="0"/>
-              </a:spcAft>
-              <a:buChar char="»"/>
-              <a:defRPr sz="1800">
-                <a:solidFill>
-                  <a:schemeClr val="tx1"/>
-                </a:solidFill>
-                <a:latin typeface="+mn-lt"/>
-                <a:ea typeface="ＭＳ Ｐゴシック" charset="-128"/>
-              </a:defRPr>
-            </a:lvl8pPr>
-            <a:lvl9pPr marL="3886200" indent="-228600" algn="l" rtl="0" eaLnBrk="1" fontAlgn="base" hangingPunct="1">
-              <a:spcBef>
-                <a:spcPct val="20000"/>
-              </a:spcBef>
-              <a:spcAft>
-                <a:spcPct val="0"/>
-              </a:spcAft>
-              <a:buChar char="»"/>
-              <a:defRPr sz="1800">
-                <a:solidFill>
-                  <a:schemeClr val="tx1"/>
-                </a:solidFill>
-                <a:latin typeface="+mn-lt"/>
-                <a:ea typeface="ＭＳ Ｐゴシック" charset="-128"/>
-              </a:defRPr>
-            </a:lvl9pPr>
-          </a:lstStyle>
-          <a:p>
-            <a:pPr marL="0" indent="-228600">
-              <a:lnSpc>
-                <a:spcPct val="90000"/>
-              </a:lnSpc>
-              <a:buFont typeface="Arial" panose="020B0604020202020204" pitchFamily="34" charset="0"/>
-              <a:buChar char="•"/>
-            </a:pPr>
-            <a:r>
-              <a:rPr lang="en-US" altLang="en-US" sz="2200" b="1" i="1">
-                <a:latin typeface="+mn-lt"/>
-                <a:ea typeface="+mn-ea"/>
-                <a:cs typeface="+mn-cs"/>
-              </a:rPr>
-              <a:t>Solution: </a:t>
-            </a:r>
-            <a:r>
-              <a:rPr lang="en-US" altLang="en-US" sz="2200">
-                <a:latin typeface="+mn-lt"/>
-                <a:ea typeface="+mn-ea"/>
-                <a:cs typeface="+mn-cs"/>
-              </a:rPr>
-              <a:t>Compute the 95% confidence interval based on the mean number of visits to the Center reported by sample respondents.</a:t>
-            </a:r>
-            <a:endParaRPr lang="en-US" sz="2200">
-              <a:latin typeface="+mn-lt"/>
-              <a:ea typeface="+mn-ea"/>
-              <a:cs typeface="+mn-cs"/>
-            </a:endParaRPr>
-          </a:p>
-        </p:txBody>
-      </p:sp>
-      <p:sp>
-        <p:nvSpPr>
-          <p:cNvPr id="5" name="Content Placeholder 3">
-            <a:extLst>
-              <a:ext uri="{FF2B5EF4-FFF2-40B4-BE49-F238E27FC236}">
-                <a16:creationId xmlns:a16="http://schemas.microsoft.com/office/drawing/2014/main" id="{5049DD59-FE8F-4DC5-985B-E1CD41ECB89C}"/>
-              </a:ext>
-            </a:extLst>
-          </p:cNvPr>
-          <p:cNvSpPr>
-            <a:spLocks noGrp="1"/>
-          </p:cNvSpPr>
-          <p:nvPr/>
-        </p:nvSpPr>
-        <p:spPr bwMode="auto">
-          <a:xfrm>
-            <a:off x="3578353" y="4180955"/>
-            <a:ext cx="7772400" cy="2057400"/>
-          </a:xfrm>
-          <a:prstGeom prst="rect">
-            <a:avLst/>
-          </a:prstGeom>
-          <a:solidFill>
-            <a:srgbClr val="CCCCCC"/>
-          </a:solidFill>
-          <a:ln w="9525">
-            <a:noFill/>
-            <a:miter lim="800000"/>
-            <a:headEnd/>
-            <a:tailEnd/>
-          </a:ln>
-        </p:spPr>
-        <p:txBody>
-          <a:bodyPr vert="horz" wrap="square" lIns="91440" tIns="45720" rIns="91440" bIns="45720" numCol="1" anchor="t" anchorCtr="0" compatLnSpc="1">
-            <a:prstTxWarp prst="textNoShape">
-              <a:avLst/>
-            </a:prstTxWarp>
-          </a:bodyPr>
-          <a:lstStyle>
-            <a:lvl1pPr marL="342900" indent="-342900" algn="l" rtl="0" eaLnBrk="1" fontAlgn="base" hangingPunct="1">
-              <a:spcBef>
-                <a:spcPct val="20000"/>
-              </a:spcBef>
-              <a:spcAft>
-                <a:spcPct val="0"/>
-              </a:spcAft>
-              <a:buChar char="•"/>
-              <a:defRPr sz="3600">
-                <a:solidFill>
-                  <a:schemeClr val="tx1"/>
-                </a:solidFill>
-                <a:latin typeface="+mj-lt"/>
-                <a:ea typeface="ＭＳ Ｐゴシック" pitchFamily="-105" charset="-128"/>
-                <a:cs typeface="Times New Roman MT Std"/>
-              </a:defRPr>
-            </a:lvl1pPr>
-            <a:lvl2pPr marL="804672" indent="-347472" algn="l" rtl="0" eaLnBrk="1" fontAlgn="base" hangingPunct="1">
-              <a:spcBef>
-                <a:spcPct val="20000"/>
-              </a:spcBef>
-              <a:spcAft>
-                <a:spcPct val="0"/>
-              </a:spcAft>
-              <a:buFont typeface="Arial" panose="020B0604020202020204" pitchFamily="34" charset="0"/>
-              <a:buChar char="•"/>
-              <a:defRPr sz="3200">
-                <a:solidFill>
-                  <a:schemeClr val="tx1"/>
-                </a:solidFill>
-                <a:latin typeface="+mj-lt"/>
-                <a:ea typeface="ＭＳ Ｐゴシック" charset="-128"/>
-                <a:cs typeface="Times New Roman MT Std"/>
-              </a:defRPr>
-            </a:lvl2pPr>
-            <a:lvl3pPr marL="1188720" indent="-274320" algn="l" rtl="0" eaLnBrk="1" fontAlgn="base" hangingPunct="1">
-              <a:spcBef>
-                <a:spcPct val="20000"/>
-              </a:spcBef>
-              <a:spcAft>
-                <a:spcPct val="0"/>
-              </a:spcAft>
-              <a:buChar char="•"/>
-              <a:defRPr sz="3000">
-                <a:solidFill>
-                  <a:schemeClr val="tx1"/>
-                </a:solidFill>
-                <a:latin typeface="+mj-lt"/>
-                <a:ea typeface="ＭＳ Ｐゴシック" charset="-128"/>
-                <a:cs typeface="Times New Roman MT Std"/>
-              </a:defRPr>
-            </a:lvl3pPr>
-            <a:lvl4pPr marL="1645920" indent="-274320" algn="l" rtl="0" eaLnBrk="1" fontAlgn="base" hangingPunct="1">
-              <a:spcBef>
-                <a:spcPct val="20000"/>
-              </a:spcBef>
-              <a:spcAft>
-                <a:spcPct val="0"/>
-              </a:spcAft>
-              <a:buFont typeface="Arial" panose="020B0604020202020204" pitchFamily="34" charset="0"/>
-              <a:buChar char="•"/>
-              <a:defRPr sz="2800">
-                <a:solidFill>
-                  <a:schemeClr val="tx1"/>
-                </a:solidFill>
-                <a:latin typeface="+mj-lt"/>
-                <a:ea typeface="ＭＳ Ｐゴシック" charset="-128"/>
-                <a:cs typeface="Times New Roman MT Std"/>
-              </a:defRPr>
-            </a:lvl4pPr>
-            <a:lvl5pPr marL="2057400" indent="-228600" algn="l" rtl="0" eaLnBrk="1" fontAlgn="base" hangingPunct="1">
-              <a:spcBef>
-                <a:spcPct val="20000"/>
-              </a:spcBef>
-              <a:spcAft>
-                <a:spcPct val="0"/>
-              </a:spcAft>
-              <a:buFont typeface="Arial" panose="020B0604020202020204" pitchFamily="34" charset="0"/>
-              <a:buChar char="•"/>
-              <a:defRPr sz="2400">
-                <a:solidFill>
-                  <a:schemeClr val="tx1"/>
-                </a:solidFill>
-                <a:latin typeface="+mj-lt"/>
-                <a:ea typeface="ＭＳ Ｐゴシック" charset="-128"/>
-                <a:cs typeface="Times New Roman MT Std"/>
-              </a:defRPr>
-            </a:lvl5pPr>
-            <a:lvl6pPr marL="2514600" indent="-228600" algn="l" rtl="0" eaLnBrk="1" fontAlgn="base" hangingPunct="1">
-              <a:spcBef>
-                <a:spcPct val="20000"/>
-              </a:spcBef>
-              <a:spcAft>
-                <a:spcPct val="0"/>
-              </a:spcAft>
-              <a:buChar char="»"/>
-              <a:defRPr sz="1800">
-                <a:solidFill>
-                  <a:schemeClr val="tx1"/>
-                </a:solidFill>
-                <a:latin typeface="+mn-lt"/>
-                <a:ea typeface="ＭＳ Ｐゴシック" charset="-128"/>
-              </a:defRPr>
-            </a:lvl6pPr>
-            <a:lvl7pPr marL="2971800" indent="-228600" algn="l" rtl="0" eaLnBrk="1" fontAlgn="base" hangingPunct="1">
-              <a:spcBef>
-                <a:spcPct val="20000"/>
-              </a:spcBef>
-              <a:spcAft>
-                <a:spcPct val="0"/>
-              </a:spcAft>
-              <a:buChar char="»"/>
-              <a:defRPr sz="1800">
-                <a:solidFill>
-                  <a:schemeClr val="tx1"/>
-                </a:solidFill>
-                <a:latin typeface="+mn-lt"/>
-                <a:ea typeface="ＭＳ Ｐゴシック" charset="-128"/>
-              </a:defRPr>
-            </a:lvl7pPr>
-            <a:lvl8pPr marL="3429000" indent="-228600" algn="l" rtl="0" eaLnBrk="1" fontAlgn="base" hangingPunct="1">
-              <a:spcBef>
-                <a:spcPct val="20000"/>
-              </a:spcBef>
-              <a:spcAft>
-                <a:spcPct val="0"/>
-              </a:spcAft>
-              <a:buChar char="»"/>
-              <a:defRPr sz="1800">
-                <a:solidFill>
-                  <a:schemeClr val="tx1"/>
-                </a:solidFill>
-                <a:latin typeface="+mn-lt"/>
-                <a:ea typeface="ＭＳ Ｐゴシック" charset="-128"/>
-              </a:defRPr>
-            </a:lvl8pPr>
-            <a:lvl9pPr marL="3886200" indent="-228600" algn="l" rtl="0" eaLnBrk="1" fontAlgn="base" hangingPunct="1">
-              <a:spcBef>
-                <a:spcPct val="20000"/>
-              </a:spcBef>
-              <a:spcAft>
-                <a:spcPct val="0"/>
-              </a:spcAft>
-              <a:buChar char="»"/>
-              <a:defRPr sz="1800">
-                <a:solidFill>
-                  <a:schemeClr val="tx1"/>
-                </a:solidFill>
-                <a:latin typeface="+mn-lt"/>
-                <a:ea typeface="ＭＳ Ｐゴシック" charset="-128"/>
-              </a:defRPr>
-            </a:lvl9pPr>
-          </a:lstStyle>
-          <a:p>
-            <a:pPr marL="0" indent="0">
-              <a:buNone/>
-            </a:pPr>
-            <a:r>
-              <a:rPr lang="en-US" altLang="en-US" sz="3200" i="1" dirty="0"/>
-              <a:t>Based on the responses of 198 AFC members, we learn that the mean number of trips was 10.0, with a standard deviation of 7.3</a:t>
-            </a:r>
-            <a:endParaRPr lang="en-US" sz="3200" dirty="0"/>
-          </a:p>
-        </p:txBody>
-      </p:sp>
-    </p:spTree>
-    <p:extLst>
-      <p:ext uri="{BB962C8B-B14F-4D97-AF65-F5344CB8AC3E}">
-        <p14:creationId xmlns:p14="http://schemas.microsoft.com/office/powerpoint/2010/main" val="628449932"/>
-      </p:ext>
-    </p:extLst>
-  </p:cSld>
-  <p:clrMapOvr>
-    <a:masterClrMapping/>
-  </p:clrMapOvr>
-</p:sld>
-</file>
-
-<file path=ppt/slides/slide28.xml><?xml version="1.0" encoding="utf-8"?>
-<p:sld xmlns:a="http://schemas.openxmlformats.org/drawingml/2006/main" xmlns:r="http://schemas.openxmlformats.org/officeDocument/2006/relationships" xmlns:p="http://schemas.openxmlformats.org/presentationml/2006/main" show="0">
-  <p:cSld>
-    <p:spTree>
-      <p:nvGrpSpPr>
-        <p:cNvPr id="1" name=""/>
-        <p:cNvGrpSpPr/>
-        <p:nvPr/>
-      </p:nvGrpSpPr>
-      <p:grpSpPr>
-        <a:xfrm>
-          <a:off x="0" y="0"/>
-          <a:ext cx="0" cy="0"/>
-          <a:chOff x="0" y="0"/>
-          <a:chExt cx="0" cy="0"/>
-        </a:xfrm>
-      </p:grpSpPr>
-      <p:sp>
-        <p:nvSpPr>
-          <p:cNvPr id="2" name="Title 1">
-            <a:extLst>
-              <a:ext uri="{FF2B5EF4-FFF2-40B4-BE49-F238E27FC236}">
-                <a16:creationId xmlns:a16="http://schemas.microsoft.com/office/drawing/2014/main" id="{3A683808-8CB5-4355-BEB9-61A3CBAEC4C4}"/>
-              </a:ext>
-            </a:extLst>
-          </p:cNvPr>
-          <p:cNvSpPr>
-            <a:spLocks noGrp="1"/>
-          </p:cNvSpPr>
-          <p:nvPr>
-            <p:ph type="title"/>
-          </p:nvPr>
-        </p:nvSpPr>
-        <p:spPr>
-          <a:xfrm>
-            <a:off x="612648" y="365125"/>
-            <a:ext cx="6986015" cy="1776484"/>
-          </a:xfrm>
-        </p:spPr>
-        <p:txBody>
-          <a:bodyPr vert="horz" lIns="91440" tIns="45720" rIns="91440" bIns="45720" rtlCol="0" anchor="b">
-            <a:normAutofit/>
-          </a:bodyPr>
-          <a:lstStyle/>
-          <a:p>
-            <a:r>
-              <a:rPr lang="en-US" altLang="en-US" sz="3800" b="1"/>
-              <a:t>Question:</a:t>
-            </a:r>
-            <a:r>
-              <a:rPr lang="en-US" altLang="en-US" sz="3800"/>
-              <a:t> How many times per month do AFC members visit the center? </a:t>
-            </a:r>
-            <a:endParaRPr lang="en-US" sz="3800"/>
-          </a:p>
-        </p:txBody>
-      </p:sp>
-      <p:pic>
-        <p:nvPicPr>
-          <p:cNvPr id="5" name="Picture 4" descr="A equation reads, sampling error equals 1.96 times 7.3 divided by square root of 198, which equals 1.0.">
-            <a:extLst>
-              <a:ext uri="{FF2B5EF4-FFF2-40B4-BE49-F238E27FC236}">
-                <a16:creationId xmlns:a16="http://schemas.microsoft.com/office/drawing/2014/main" id="{63051744-C8AD-4326-AF54-7E2D136272FE}"/>
-              </a:ext>
-            </a:extLst>
-          </p:cNvPr>
-          <p:cNvPicPr>
-            <a:picLocks noGrp="1" noChangeAspect="1" noChangeArrowheads="1"/>
-          </p:cNvPicPr>
-          <p:nvPr/>
-        </p:nvPicPr>
-        <p:blipFill>
-          <a:blip r:embed="rId2">
-            <a:extLst>
-              <a:ext uri="{28A0092B-C50C-407E-A947-70E740481C1C}">
-                <a14:useLocalDpi xmlns:a14="http://schemas.microsoft.com/office/drawing/2010/main" val="0"/>
-              </a:ext>
-            </a:extLst>
-          </a:blip>
-          <a:stretch>
-            <a:fillRect/>
-          </a:stretch>
-        </p:blipFill>
-        <p:spPr bwMode="auto">
-          <a:xfrm>
-            <a:off x="8379409" y="858312"/>
-            <a:ext cx="3532036" cy="697577"/>
-          </a:xfrm>
-          <a:prstGeom prst="rect">
-            <a:avLst/>
-          </a:prstGeom>
-          <a:noFill/>
-          <a:extLst>
-            <a:ext uri="{909E8E84-426E-40DD-AFC4-6F175D3DCCD1}">
-              <a14:hiddenFill xmlns:a14="http://schemas.microsoft.com/office/drawing/2010/main">
-                <a:solidFill>
-                  <a:schemeClr val="accent1"/>
-                </a:solidFill>
-              </a14:hiddenFill>
-            </a:ext>
-            <a:ext uri="{91240B29-F687-4F45-9708-019B960494DF}">
-              <a14:hiddenLine xmlns:a14="http://schemas.microsoft.com/office/drawing/2010/main" w="9525">
-                <a:solidFill>
-                  <a:schemeClr val="tx1"/>
-                </a:solidFill>
-                <a:miter lim="800000"/>
-                <a:headEnd/>
-                <a:tailEnd/>
-              </a14:hiddenLine>
-            </a:ext>
-          </a:extLst>
-        </p:spPr>
-      </p:pic>
-      <p:sp>
-        <p:nvSpPr>
-          <p:cNvPr id="7" name="Content Placeholder 5">
-            <a:extLst>
-              <a:ext uri="{FF2B5EF4-FFF2-40B4-BE49-F238E27FC236}">
-                <a16:creationId xmlns:a16="http://schemas.microsoft.com/office/drawing/2014/main" id="{8322E3E8-EE8E-4BD1-AEE1-B263BD1055AC}"/>
-              </a:ext>
-            </a:extLst>
-          </p:cNvPr>
-          <p:cNvSpPr>
-            <a:spLocks noGrp="1"/>
-          </p:cNvSpPr>
-          <p:nvPr/>
-        </p:nvSpPr>
-        <p:spPr bwMode="auto">
-          <a:xfrm>
-            <a:off x="612648" y="2504819"/>
-            <a:ext cx="6986016" cy="3672144"/>
-          </a:xfrm>
-          <a:prstGeom prst="rect">
-            <a:avLst/>
-          </a:prstGeom>
-        </p:spPr>
-        <p:txBody>
-          <a:bodyPr vert="horz" lIns="91440" tIns="45720" rIns="91440" bIns="45720" numCol="1" rtlCol="0" anchorCtr="0" compatLnSpc="1">
-            <a:prstTxWarp prst="textNoShape">
-              <a:avLst/>
-            </a:prstTxWarp>
-            <a:normAutofit/>
-          </a:bodyPr>
-          <a:lstStyle>
-            <a:lvl1pPr marL="342900" indent="-342900" algn="l" rtl="0" eaLnBrk="1" fontAlgn="base" hangingPunct="1">
-              <a:spcBef>
-                <a:spcPct val="20000"/>
-              </a:spcBef>
-              <a:spcAft>
-                <a:spcPct val="0"/>
-              </a:spcAft>
-              <a:buChar char="•"/>
-              <a:defRPr sz="3200">
-                <a:solidFill>
-                  <a:schemeClr val="tx1"/>
-                </a:solidFill>
-                <a:latin typeface="+mj-lt"/>
-                <a:ea typeface="ＭＳ Ｐゴシック" pitchFamily="-105" charset="-128"/>
-                <a:cs typeface="Times New Roman MT Std"/>
-              </a:defRPr>
-            </a:lvl1pPr>
-            <a:lvl2pPr marL="742950" indent="-285750" algn="l" rtl="0" eaLnBrk="1" fontAlgn="base" hangingPunct="1">
-              <a:spcBef>
-                <a:spcPct val="20000"/>
-              </a:spcBef>
-              <a:spcAft>
-                <a:spcPct val="0"/>
-              </a:spcAft>
-              <a:buChar char="–"/>
-              <a:defRPr sz="2400">
-                <a:solidFill>
-                  <a:schemeClr val="tx1"/>
-                </a:solidFill>
-                <a:latin typeface="+mj-lt"/>
-                <a:ea typeface="ＭＳ Ｐゴシック" charset="-128"/>
-                <a:cs typeface="Times New Roman MT Std"/>
-              </a:defRPr>
-            </a:lvl2pPr>
-            <a:lvl3pPr marL="1143000" indent="-228600" algn="l" rtl="0" eaLnBrk="1" fontAlgn="base" hangingPunct="1">
-              <a:spcBef>
-                <a:spcPct val="20000"/>
-              </a:spcBef>
-              <a:spcAft>
-                <a:spcPct val="0"/>
-              </a:spcAft>
-              <a:buChar char="•"/>
-              <a:defRPr sz="2000">
-                <a:solidFill>
-                  <a:schemeClr val="tx1"/>
-                </a:solidFill>
-                <a:latin typeface="+mj-lt"/>
-                <a:ea typeface="ＭＳ Ｐゴシック" charset="-128"/>
-                <a:cs typeface="Times New Roman MT Std"/>
-              </a:defRPr>
-            </a:lvl3pPr>
-            <a:lvl4pPr marL="1600200" indent="-228600" algn="l" rtl="0" eaLnBrk="1" fontAlgn="base" hangingPunct="1">
-              <a:spcBef>
-                <a:spcPct val="20000"/>
-              </a:spcBef>
-              <a:spcAft>
-                <a:spcPct val="0"/>
-              </a:spcAft>
-              <a:buChar char="–"/>
-              <a:defRPr sz="2000">
-                <a:solidFill>
-                  <a:schemeClr val="tx1"/>
-                </a:solidFill>
-                <a:latin typeface="+mj-lt"/>
-                <a:ea typeface="ＭＳ Ｐゴシック" charset="-128"/>
-                <a:cs typeface="Times New Roman MT Std"/>
-              </a:defRPr>
-            </a:lvl4pPr>
-            <a:lvl5pPr marL="2057400" indent="-228600" algn="l" rtl="0" eaLnBrk="1" fontAlgn="base" hangingPunct="1">
-              <a:spcBef>
-                <a:spcPct val="20000"/>
-              </a:spcBef>
-              <a:spcAft>
-                <a:spcPct val="0"/>
-              </a:spcAft>
-              <a:buChar char="»"/>
-              <a:defRPr sz="1600">
-                <a:solidFill>
-                  <a:schemeClr val="tx1"/>
-                </a:solidFill>
-                <a:latin typeface="+mj-lt"/>
-                <a:ea typeface="ＭＳ Ｐゴシック" charset="-128"/>
-                <a:cs typeface="Times New Roman MT Std"/>
-              </a:defRPr>
-            </a:lvl5pPr>
-            <a:lvl6pPr marL="2514600" indent="-228600" algn="l" rtl="0" eaLnBrk="1" fontAlgn="base" hangingPunct="1">
-              <a:spcBef>
-                <a:spcPct val="20000"/>
-              </a:spcBef>
-              <a:spcAft>
-                <a:spcPct val="0"/>
-              </a:spcAft>
-              <a:buChar char="»"/>
-              <a:defRPr sz="1600">
-                <a:solidFill>
-                  <a:schemeClr val="tx1"/>
-                </a:solidFill>
-                <a:latin typeface="+mn-lt"/>
-                <a:ea typeface="ＭＳ Ｐゴシック" charset="-128"/>
-              </a:defRPr>
-            </a:lvl6pPr>
-            <a:lvl7pPr marL="2971800" indent="-228600" algn="l" rtl="0" eaLnBrk="1" fontAlgn="base" hangingPunct="1">
-              <a:spcBef>
-                <a:spcPct val="20000"/>
-              </a:spcBef>
-              <a:spcAft>
-                <a:spcPct val="0"/>
-              </a:spcAft>
-              <a:buChar char="»"/>
-              <a:defRPr sz="1600">
-                <a:solidFill>
-                  <a:schemeClr val="tx1"/>
-                </a:solidFill>
-                <a:latin typeface="+mn-lt"/>
-                <a:ea typeface="ＭＳ Ｐゴシック" charset="-128"/>
-              </a:defRPr>
-            </a:lvl7pPr>
-            <a:lvl8pPr marL="3429000" indent="-228600" algn="l" rtl="0" eaLnBrk="1" fontAlgn="base" hangingPunct="1">
-              <a:spcBef>
-                <a:spcPct val="20000"/>
-              </a:spcBef>
-              <a:spcAft>
-                <a:spcPct val="0"/>
-              </a:spcAft>
-              <a:buChar char="»"/>
-              <a:defRPr sz="1600">
-                <a:solidFill>
-                  <a:schemeClr val="tx1"/>
-                </a:solidFill>
-                <a:latin typeface="+mn-lt"/>
-                <a:ea typeface="ＭＳ Ｐゴシック" charset="-128"/>
-              </a:defRPr>
-            </a:lvl8pPr>
-            <a:lvl9pPr marL="3886200" indent="-228600" algn="l" rtl="0" eaLnBrk="1" fontAlgn="base" hangingPunct="1">
-              <a:spcBef>
-                <a:spcPct val="20000"/>
-              </a:spcBef>
-              <a:spcAft>
-                <a:spcPct val="0"/>
-              </a:spcAft>
-              <a:buChar char="»"/>
-              <a:defRPr sz="1600">
-                <a:solidFill>
-                  <a:schemeClr val="tx1"/>
-                </a:solidFill>
-                <a:latin typeface="+mn-lt"/>
-                <a:ea typeface="ＭＳ Ｐゴシック" charset="-128"/>
-              </a:defRPr>
-            </a:lvl9pPr>
-          </a:lstStyle>
-          <a:p>
-            <a:pPr marL="0" indent="-228600">
-              <a:lnSpc>
-                <a:spcPct val="90000"/>
-              </a:lnSpc>
-              <a:buFont typeface="Arial" panose="020B0604020202020204" pitchFamily="34" charset="0"/>
-              <a:buChar char="•"/>
-            </a:pPr>
-            <a:r>
-              <a:rPr lang="en-US" altLang="en-US" sz="2200" b="1" i="1">
-                <a:latin typeface="+mn-lt"/>
-                <a:ea typeface="+mn-ea"/>
-                <a:cs typeface="+mn-cs"/>
-              </a:rPr>
-              <a:t>Therefore, we would be 95% confident that the mean number of trips per month in the AFC population lies between 9 and 11, inclusive.</a:t>
-            </a:r>
-            <a:endParaRPr lang="en-US" sz="2200">
-              <a:latin typeface="+mn-lt"/>
-              <a:ea typeface="+mn-ea"/>
-              <a:cs typeface="+mn-cs"/>
-            </a:endParaRPr>
-          </a:p>
-        </p:txBody>
-      </p:sp>
-      <p:pic>
-        <p:nvPicPr>
-          <p:cNvPr id="6" name="Picture 5" descr="Text in the box reads, (x bar minus sampling error is less than or equal to mu, which is less than or equal to x bar plus sampling error); (10.0 minus 1.0 is less than or equal to mu, which is less than or equal to 10.0 plus 1.0); or (9.0, 11.0). ">
-            <a:extLst>
-              <a:ext uri="{FF2B5EF4-FFF2-40B4-BE49-F238E27FC236}">
-                <a16:creationId xmlns:a16="http://schemas.microsoft.com/office/drawing/2014/main" id="{E1041DD4-CF0E-4216-B27F-DC2022C669E9}"/>
-              </a:ext>
-            </a:extLst>
-          </p:cNvPr>
-          <p:cNvPicPr>
-            <a:picLocks noGrp="1" noChangeAspect="1" noChangeArrowheads="1"/>
-          </p:cNvPicPr>
-          <p:nvPr/>
-        </p:nvPicPr>
-        <p:blipFill>
-          <a:blip r:embed="rId3">
-            <a:extLst>
-              <a:ext uri="{28A0092B-C50C-407E-A947-70E740481C1C}">
-                <a14:useLocalDpi xmlns:a14="http://schemas.microsoft.com/office/drawing/2010/main" val="0"/>
-              </a:ext>
-            </a:extLst>
-          </a:blip>
-          <a:stretch>
-            <a:fillRect/>
-          </a:stretch>
-        </p:blipFill>
-        <p:spPr bwMode="auto">
-          <a:xfrm>
-            <a:off x="8381136" y="2778604"/>
-            <a:ext cx="3530309" cy="953183"/>
-          </a:xfrm>
-          <a:prstGeom prst="rect">
-            <a:avLst/>
-          </a:prstGeom>
-          <a:noFill/>
-          <a:extLst>
-            <a:ext uri="{909E8E84-426E-40DD-AFC4-6F175D3DCCD1}">
-              <a14:hiddenFill xmlns:a14="http://schemas.microsoft.com/office/drawing/2010/main">
-                <a:solidFill>
-                  <a:srgbClr val="FFFFFF"/>
-                </a:solidFill>
-              </a14:hiddenFill>
-            </a:ext>
-          </a:extLst>
-        </p:spPr>
-      </p:pic>
-      <p:pic>
-        <p:nvPicPr>
-          <p:cNvPr id="4" name="Picture 3" descr="A equation reads, sampling error equals z times (s divided by square root of n).">
-            <a:extLst>
-              <a:ext uri="{FF2B5EF4-FFF2-40B4-BE49-F238E27FC236}">
-                <a16:creationId xmlns:a16="http://schemas.microsoft.com/office/drawing/2014/main" id="{ACAF383D-2A4C-49DD-A3FE-53FAED7241B7}"/>
-              </a:ext>
-            </a:extLst>
-          </p:cNvPr>
-          <p:cNvPicPr>
-            <a:picLocks noGrp="1" noChangeAspect="1" noChangeArrowheads="1"/>
-          </p:cNvPicPr>
-          <p:nvPr/>
-        </p:nvPicPr>
-        <p:blipFill>
-          <a:blip r:embed="rId4">
-            <a:extLst>
-              <a:ext uri="{28A0092B-C50C-407E-A947-70E740481C1C}">
-                <a14:useLocalDpi xmlns:a14="http://schemas.microsoft.com/office/drawing/2010/main" val="0"/>
-              </a:ext>
-            </a:extLst>
-          </a:blip>
-          <a:stretch>
-            <a:fillRect/>
-          </a:stretch>
-        </p:blipFill>
-        <p:spPr bwMode="auto">
-          <a:xfrm>
-            <a:off x="8381136" y="4830308"/>
-            <a:ext cx="3530309" cy="945966"/>
-          </a:xfrm>
-          <a:prstGeom prst="rect">
-            <a:avLst/>
-          </a:prstGeom>
-          <a:noFill/>
-          <a:extLst>
-            <a:ext uri="{909E8E84-426E-40DD-AFC4-6F175D3DCCD1}">
-              <a14:hiddenFill xmlns:a14="http://schemas.microsoft.com/office/drawing/2010/main">
-                <a:solidFill>
-                  <a:schemeClr val="accent1"/>
-                </a:solidFill>
-              </a14:hiddenFill>
-            </a:ext>
-            <a:ext uri="{91240B29-F687-4F45-9708-019B960494DF}">
-              <a14:hiddenLine xmlns:a14="http://schemas.microsoft.com/office/drawing/2010/main" w="9525">
-                <a:solidFill>
-                  <a:schemeClr val="tx1"/>
-                </a:solidFill>
-                <a:miter lim="800000"/>
-                <a:headEnd/>
-                <a:tailEnd/>
-              </a14:hiddenLine>
-            </a:ext>
-          </a:extLst>
-        </p:spPr>
-      </p:pic>
-    </p:spTree>
-    <p:extLst>
-      <p:ext uri="{BB962C8B-B14F-4D97-AF65-F5344CB8AC3E}">
-        <p14:creationId xmlns:p14="http://schemas.microsoft.com/office/powerpoint/2010/main" val="4003151599"/>
-      </p:ext>
-    </p:extLst>
-  </p:cSld>
-  <p:clrMapOvr>
-    <a:masterClrMapping/>
-  </p:clrMapOvr>
-</p:sld>
-</file>
-
-<file path=ppt/slides/slide29.xml><?xml version="1.0" encoding="utf-8"?>
 <p:sld xmlns:a="http://schemas.openxmlformats.org/drawingml/2006/main" xmlns:r="http://schemas.openxmlformats.org/officeDocument/2006/relationships" xmlns:p="http://schemas.openxmlformats.org/presentationml/2006/main">
   <p:cSld>
     <p:bg>
@@ -28709,7 +27399,7 @@
                   <a:spcPts val="600"/>
                 </a:spcAft>
               </a:pPr>
-              <a:t>29</a:t>
+              <a:t>26</a:t>
             </a:fld>
             <a:endParaRPr lang="en-US"/>
           </a:p>
@@ -28731,7 +27421,7 @@
             <p:ph idx="1"/>
             <p:extLst>
               <p:ext uri="{D42A27DB-BD31-4B8C-83A1-F6EECF244321}">
-                <p14:modId xmlns:p14="http://schemas.microsoft.com/office/powerpoint/2010/main" val="1588601763"/>
+                <p14:modId xmlns:p14="http://schemas.microsoft.com/office/powerpoint/2010/main" val="2183947484"/>
               </p:ext>
             </p:extLst>
           </p:nvPr>
@@ -32490,14 +31180,14 @@
                     <a:p>
                       <a:pPr algn="l" fontAlgn="b"/>
                       <a:r>
-                        <a:rPr lang="en-US" sz="1200" b="0" i="0" u="none" strike="noStrike">
+                        <a:rPr lang="en-US" sz="1200" b="0" i="0" u="none" strike="noStrike" dirty="0">
                           <a:solidFill>
                             <a:srgbClr val="000000"/>
                           </a:solidFill>
                           <a:effectLst/>
                           <a:latin typeface="Arimo"/>
                         </a:rPr>
-                        <a:t>  * descriptive or differences research question</a:t>
+                        <a:t>  * descriptive or, association, differences research question</a:t>
                       </a:r>
                     </a:p>
                   </a:txBody>
@@ -32732,7 +31422,7 @@
                     <a:lstStyle/>
                     <a:p>
                       <a:pPr algn="l" fontAlgn="b"/>
-                      <a:endParaRPr lang="en-US" sz="1200" b="0" i="0" u="none" strike="noStrike">
+                      <a:endParaRPr lang="en-US" sz="1200" b="0" i="0" u="none" strike="noStrike" dirty="0">
                         <a:solidFill>
                           <a:srgbClr val="000000"/>
                         </a:solidFill>
@@ -32770,6 +31460,1460 @@
     <p:extLst>
       <p:ext uri="{BB962C8B-B14F-4D97-AF65-F5344CB8AC3E}">
         <p14:creationId xmlns:p14="http://schemas.microsoft.com/office/powerpoint/2010/main" val="1847708981"/>
+      </p:ext>
+    </p:extLst>
+  </p:cSld>
+  <p:clrMapOvr>
+    <a:masterClrMapping/>
+  </p:clrMapOvr>
+</p:sld>
+</file>
+
+<file path=ppt/slides/slide27.xml><?xml version="1.0" encoding="utf-8"?>
+<p:sld xmlns:a="http://schemas.openxmlformats.org/drawingml/2006/main" xmlns:r="http://schemas.openxmlformats.org/officeDocument/2006/relationships" xmlns:p="http://schemas.openxmlformats.org/presentationml/2006/main">
+  <p:cSld>
+    <p:bg>
+      <p:bgPr>
+        <a:solidFill>
+          <a:schemeClr val="bg1"/>
+        </a:solidFill>
+        <a:effectLst/>
+      </p:bgPr>
+    </p:bg>
+    <p:spTree>
+      <p:nvGrpSpPr>
+        <p:cNvPr id="1" name=""/>
+        <p:cNvGrpSpPr/>
+        <p:nvPr/>
+      </p:nvGrpSpPr>
+      <p:grpSpPr>
+        <a:xfrm>
+          <a:off x="0" y="0"/>
+          <a:ext cx="0" cy="0"/>
+          <a:chOff x="0" y="0"/>
+          <a:chExt cx="0" cy="0"/>
+        </a:xfrm>
+      </p:grpSpPr>
+      <p:sp useBgFill="1">
+        <p:nvSpPr>
+          <p:cNvPr id="10" name="Rectangle 9">
+            <a:extLst>
+              <a:ext uri="{FF2B5EF4-FFF2-40B4-BE49-F238E27FC236}">
+                <a16:creationId xmlns:a16="http://schemas.microsoft.com/office/drawing/2014/main" id="{DAF1966E-FD40-4A4A-B61B-C4DF7FA05F06}"/>
+              </a:ext>
+              <a:ext uri="{C183D7F6-B498-43B3-948B-1728B52AA6E4}">
+                <adec:decorative xmlns:adec="http://schemas.microsoft.com/office/drawing/2017/decorative" val="1"/>
+              </a:ext>
+            </a:extLst>
+          </p:cNvPr>
+          <p:cNvSpPr>
+            <a:spLocks noGrp="1" noRot="1" noChangeAspect="1" noMove="1" noResize="1" noEditPoints="1" noAdjustHandles="1" noChangeArrowheads="1" noChangeShapeType="1" noTextEdit="1"/>
+          </p:cNvSpPr>
+          <p:nvPr>
+            <p:extLst>
+              <p:ext uri="{386F3935-93C4-4BCD-93E2-E3B085C9AB24}">
+                <p16:designElem xmlns:p16="http://schemas.microsoft.com/office/powerpoint/2015/main" val="1"/>
+              </p:ext>
+            </p:extLst>
+          </p:nvPr>
+        </p:nvSpPr>
+        <p:spPr>
+          <a:xfrm>
+            <a:off x="0" y="0"/>
+            <a:ext cx="12192000" cy="6858000"/>
+          </a:xfrm>
+          <a:prstGeom prst="rect">
+            <a:avLst/>
+          </a:prstGeom>
+          <a:ln>
+            <a:noFill/>
+          </a:ln>
+        </p:spPr>
+        <p:style>
+          <a:lnRef idx="2">
+            <a:schemeClr val="accent1">
+              <a:shade val="50000"/>
+            </a:schemeClr>
+          </a:lnRef>
+          <a:fillRef idx="1">
+            <a:schemeClr val="accent1"/>
+          </a:fillRef>
+          <a:effectRef idx="0">
+            <a:schemeClr val="accent1"/>
+          </a:effectRef>
+          <a:fontRef idx="minor">
+            <a:schemeClr val="lt1"/>
+          </a:fontRef>
+        </p:style>
+        <p:txBody>
+          <a:bodyPr rtlCol="0" anchor="ctr"/>
+          <a:lstStyle/>
+          <a:p>
+            <a:pPr algn="ctr"/>
+            <a:endParaRPr lang="en-US"/>
+          </a:p>
+        </p:txBody>
+      </p:sp>
+      <p:sp useBgFill="1">
+        <p:nvSpPr>
+          <p:cNvPr id="12" name="Rectangle 11">
+            <a:extLst>
+              <a:ext uri="{FF2B5EF4-FFF2-40B4-BE49-F238E27FC236}">
+                <a16:creationId xmlns:a16="http://schemas.microsoft.com/office/drawing/2014/main" id="{047BFA19-D45E-416B-A404-7AF2F3F27017}"/>
+              </a:ext>
+              <a:ext uri="{C183D7F6-B498-43B3-948B-1728B52AA6E4}">
+                <adec:decorative xmlns:adec="http://schemas.microsoft.com/office/drawing/2017/decorative" val="1"/>
+              </a:ext>
+            </a:extLst>
+          </p:cNvPr>
+          <p:cNvSpPr>
+            <a:spLocks noGrp="1" noRot="1" noChangeAspect="1" noMove="1" noResize="1" noEditPoints="1" noAdjustHandles="1" noChangeArrowheads="1" noChangeShapeType="1" noTextEdit="1"/>
+          </p:cNvSpPr>
+          <p:nvPr>
+            <p:extLst>
+              <p:ext uri="{386F3935-93C4-4BCD-93E2-E3B085C9AB24}">
+                <p16:designElem xmlns:p16="http://schemas.microsoft.com/office/powerpoint/2015/main" val="1"/>
+              </p:ext>
+            </p:extLst>
+          </p:nvPr>
+        </p:nvSpPr>
+        <p:spPr>
+          <a:xfrm>
+            <a:off x="558209" y="0"/>
+            <a:ext cx="11167447" cy="2018806"/>
+          </a:xfrm>
+          <a:prstGeom prst="rect">
+            <a:avLst/>
+          </a:prstGeom>
+          <a:ln w="9525">
+            <a:solidFill>
+              <a:srgbClr val="E1E1E1"/>
+            </a:solidFill>
+          </a:ln>
+          <a:effectLst>
+            <a:outerShdw blurRad="50800" dist="38100" dir="2700000" algn="tl" rotWithShape="0">
+              <a:schemeClr val="bg1">
+                <a:lumMod val="85000"/>
+                <a:alpha val="50000"/>
+              </a:schemeClr>
+            </a:outerShdw>
+          </a:effectLst>
+        </p:spPr>
+        <p:style>
+          <a:lnRef idx="2">
+            <a:schemeClr val="accent1">
+              <a:shade val="50000"/>
+            </a:schemeClr>
+          </a:lnRef>
+          <a:fillRef idx="1">
+            <a:schemeClr val="accent1"/>
+          </a:fillRef>
+          <a:effectRef idx="0">
+            <a:schemeClr val="accent1"/>
+          </a:effectRef>
+          <a:fontRef idx="minor">
+            <a:schemeClr val="lt1"/>
+          </a:fontRef>
+        </p:style>
+        <p:txBody>
+          <a:bodyPr rtlCol="0" anchor="ctr"/>
+          <a:lstStyle/>
+          <a:p>
+            <a:pPr marL="0" marR="0" lvl="0" indent="0" algn="ctr" defTabSz="914400" rtl="0" eaLnBrk="1" fontAlgn="auto" latinLnBrk="0" hangingPunct="1">
+              <a:lnSpc>
+                <a:spcPct val="100000"/>
+              </a:lnSpc>
+              <a:spcBef>
+                <a:spcPts val="0"/>
+              </a:spcBef>
+              <a:spcAft>
+                <a:spcPts val="0"/>
+              </a:spcAft>
+              <a:buClrTx/>
+              <a:buSzTx/>
+              <a:buFontTx/>
+              <a:buNone/>
+              <a:tabLst/>
+              <a:defRPr/>
+            </a:pPr>
+            <a:endParaRPr kumimoji="0" lang="en-US" sz="1800" b="0" i="0" u="none" strike="noStrike" kern="1200" cap="none" spc="0" normalizeH="0" baseline="0" noProof="0">
+              <a:ln>
+                <a:noFill/>
+              </a:ln>
+              <a:solidFill>
+                <a:prstClr val="white"/>
+              </a:solidFill>
+              <a:effectLst/>
+              <a:uLnTx/>
+              <a:uFillTx/>
+              <a:latin typeface="Calibri" panose="020F0502020204030204"/>
+              <a:ea typeface="+mn-ea"/>
+              <a:cs typeface="+mn-cs"/>
+            </a:endParaRPr>
+          </a:p>
+        </p:txBody>
+      </p:sp>
+      <p:sp useBgFill="1">
+        <p:nvSpPr>
+          <p:cNvPr id="14" name="Rectangle 13">
+            <a:extLst>
+              <a:ext uri="{FF2B5EF4-FFF2-40B4-BE49-F238E27FC236}">
+                <a16:creationId xmlns:a16="http://schemas.microsoft.com/office/drawing/2014/main" id="{8E0105E7-23DB-4CF2-8258-FF47C7620F6E}"/>
+              </a:ext>
+              <a:ext uri="{C183D7F6-B498-43B3-948B-1728B52AA6E4}">
+                <adec:decorative xmlns:adec="http://schemas.microsoft.com/office/drawing/2017/decorative" val="1"/>
+              </a:ext>
+            </a:extLst>
+          </p:cNvPr>
+          <p:cNvSpPr>
+            <a:spLocks noGrp="1" noRot="1" noChangeAspect="1" noMove="1" noResize="1" noEditPoints="1" noAdjustHandles="1" noChangeArrowheads="1" noChangeShapeType="1" noTextEdit="1"/>
+          </p:cNvSpPr>
+          <p:nvPr>
+            <p:extLst>
+              <p:ext uri="{386F3935-93C4-4BCD-93E2-E3B085C9AB24}">
+                <p16:designElem xmlns:p16="http://schemas.microsoft.com/office/powerpoint/2015/main" val="1"/>
+              </p:ext>
+            </p:extLst>
+          </p:nvPr>
+        </p:nvSpPr>
+        <p:spPr>
+          <a:xfrm>
+            <a:off x="566928" y="0"/>
+            <a:ext cx="11155680" cy="2011680"/>
+          </a:xfrm>
+          <a:prstGeom prst="rect">
+            <a:avLst/>
+          </a:prstGeom>
+          <a:ln w="9525">
+            <a:noFill/>
+          </a:ln>
+          <a:effectLst/>
+        </p:spPr>
+        <p:style>
+          <a:lnRef idx="2">
+            <a:schemeClr val="accent1">
+              <a:shade val="50000"/>
+            </a:schemeClr>
+          </a:lnRef>
+          <a:fillRef idx="1">
+            <a:schemeClr val="accent1"/>
+          </a:fillRef>
+          <a:effectRef idx="0">
+            <a:schemeClr val="accent1"/>
+          </a:effectRef>
+          <a:fontRef idx="minor">
+            <a:schemeClr val="lt1"/>
+          </a:fontRef>
+        </p:style>
+        <p:txBody>
+          <a:bodyPr rtlCol="0" anchor="ctr"/>
+          <a:lstStyle/>
+          <a:p>
+            <a:pPr marL="0" marR="0" lvl="0" indent="0" algn="ctr" defTabSz="914400" rtl="0" eaLnBrk="1" fontAlgn="auto" latinLnBrk="0" hangingPunct="1">
+              <a:lnSpc>
+                <a:spcPct val="100000"/>
+              </a:lnSpc>
+              <a:spcBef>
+                <a:spcPts val="0"/>
+              </a:spcBef>
+              <a:spcAft>
+                <a:spcPts val="0"/>
+              </a:spcAft>
+              <a:buClrTx/>
+              <a:buSzTx/>
+              <a:buFontTx/>
+              <a:buNone/>
+              <a:tabLst/>
+              <a:defRPr/>
+            </a:pPr>
+            <a:endParaRPr kumimoji="0" lang="en-US" sz="1800" b="0" i="0" u="none" strike="noStrike" kern="1200" cap="none" spc="0" normalizeH="0" baseline="0" noProof="0">
+              <a:ln>
+                <a:noFill/>
+              </a:ln>
+              <a:solidFill>
+                <a:prstClr val="white"/>
+              </a:solidFill>
+              <a:effectLst/>
+              <a:uLnTx/>
+              <a:uFillTx/>
+              <a:latin typeface="Calibri" panose="020F0502020204030204"/>
+              <a:ea typeface="+mn-ea"/>
+              <a:cs typeface="+mn-cs"/>
+            </a:endParaRPr>
+          </a:p>
+        </p:txBody>
+      </p:sp>
+      <p:sp>
+        <p:nvSpPr>
+          <p:cNvPr id="2" name="Title 1">
+            <a:extLst>
+              <a:ext uri="{FF2B5EF4-FFF2-40B4-BE49-F238E27FC236}">
+                <a16:creationId xmlns:a16="http://schemas.microsoft.com/office/drawing/2014/main" id="{3FE68948-7F47-4BF7-B78F-7A6715C565CB}"/>
+              </a:ext>
+            </a:extLst>
+          </p:cNvPr>
+          <p:cNvSpPr>
+            <a:spLocks noGrp="1"/>
+          </p:cNvSpPr>
+          <p:nvPr>
+            <p:ph type="title"/>
+          </p:nvPr>
+        </p:nvSpPr>
+        <p:spPr>
+          <a:xfrm>
+            <a:off x="1115568" y="548640"/>
+            <a:ext cx="10168128" cy="1179576"/>
+          </a:xfrm>
+        </p:spPr>
+        <p:txBody>
+          <a:bodyPr>
+            <a:normAutofit/>
+          </a:bodyPr>
+          <a:lstStyle/>
+          <a:p>
+            <a:r>
+              <a:rPr lang="en-US" sz="4000"/>
+              <a:t>15-min Group Discussion</a:t>
+            </a:r>
+          </a:p>
+        </p:txBody>
+      </p:sp>
+      <p:sp>
+        <p:nvSpPr>
+          <p:cNvPr id="16" name="Rectangle 15">
+            <a:extLst>
+              <a:ext uri="{FF2B5EF4-FFF2-40B4-BE49-F238E27FC236}">
+                <a16:creationId xmlns:a16="http://schemas.microsoft.com/office/drawing/2014/main" id="{074B4F7D-14B2-478B-8BF5-01E4E0C5D263}"/>
+              </a:ext>
+              <a:ext uri="{C183D7F6-B498-43B3-948B-1728B52AA6E4}">
+                <adec:decorative xmlns:adec="http://schemas.microsoft.com/office/drawing/2017/decorative" val="1"/>
+              </a:ext>
+            </a:extLst>
+          </p:cNvPr>
+          <p:cNvSpPr>
+            <a:spLocks noGrp="1" noRot="1" noChangeAspect="1" noMove="1" noResize="1" noEditPoints="1" noAdjustHandles="1" noChangeArrowheads="1" noChangeShapeType="1" noTextEdit="1"/>
+          </p:cNvSpPr>
+          <p:nvPr>
+            <p:extLst>
+              <p:ext uri="{386F3935-93C4-4BCD-93E2-E3B085C9AB24}">
+                <p16:designElem xmlns:p16="http://schemas.microsoft.com/office/powerpoint/2015/main" val="1"/>
+              </p:ext>
+            </p:extLst>
+          </p:nvPr>
+        </p:nvSpPr>
+        <p:spPr>
+          <a:xfrm>
+            <a:off x="498834" y="758952"/>
+            <a:ext cx="128016" cy="704088"/>
+          </a:xfrm>
+          <a:prstGeom prst="rect">
+            <a:avLst/>
+          </a:prstGeom>
+          <a:solidFill>
+            <a:schemeClr val="accent2"/>
+          </a:solidFill>
+          <a:ln>
+            <a:noFill/>
+          </a:ln>
+        </p:spPr>
+        <p:style>
+          <a:lnRef idx="2">
+            <a:schemeClr val="accent1">
+              <a:shade val="50000"/>
+            </a:schemeClr>
+          </a:lnRef>
+          <a:fillRef idx="1">
+            <a:schemeClr val="accent1"/>
+          </a:fillRef>
+          <a:effectRef idx="0">
+            <a:schemeClr val="accent1"/>
+          </a:effectRef>
+          <a:fontRef idx="minor">
+            <a:schemeClr val="lt1"/>
+          </a:fontRef>
+        </p:style>
+        <p:txBody>
+          <a:bodyPr rtlCol="0" anchor="ctr"/>
+          <a:lstStyle/>
+          <a:p>
+            <a:pPr algn="ctr"/>
+            <a:endParaRPr lang="en-US">
+              <a:solidFill>
+                <a:prstClr val="white"/>
+              </a:solidFill>
+              <a:latin typeface="Calibri" panose="020F0502020204030204"/>
+            </a:endParaRPr>
+          </a:p>
+        </p:txBody>
+      </p:sp>
+      <p:sp>
+        <p:nvSpPr>
+          <p:cNvPr id="3" name="Content Placeholder 2">
+            <a:extLst>
+              <a:ext uri="{FF2B5EF4-FFF2-40B4-BE49-F238E27FC236}">
+                <a16:creationId xmlns:a16="http://schemas.microsoft.com/office/drawing/2014/main" id="{507C7574-29FA-44A4-A50E-D19477F0A427}"/>
+              </a:ext>
+            </a:extLst>
+          </p:cNvPr>
+          <p:cNvSpPr>
+            <a:spLocks noGrp="1"/>
+          </p:cNvSpPr>
+          <p:nvPr>
+            <p:ph idx="1"/>
+          </p:nvPr>
+        </p:nvSpPr>
+        <p:spPr>
+          <a:xfrm>
+            <a:off x="1115568" y="2481943"/>
+            <a:ext cx="10168128" cy="3695020"/>
+          </a:xfrm>
+        </p:spPr>
+        <p:txBody>
+          <a:bodyPr>
+            <a:normAutofit/>
+          </a:bodyPr>
+          <a:lstStyle/>
+          <a:p>
+            <a:r>
+              <a:rPr lang="en-US" sz="2200">
+                <a:hlinkClick r:id="rId3"/>
+              </a:rPr>
+              <a:t>Sign up </a:t>
+            </a:r>
+            <a:r>
+              <a:rPr lang="en-US" sz="2200"/>
+              <a:t>for presentation day (same link for the project meeting)</a:t>
+            </a:r>
+          </a:p>
+          <a:p>
+            <a:r>
+              <a:rPr lang="en-US" sz="2200"/>
+              <a:t>Each team will present 15 mins and 5 mins Q&amp;A </a:t>
+            </a:r>
+          </a:p>
+          <a:p>
+            <a:r>
+              <a:rPr lang="en-US" sz="2200"/>
+              <a:t>Not all group members need to present (As long as your group finds optimal task allocation). </a:t>
+            </a:r>
+          </a:p>
+          <a:p>
+            <a:r>
+              <a:rPr lang="en-US" sz="2200"/>
+              <a:t>Discuss questions that allow you to use descriptive statistics (e.g., mean, prop, confidence interval)</a:t>
+            </a:r>
+          </a:p>
+        </p:txBody>
+      </p:sp>
+      <p:sp>
+        <p:nvSpPr>
+          <p:cNvPr id="4" name="Footer Placeholder 3">
+            <a:extLst>
+              <a:ext uri="{FF2B5EF4-FFF2-40B4-BE49-F238E27FC236}">
+                <a16:creationId xmlns:a16="http://schemas.microsoft.com/office/drawing/2014/main" id="{6B80ED8E-73D2-4E5C-A161-11637FAB5202}"/>
+              </a:ext>
+            </a:extLst>
+          </p:cNvPr>
+          <p:cNvSpPr>
+            <a:spLocks noGrp="1"/>
+          </p:cNvSpPr>
+          <p:nvPr>
+            <p:ph type="ftr" sz="quarter" idx="11"/>
+          </p:nvPr>
+        </p:nvSpPr>
+        <p:spPr>
+          <a:xfrm>
+            <a:off x="4038600" y="6356350"/>
+            <a:ext cx="4114800" cy="365125"/>
+          </a:xfrm>
+        </p:spPr>
+        <p:txBody>
+          <a:bodyPr>
+            <a:normAutofit/>
+          </a:bodyPr>
+          <a:lstStyle/>
+          <a:p>
+            <a:pPr>
+              <a:spcAft>
+                <a:spcPts val="600"/>
+              </a:spcAft>
+            </a:pPr>
+            <a:r>
+              <a:rPr lang="en-US">
+                <a:solidFill>
+                  <a:schemeClr val="tx1">
+                    <a:lumMod val="50000"/>
+                    <a:lumOff val="50000"/>
+                  </a:schemeClr>
+                </a:solidFill>
+              </a:rPr>
+              <a:t>Mike Nguyen</a:t>
+            </a:r>
+          </a:p>
+        </p:txBody>
+      </p:sp>
+      <p:sp>
+        <p:nvSpPr>
+          <p:cNvPr id="5" name="Slide Number Placeholder 4">
+            <a:extLst>
+              <a:ext uri="{FF2B5EF4-FFF2-40B4-BE49-F238E27FC236}">
+                <a16:creationId xmlns:a16="http://schemas.microsoft.com/office/drawing/2014/main" id="{08F567C8-72ED-40B8-A839-D957B2F9C570}"/>
+              </a:ext>
+            </a:extLst>
+          </p:cNvPr>
+          <p:cNvSpPr>
+            <a:spLocks noGrp="1"/>
+          </p:cNvSpPr>
+          <p:nvPr>
+            <p:ph type="sldNum" sz="quarter" idx="12"/>
+          </p:nvPr>
+        </p:nvSpPr>
+        <p:spPr>
+          <a:xfrm>
+            <a:off x="8540496" y="6356350"/>
+            <a:ext cx="2743200" cy="365125"/>
+          </a:xfrm>
+        </p:spPr>
+        <p:txBody>
+          <a:bodyPr>
+            <a:normAutofit/>
+          </a:bodyPr>
+          <a:lstStyle/>
+          <a:p>
+            <a:pPr>
+              <a:spcAft>
+                <a:spcPts val="600"/>
+              </a:spcAft>
+            </a:pPr>
+            <a:fld id="{A6AF1B4E-90EC-4A51-B6E5-B702C054ECB0}" type="slidenum">
+              <a:rPr lang="en-US">
+                <a:solidFill>
+                  <a:schemeClr val="tx1">
+                    <a:lumMod val="50000"/>
+                    <a:lumOff val="50000"/>
+                  </a:schemeClr>
+                </a:solidFill>
+              </a:rPr>
+              <a:pPr>
+                <a:spcAft>
+                  <a:spcPts val="600"/>
+                </a:spcAft>
+              </a:pPr>
+              <a:t>27</a:t>
+            </a:fld>
+            <a:endParaRPr lang="en-US">
+              <a:solidFill>
+                <a:schemeClr val="tx1">
+                  <a:lumMod val="50000"/>
+                  <a:lumOff val="50000"/>
+                </a:schemeClr>
+              </a:solidFill>
+            </a:endParaRPr>
+          </a:p>
+        </p:txBody>
+      </p:sp>
+    </p:spTree>
+    <p:extLst>
+      <p:ext uri="{BB962C8B-B14F-4D97-AF65-F5344CB8AC3E}">
+        <p14:creationId xmlns:p14="http://schemas.microsoft.com/office/powerpoint/2010/main" val="490149799"/>
+      </p:ext>
+    </p:extLst>
+  </p:cSld>
+  <p:clrMapOvr>
+    <a:masterClrMapping/>
+  </p:clrMapOvr>
+</p:sld>
+</file>
+
+<file path=ppt/slides/slide28.xml><?xml version="1.0" encoding="utf-8"?>
+<p:sld xmlns:a="http://schemas.openxmlformats.org/drawingml/2006/main" xmlns:r="http://schemas.openxmlformats.org/officeDocument/2006/relationships" xmlns:p="http://schemas.openxmlformats.org/presentationml/2006/main">
+  <p:cSld>
+    <p:bg>
+      <p:bgPr>
+        <a:solidFill>
+          <a:schemeClr val="bg1"/>
+        </a:solidFill>
+        <a:effectLst/>
+      </p:bgPr>
+    </p:bg>
+    <p:spTree>
+      <p:nvGrpSpPr>
+        <p:cNvPr id="1" name=""/>
+        <p:cNvGrpSpPr/>
+        <p:nvPr/>
+      </p:nvGrpSpPr>
+      <p:grpSpPr>
+        <a:xfrm>
+          <a:off x="0" y="0"/>
+          <a:ext cx="0" cy="0"/>
+          <a:chOff x="0" y="0"/>
+          <a:chExt cx="0" cy="0"/>
+        </a:xfrm>
+      </p:grpSpPr>
+      <p:sp useBgFill="1">
+        <p:nvSpPr>
+          <p:cNvPr id="10" name="Rectangle 9">
+            <a:extLst>
+              <a:ext uri="{FF2B5EF4-FFF2-40B4-BE49-F238E27FC236}">
+                <a16:creationId xmlns:a16="http://schemas.microsoft.com/office/drawing/2014/main" id="{100EDD19-6802-4EC3-95CE-CFFAB042CFD6}"/>
+              </a:ext>
+              <a:ext uri="{C183D7F6-B498-43B3-948B-1728B52AA6E4}">
+                <adec:decorative xmlns:adec="http://schemas.microsoft.com/office/drawing/2017/decorative" val="1"/>
+              </a:ext>
+            </a:extLst>
+          </p:cNvPr>
+          <p:cNvSpPr>
+            <a:spLocks noGrp="1" noRot="1" noChangeAspect="1" noMove="1" noResize="1" noEditPoints="1" noAdjustHandles="1" noChangeArrowheads="1" noChangeShapeType="1" noTextEdit="1"/>
+          </p:cNvSpPr>
+          <p:nvPr>
+            <p:extLst>
+              <p:ext uri="{386F3935-93C4-4BCD-93E2-E3B085C9AB24}">
+                <p16:designElem xmlns:p16="http://schemas.microsoft.com/office/powerpoint/2015/main" val="1"/>
+              </p:ext>
+            </p:extLst>
+          </p:nvPr>
+        </p:nvSpPr>
+        <p:spPr>
+          <a:xfrm>
+            <a:off x="0" y="0"/>
+            <a:ext cx="12188952" cy="6858000"/>
+          </a:xfrm>
+          <a:prstGeom prst="rect">
+            <a:avLst/>
+          </a:prstGeom>
+          <a:ln>
+            <a:noFill/>
+          </a:ln>
+        </p:spPr>
+        <p:style>
+          <a:lnRef idx="2">
+            <a:schemeClr val="accent1">
+              <a:shade val="50000"/>
+            </a:schemeClr>
+          </a:lnRef>
+          <a:fillRef idx="1">
+            <a:schemeClr val="accent1"/>
+          </a:fillRef>
+          <a:effectRef idx="0">
+            <a:schemeClr val="accent1"/>
+          </a:effectRef>
+          <a:fontRef idx="minor">
+            <a:schemeClr val="lt1"/>
+          </a:fontRef>
+        </p:style>
+        <p:txBody>
+          <a:bodyPr rtlCol="0" anchor="ctr"/>
+          <a:lstStyle/>
+          <a:p>
+            <a:pPr algn="ctr"/>
+            <a:endParaRPr lang="en-US"/>
+          </a:p>
+        </p:txBody>
+      </p:sp>
+      <p:sp>
+        <p:nvSpPr>
+          <p:cNvPr id="2" name="Title 1">
+            <a:extLst>
+              <a:ext uri="{FF2B5EF4-FFF2-40B4-BE49-F238E27FC236}">
+                <a16:creationId xmlns:a16="http://schemas.microsoft.com/office/drawing/2014/main" id="{71C30304-52C6-4138-80FC-A867DFF8EB5A}"/>
+              </a:ext>
+            </a:extLst>
+          </p:cNvPr>
+          <p:cNvSpPr>
+            <a:spLocks noGrp="1"/>
+          </p:cNvSpPr>
+          <p:nvPr>
+            <p:ph type="title"/>
+          </p:nvPr>
+        </p:nvSpPr>
+        <p:spPr>
+          <a:xfrm>
+            <a:off x="838200" y="365125"/>
+            <a:ext cx="10515600" cy="1325563"/>
+          </a:xfrm>
+        </p:spPr>
+        <p:txBody>
+          <a:bodyPr>
+            <a:normAutofit/>
+          </a:bodyPr>
+          <a:lstStyle/>
+          <a:p>
+            <a:r>
+              <a:rPr lang="en-US" sz="5400"/>
+              <a:t>Up next</a:t>
+            </a:r>
+          </a:p>
+        </p:txBody>
+      </p:sp>
+      <p:sp>
+        <p:nvSpPr>
+          <p:cNvPr id="12" name="sketch line">
+            <a:extLst>
+              <a:ext uri="{FF2B5EF4-FFF2-40B4-BE49-F238E27FC236}">
+                <a16:creationId xmlns:a16="http://schemas.microsoft.com/office/drawing/2014/main" id="{DB17E863-922E-4C26-BD64-E8FD41D28661}"/>
+              </a:ext>
+              <a:ext uri="{C183D7F6-B498-43B3-948B-1728B52AA6E4}">
+                <adec:decorative xmlns:adec="http://schemas.microsoft.com/office/drawing/2017/decorative" val="1"/>
+              </a:ext>
+            </a:extLst>
+          </p:cNvPr>
+          <p:cNvSpPr>
+            <a:spLocks noGrp="1" noRot="1" noChangeAspect="1" noMove="1" noResize="1" noEditPoints="1" noAdjustHandles="1" noChangeArrowheads="1" noChangeShapeType="1" noTextEdit="1"/>
+          </p:cNvSpPr>
+          <p:nvPr>
+            <p:extLst>
+              <p:ext uri="{386F3935-93C4-4BCD-93E2-E3B085C9AB24}">
+                <p16:designElem xmlns:p16="http://schemas.microsoft.com/office/powerpoint/2015/main" val="1"/>
+              </p:ext>
+            </p:extLst>
+          </p:nvPr>
+        </p:nvSpPr>
+        <p:spPr>
+          <a:xfrm>
+            <a:off x="669036" y="1677373"/>
+            <a:ext cx="10853928" cy="18288"/>
+          </a:xfrm>
+          <a:custGeom>
+            <a:avLst/>
+            <a:gdLst>
+              <a:gd name="connsiteX0" fmla="*/ 0 w 10853928"/>
+              <a:gd name="connsiteY0" fmla="*/ 0 h 18288"/>
+              <a:gd name="connsiteX1" fmla="*/ 461292 w 10853928"/>
+              <a:gd name="connsiteY1" fmla="*/ 0 h 18288"/>
+              <a:gd name="connsiteX2" fmla="*/ 1139662 w 10853928"/>
+              <a:gd name="connsiteY2" fmla="*/ 0 h 18288"/>
+              <a:gd name="connsiteX3" fmla="*/ 1926572 w 10853928"/>
+              <a:gd name="connsiteY3" fmla="*/ 0 h 18288"/>
+              <a:gd name="connsiteX4" fmla="*/ 2279325 w 10853928"/>
+              <a:gd name="connsiteY4" fmla="*/ 0 h 18288"/>
+              <a:gd name="connsiteX5" fmla="*/ 2632078 w 10853928"/>
+              <a:gd name="connsiteY5" fmla="*/ 0 h 18288"/>
+              <a:gd name="connsiteX6" fmla="*/ 3527527 w 10853928"/>
+              <a:gd name="connsiteY6" fmla="*/ 0 h 18288"/>
+              <a:gd name="connsiteX7" fmla="*/ 4205897 w 10853928"/>
+              <a:gd name="connsiteY7" fmla="*/ 0 h 18288"/>
+              <a:gd name="connsiteX8" fmla="*/ 4558650 w 10853928"/>
+              <a:gd name="connsiteY8" fmla="*/ 0 h 18288"/>
+              <a:gd name="connsiteX9" fmla="*/ 5237020 w 10853928"/>
+              <a:gd name="connsiteY9" fmla="*/ 0 h 18288"/>
+              <a:gd name="connsiteX10" fmla="*/ 6132469 w 10853928"/>
+              <a:gd name="connsiteY10" fmla="*/ 0 h 18288"/>
+              <a:gd name="connsiteX11" fmla="*/ 6702301 w 10853928"/>
+              <a:gd name="connsiteY11" fmla="*/ 0 h 18288"/>
+              <a:gd name="connsiteX12" fmla="*/ 7272132 w 10853928"/>
+              <a:gd name="connsiteY12" fmla="*/ 0 h 18288"/>
+              <a:gd name="connsiteX13" fmla="*/ 7950502 w 10853928"/>
+              <a:gd name="connsiteY13" fmla="*/ 0 h 18288"/>
+              <a:gd name="connsiteX14" fmla="*/ 8737412 w 10853928"/>
+              <a:gd name="connsiteY14" fmla="*/ 0 h 18288"/>
+              <a:gd name="connsiteX15" fmla="*/ 9524322 w 10853928"/>
+              <a:gd name="connsiteY15" fmla="*/ 0 h 18288"/>
+              <a:gd name="connsiteX16" fmla="*/ 10853928 w 10853928"/>
+              <a:gd name="connsiteY16" fmla="*/ 0 h 18288"/>
+              <a:gd name="connsiteX17" fmla="*/ 10853928 w 10853928"/>
+              <a:gd name="connsiteY17" fmla="*/ 18288 h 18288"/>
+              <a:gd name="connsiteX18" fmla="*/ 10392636 w 10853928"/>
+              <a:gd name="connsiteY18" fmla="*/ 18288 h 18288"/>
+              <a:gd name="connsiteX19" fmla="*/ 9497187 w 10853928"/>
+              <a:gd name="connsiteY19" fmla="*/ 18288 h 18288"/>
+              <a:gd name="connsiteX20" fmla="*/ 8818817 w 10853928"/>
+              <a:gd name="connsiteY20" fmla="*/ 18288 h 18288"/>
+              <a:gd name="connsiteX21" fmla="*/ 8466064 w 10853928"/>
+              <a:gd name="connsiteY21" fmla="*/ 18288 h 18288"/>
+              <a:gd name="connsiteX22" fmla="*/ 7787693 w 10853928"/>
+              <a:gd name="connsiteY22" fmla="*/ 18288 h 18288"/>
+              <a:gd name="connsiteX23" fmla="*/ 7217862 w 10853928"/>
+              <a:gd name="connsiteY23" fmla="*/ 18288 h 18288"/>
+              <a:gd name="connsiteX24" fmla="*/ 6648031 w 10853928"/>
+              <a:gd name="connsiteY24" fmla="*/ 18288 h 18288"/>
+              <a:gd name="connsiteX25" fmla="*/ 6078200 w 10853928"/>
+              <a:gd name="connsiteY25" fmla="*/ 18288 h 18288"/>
+              <a:gd name="connsiteX26" fmla="*/ 5508368 w 10853928"/>
+              <a:gd name="connsiteY26" fmla="*/ 18288 h 18288"/>
+              <a:gd name="connsiteX27" fmla="*/ 4721459 w 10853928"/>
+              <a:gd name="connsiteY27" fmla="*/ 18288 h 18288"/>
+              <a:gd name="connsiteX28" fmla="*/ 4043088 w 10853928"/>
+              <a:gd name="connsiteY28" fmla="*/ 18288 h 18288"/>
+              <a:gd name="connsiteX29" fmla="*/ 3690336 w 10853928"/>
+              <a:gd name="connsiteY29" fmla="*/ 18288 h 18288"/>
+              <a:gd name="connsiteX30" fmla="*/ 3120504 w 10853928"/>
+              <a:gd name="connsiteY30" fmla="*/ 18288 h 18288"/>
+              <a:gd name="connsiteX31" fmla="*/ 2333595 w 10853928"/>
+              <a:gd name="connsiteY31" fmla="*/ 18288 h 18288"/>
+              <a:gd name="connsiteX32" fmla="*/ 1872303 w 10853928"/>
+              <a:gd name="connsiteY32" fmla="*/ 18288 h 18288"/>
+              <a:gd name="connsiteX33" fmla="*/ 976854 w 10853928"/>
+              <a:gd name="connsiteY33" fmla="*/ 18288 h 18288"/>
+              <a:gd name="connsiteX34" fmla="*/ 0 w 10853928"/>
+              <a:gd name="connsiteY34" fmla="*/ 18288 h 18288"/>
+              <a:gd name="connsiteX35" fmla="*/ 0 w 10853928"/>
+              <a:gd name="connsiteY35" fmla="*/ 0 h 18288"/>
+            </a:gdLst>
+            <a:ahLst/>
+            <a:cxnLst>
+              <a:cxn ang="0">
+                <a:pos x="connsiteX0" y="connsiteY0"/>
+              </a:cxn>
+              <a:cxn ang="0">
+                <a:pos x="connsiteX1" y="connsiteY1"/>
+              </a:cxn>
+              <a:cxn ang="0">
+                <a:pos x="connsiteX2" y="connsiteY2"/>
+              </a:cxn>
+              <a:cxn ang="0">
+                <a:pos x="connsiteX3" y="connsiteY3"/>
+              </a:cxn>
+              <a:cxn ang="0">
+                <a:pos x="connsiteX4" y="connsiteY4"/>
+              </a:cxn>
+              <a:cxn ang="0">
+                <a:pos x="connsiteX5" y="connsiteY5"/>
+              </a:cxn>
+              <a:cxn ang="0">
+                <a:pos x="connsiteX6" y="connsiteY6"/>
+              </a:cxn>
+              <a:cxn ang="0">
+                <a:pos x="connsiteX7" y="connsiteY7"/>
+              </a:cxn>
+              <a:cxn ang="0">
+                <a:pos x="connsiteX8" y="connsiteY8"/>
+              </a:cxn>
+              <a:cxn ang="0">
+                <a:pos x="connsiteX9" y="connsiteY9"/>
+              </a:cxn>
+              <a:cxn ang="0">
+                <a:pos x="connsiteX10" y="connsiteY10"/>
+              </a:cxn>
+              <a:cxn ang="0">
+                <a:pos x="connsiteX11" y="connsiteY11"/>
+              </a:cxn>
+              <a:cxn ang="0">
+                <a:pos x="connsiteX12" y="connsiteY12"/>
+              </a:cxn>
+              <a:cxn ang="0">
+                <a:pos x="connsiteX13" y="connsiteY13"/>
+              </a:cxn>
+              <a:cxn ang="0">
+                <a:pos x="connsiteX14" y="connsiteY14"/>
+              </a:cxn>
+              <a:cxn ang="0">
+                <a:pos x="connsiteX15" y="connsiteY15"/>
+              </a:cxn>
+              <a:cxn ang="0">
+                <a:pos x="connsiteX16" y="connsiteY16"/>
+              </a:cxn>
+              <a:cxn ang="0">
+                <a:pos x="connsiteX17" y="connsiteY17"/>
+              </a:cxn>
+              <a:cxn ang="0">
+                <a:pos x="connsiteX18" y="connsiteY18"/>
+              </a:cxn>
+              <a:cxn ang="0">
+                <a:pos x="connsiteX19" y="connsiteY19"/>
+              </a:cxn>
+              <a:cxn ang="0">
+                <a:pos x="connsiteX20" y="connsiteY20"/>
+              </a:cxn>
+              <a:cxn ang="0">
+                <a:pos x="connsiteX21" y="connsiteY21"/>
+              </a:cxn>
+              <a:cxn ang="0">
+                <a:pos x="connsiteX22" y="connsiteY22"/>
+              </a:cxn>
+              <a:cxn ang="0">
+                <a:pos x="connsiteX23" y="connsiteY23"/>
+              </a:cxn>
+              <a:cxn ang="0">
+                <a:pos x="connsiteX24" y="connsiteY24"/>
+              </a:cxn>
+              <a:cxn ang="0">
+                <a:pos x="connsiteX25" y="connsiteY25"/>
+              </a:cxn>
+              <a:cxn ang="0">
+                <a:pos x="connsiteX26" y="connsiteY26"/>
+              </a:cxn>
+              <a:cxn ang="0">
+                <a:pos x="connsiteX27" y="connsiteY27"/>
+              </a:cxn>
+              <a:cxn ang="0">
+                <a:pos x="connsiteX28" y="connsiteY28"/>
+              </a:cxn>
+              <a:cxn ang="0">
+                <a:pos x="connsiteX29" y="connsiteY29"/>
+              </a:cxn>
+              <a:cxn ang="0">
+                <a:pos x="connsiteX30" y="connsiteY30"/>
+              </a:cxn>
+              <a:cxn ang="0">
+                <a:pos x="connsiteX31" y="connsiteY31"/>
+              </a:cxn>
+              <a:cxn ang="0">
+                <a:pos x="connsiteX32" y="connsiteY32"/>
+              </a:cxn>
+              <a:cxn ang="0">
+                <a:pos x="connsiteX33" y="connsiteY33"/>
+              </a:cxn>
+              <a:cxn ang="0">
+                <a:pos x="connsiteX34" y="connsiteY34"/>
+              </a:cxn>
+              <a:cxn ang="0">
+                <a:pos x="connsiteX35" y="connsiteY35"/>
+              </a:cxn>
+            </a:cxnLst>
+            <a:rect l="l" t="t" r="r" b="b"/>
+            <a:pathLst>
+              <a:path w="10853928" h="18288" fill="none" extrusionOk="0">
+                <a:moveTo>
+                  <a:pt x="0" y="0"/>
+                </a:moveTo>
+                <a:cubicBezTo>
+                  <a:pt x="146993" y="-19076"/>
+                  <a:pt x="347684" y="-4790"/>
+                  <a:pt x="461292" y="0"/>
+                </a:cubicBezTo>
+                <a:cubicBezTo>
+                  <a:pt x="574900" y="4790"/>
+                  <a:pt x="808367" y="19821"/>
+                  <a:pt x="1139662" y="0"/>
+                </a:cubicBezTo>
+                <a:cubicBezTo>
+                  <a:pt x="1470957" y="-19821"/>
+                  <a:pt x="1627405" y="5721"/>
+                  <a:pt x="1926572" y="0"/>
+                </a:cubicBezTo>
+                <a:cubicBezTo>
+                  <a:pt x="2225739" y="-5721"/>
+                  <a:pt x="2137730" y="-3235"/>
+                  <a:pt x="2279325" y="0"/>
+                </a:cubicBezTo>
+                <a:cubicBezTo>
+                  <a:pt x="2420920" y="3235"/>
+                  <a:pt x="2456518" y="9685"/>
+                  <a:pt x="2632078" y="0"/>
+                </a:cubicBezTo>
+                <a:cubicBezTo>
+                  <a:pt x="2807638" y="-9685"/>
+                  <a:pt x="3211516" y="-43007"/>
+                  <a:pt x="3527527" y="0"/>
+                </a:cubicBezTo>
+                <a:cubicBezTo>
+                  <a:pt x="3843538" y="43007"/>
+                  <a:pt x="4058833" y="22042"/>
+                  <a:pt x="4205897" y="0"/>
+                </a:cubicBezTo>
+                <a:cubicBezTo>
+                  <a:pt x="4352961" y="-22042"/>
+                  <a:pt x="4474805" y="-11846"/>
+                  <a:pt x="4558650" y="0"/>
+                </a:cubicBezTo>
+                <a:cubicBezTo>
+                  <a:pt x="4642495" y="11846"/>
+                  <a:pt x="5041928" y="-6069"/>
+                  <a:pt x="5237020" y="0"/>
+                </a:cubicBezTo>
+                <a:cubicBezTo>
+                  <a:pt x="5432112" y="6069"/>
+                  <a:pt x="5943266" y="-17479"/>
+                  <a:pt x="6132469" y="0"/>
+                </a:cubicBezTo>
+                <a:cubicBezTo>
+                  <a:pt x="6321672" y="17479"/>
+                  <a:pt x="6483872" y="26234"/>
+                  <a:pt x="6702301" y="0"/>
+                </a:cubicBezTo>
+                <a:cubicBezTo>
+                  <a:pt x="6920730" y="-26234"/>
+                  <a:pt x="6991194" y="-15156"/>
+                  <a:pt x="7272132" y="0"/>
+                </a:cubicBezTo>
+                <a:cubicBezTo>
+                  <a:pt x="7553070" y="15156"/>
+                  <a:pt x="7684444" y="-32961"/>
+                  <a:pt x="7950502" y="0"/>
+                </a:cubicBezTo>
+                <a:cubicBezTo>
+                  <a:pt x="8216560" y="32961"/>
+                  <a:pt x="8493290" y="-10491"/>
+                  <a:pt x="8737412" y="0"/>
+                </a:cubicBezTo>
+                <a:cubicBezTo>
+                  <a:pt x="8981534" y="10491"/>
+                  <a:pt x="9191586" y="-13899"/>
+                  <a:pt x="9524322" y="0"/>
+                </a:cubicBezTo>
+                <a:cubicBezTo>
+                  <a:pt x="9857058" y="13899"/>
+                  <a:pt x="10297509" y="7485"/>
+                  <a:pt x="10853928" y="0"/>
+                </a:cubicBezTo>
+                <a:cubicBezTo>
+                  <a:pt x="10854574" y="4451"/>
+                  <a:pt x="10854418" y="9226"/>
+                  <a:pt x="10853928" y="18288"/>
+                </a:cubicBezTo>
+                <a:cubicBezTo>
+                  <a:pt x="10691638" y="28522"/>
+                  <a:pt x="10574319" y="29578"/>
+                  <a:pt x="10392636" y="18288"/>
+                </a:cubicBezTo>
+                <a:cubicBezTo>
+                  <a:pt x="10210953" y="6998"/>
+                  <a:pt x="9836277" y="-16742"/>
+                  <a:pt x="9497187" y="18288"/>
+                </a:cubicBezTo>
+                <a:cubicBezTo>
+                  <a:pt x="9158097" y="53318"/>
+                  <a:pt x="9119479" y="30714"/>
+                  <a:pt x="8818817" y="18288"/>
+                </a:cubicBezTo>
+                <a:cubicBezTo>
+                  <a:pt x="8518155" y="5863"/>
+                  <a:pt x="8640037" y="6483"/>
+                  <a:pt x="8466064" y="18288"/>
+                </a:cubicBezTo>
+                <a:cubicBezTo>
+                  <a:pt x="8292091" y="30093"/>
+                  <a:pt x="7997656" y="18914"/>
+                  <a:pt x="7787693" y="18288"/>
+                </a:cubicBezTo>
+                <a:cubicBezTo>
+                  <a:pt x="7577730" y="17662"/>
+                  <a:pt x="7412468" y="21416"/>
+                  <a:pt x="7217862" y="18288"/>
+                </a:cubicBezTo>
+                <a:cubicBezTo>
+                  <a:pt x="7023256" y="15160"/>
+                  <a:pt x="6898018" y="14824"/>
+                  <a:pt x="6648031" y="18288"/>
+                </a:cubicBezTo>
+                <a:cubicBezTo>
+                  <a:pt x="6398044" y="21752"/>
+                  <a:pt x="6254402" y="38625"/>
+                  <a:pt x="6078200" y="18288"/>
+                </a:cubicBezTo>
+                <a:cubicBezTo>
+                  <a:pt x="5901998" y="-2049"/>
+                  <a:pt x="5622886" y="3213"/>
+                  <a:pt x="5508368" y="18288"/>
+                </a:cubicBezTo>
+                <a:cubicBezTo>
+                  <a:pt x="5393850" y="33363"/>
+                  <a:pt x="5036260" y="26830"/>
+                  <a:pt x="4721459" y="18288"/>
+                </a:cubicBezTo>
+                <a:cubicBezTo>
+                  <a:pt x="4406658" y="9746"/>
+                  <a:pt x="4239221" y="41551"/>
+                  <a:pt x="4043088" y="18288"/>
+                </a:cubicBezTo>
+                <a:cubicBezTo>
+                  <a:pt x="3846955" y="-4975"/>
+                  <a:pt x="3818802" y="34658"/>
+                  <a:pt x="3690336" y="18288"/>
+                </a:cubicBezTo>
+                <a:cubicBezTo>
+                  <a:pt x="3561870" y="1918"/>
+                  <a:pt x="3265491" y="42194"/>
+                  <a:pt x="3120504" y="18288"/>
+                </a:cubicBezTo>
+                <a:cubicBezTo>
+                  <a:pt x="2975517" y="-5618"/>
+                  <a:pt x="2720254" y="36673"/>
+                  <a:pt x="2333595" y="18288"/>
+                </a:cubicBezTo>
+                <a:cubicBezTo>
+                  <a:pt x="1946936" y="-97"/>
+                  <a:pt x="2097241" y="5776"/>
+                  <a:pt x="1872303" y="18288"/>
+                </a:cubicBezTo>
+                <a:cubicBezTo>
+                  <a:pt x="1647365" y="30800"/>
+                  <a:pt x="1282708" y="45380"/>
+                  <a:pt x="976854" y="18288"/>
+                </a:cubicBezTo>
+                <a:cubicBezTo>
+                  <a:pt x="671000" y="-8804"/>
+                  <a:pt x="408401" y="-12775"/>
+                  <a:pt x="0" y="18288"/>
+                </a:cubicBezTo>
+                <a:cubicBezTo>
+                  <a:pt x="-213" y="9468"/>
+                  <a:pt x="187" y="4459"/>
+                  <a:pt x="0" y="0"/>
+                </a:cubicBezTo>
+                <a:close/>
+              </a:path>
+              <a:path w="10853928" h="18288" stroke="0" extrusionOk="0">
+                <a:moveTo>
+                  <a:pt x="0" y="0"/>
+                </a:moveTo>
+                <a:cubicBezTo>
+                  <a:pt x="267322" y="15284"/>
+                  <a:pt x="415388" y="-21048"/>
+                  <a:pt x="569831" y="0"/>
+                </a:cubicBezTo>
+                <a:cubicBezTo>
+                  <a:pt x="724274" y="21048"/>
+                  <a:pt x="769333" y="-2353"/>
+                  <a:pt x="922584" y="0"/>
+                </a:cubicBezTo>
+                <a:cubicBezTo>
+                  <a:pt x="1075835" y="2353"/>
+                  <a:pt x="1399490" y="-145"/>
+                  <a:pt x="1818033" y="0"/>
+                </a:cubicBezTo>
+                <a:cubicBezTo>
+                  <a:pt x="2236576" y="145"/>
+                  <a:pt x="2145330" y="5482"/>
+                  <a:pt x="2387864" y="0"/>
+                </a:cubicBezTo>
+                <a:cubicBezTo>
+                  <a:pt x="2630398" y="-5482"/>
+                  <a:pt x="2793207" y="18487"/>
+                  <a:pt x="2957695" y="0"/>
+                </a:cubicBezTo>
+                <a:cubicBezTo>
+                  <a:pt x="3122183" y="-18487"/>
+                  <a:pt x="3579141" y="19003"/>
+                  <a:pt x="3853144" y="0"/>
+                </a:cubicBezTo>
+                <a:cubicBezTo>
+                  <a:pt x="4127147" y="-19003"/>
+                  <a:pt x="4209857" y="12211"/>
+                  <a:pt x="4314436" y="0"/>
+                </a:cubicBezTo>
+                <a:cubicBezTo>
+                  <a:pt x="4419015" y="-12211"/>
+                  <a:pt x="4762459" y="-17220"/>
+                  <a:pt x="5209885" y="0"/>
+                </a:cubicBezTo>
+                <a:cubicBezTo>
+                  <a:pt x="5657311" y="17220"/>
+                  <a:pt x="5692663" y="-3290"/>
+                  <a:pt x="6105335" y="0"/>
+                </a:cubicBezTo>
+                <a:cubicBezTo>
+                  <a:pt x="6518007" y="3290"/>
+                  <a:pt x="6455516" y="-5124"/>
+                  <a:pt x="6783705" y="0"/>
+                </a:cubicBezTo>
+                <a:cubicBezTo>
+                  <a:pt x="7111894" y="5124"/>
+                  <a:pt x="7441941" y="-17829"/>
+                  <a:pt x="7679154" y="0"/>
+                </a:cubicBezTo>
+                <a:cubicBezTo>
+                  <a:pt x="7916367" y="17829"/>
+                  <a:pt x="8102967" y="-24363"/>
+                  <a:pt x="8248985" y="0"/>
+                </a:cubicBezTo>
+                <a:cubicBezTo>
+                  <a:pt x="8395003" y="24363"/>
+                  <a:pt x="8552393" y="25505"/>
+                  <a:pt x="8818817" y="0"/>
+                </a:cubicBezTo>
+                <a:cubicBezTo>
+                  <a:pt x="9085241" y="-25505"/>
+                  <a:pt x="9411308" y="38000"/>
+                  <a:pt x="9605726" y="0"/>
+                </a:cubicBezTo>
+                <a:cubicBezTo>
+                  <a:pt x="9800144" y="-38000"/>
+                  <a:pt x="10006468" y="-25741"/>
+                  <a:pt x="10175558" y="0"/>
+                </a:cubicBezTo>
+                <a:cubicBezTo>
+                  <a:pt x="10344648" y="25741"/>
+                  <a:pt x="10696282" y="695"/>
+                  <a:pt x="10853928" y="0"/>
+                </a:cubicBezTo>
+                <a:cubicBezTo>
+                  <a:pt x="10853521" y="8690"/>
+                  <a:pt x="10853774" y="14141"/>
+                  <a:pt x="10853928" y="18288"/>
+                </a:cubicBezTo>
+                <a:cubicBezTo>
+                  <a:pt x="10608124" y="24255"/>
+                  <a:pt x="10343415" y="22307"/>
+                  <a:pt x="10067018" y="18288"/>
+                </a:cubicBezTo>
+                <a:cubicBezTo>
+                  <a:pt x="9790621" y="14270"/>
+                  <a:pt x="9843266" y="3564"/>
+                  <a:pt x="9714266" y="18288"/>
+                </a:cubicBezTo>
+                <a:cubicBezTo>
+                  <a:pt x="9585266" y="33012"/>
+                  <a:pt x="9379484" y="1875"/>
+                  <a:pt x="9252974" y="18288"/>
+                </a:cubicBezTo>
+                <a:cubicBezTo>
+                  <a:pt x="9126464" y="34701"/>
+                  <a:pt x="8580678" y="-4904"/>
+                  <a:pt x="8357525" y="18288"/>
+                </a:cubicBezTo>
+                <a:cubicBezTo>
+                  <a:pt x="8134372" y="41480"/>
+                  <a:pt x="7903199" y="26458"/>
+                  <a:pt x="7679154" y="18288"/>
+                </a:cubicBezTo>
+                <a:cubicBezTo>
+                  <a:pt x="7455109" y="10118"/>
+                  <a:pt x="7435944" y="27109"/>
+                  <a:pt x="7217862" y="18288"/>
+                </a:cubicBezTo>
+                <a:cubicBezTo>
+                  <a:pt x="6999780" y="9467"/>
+                  <a:pt x="6680409" y="18985"/>
+                  <a:pt x="6539492" y="18288"/>
+                </a:cubicBezTo>
+                <a:cubicBezTo>
+                  <a:pt x="6398575" y="17592"/>
+                  <a:pt x="6312077" y="33018"/>
+                  <a:pt x="6186739" y="18288"/>
+                </a:cubicBezTo>
+                <a:cubicBezTo>
+                  <a:pt x="6061401" y="3558"/>
+                  <a:pt x="5947033" y="12075"/>
+                  <a:pt x="5833986" y="18288"/>
+                </a:cubicBezTo>
+                <a:cubicBezTo>
+                  <a:pt x="5720939" y="24501"/>
+                  <a:pt x="5482226" y="8586"/>
+                  <a:pt x="5155616" y="18288"/>
+                </a:cubicBezTo>
+                <a:cubicBezTo>
+                  <a:pt x="4829006" y="27991"/>
+                  <a:pt x="4841274" y="29316"/>
+                  <a:pt x="4694324" y="18288"/>
+                </a:cubicBezTo>
+                <a:cubicBezTo>
+                  <a:pt x="4547374" y="7260"/>
+                  <a:pt x="4077675" y="7013"/>
+                  <a:pt x="3907414" y="18288"/>
+                </a:cubicBezTo>
+                <a:cubicBezTo>
+                  <a:pt x="3737153" y="29564"/>
+                  <a:pt x="3538393" y="21630"/>
+                  <a:pt x="3446122" y="18288"/>
+                </a:cubicBezTo>
+                <a:cubicBezTo>
+                  <a:pt x="3353851" y="14946"/>
+                  <a:pt x="2990320" y="-8091"/>
+                  <a:pt x="2659212" y="18288"/>
+                </a:cubicBezTo>
+                <a:cubicBezTo>
+                  <a:pt x="2328104" y="44667"/>
+                  <a:pt x="2427653" y="9607"/>
+                  <a:pt x="2306460" y="18288"/>
+                </a:cubicBezTo>
+                <a:cubicBezTo>
+                  <a:pt x="2185267" y="26969"/>
+                  <a:pt x="1719763" y="3717"/>
+                  <a:pt x="1519550" y="18288"/>
+                </a:cubicBezTo>
+                <a:cubicBezTo>
+                  <a:pt x="1319337" y="32860"/>
+                  <a:pt x="1167371" y="17040"/>
+                  <a:pt x="1058258" y="18288"/>
+                </a:cubicBezTo>
+                <a:cubicBezTo>
+                  <a:pt x="949145" y="19536"/>
+                  <a:pt x="780234" y="31447"/>
+                  <a:pt x="705505" y="18288"/>
+                </a:cubicBezTo>
+                <a:cubicBezTo>
+                  <a:pt x="630776" y="5129"/>
+                  <a:pt x="215796" y="30056"/>
+                  <a:pt x="0" y="18288"/>
+                </a:cubicBezTo>
+                <a:cubicBezTo>
+                  <a:pt x="-53" y="11301"/>
+                  <a:pt x="-649" y="7756"/>
+                  <a:pt x="0" y="0"/>
+                </a:cubicBezTo>
+                <a:close/>
+              </a:path>
+            </a:pathLst>
+          </a:custGeom>
+          <a:solidFill>
+            <a:schemeClr val="accent2"/>
+          </a:solidFill>
+          <a:ln w="41275" cap="rnd">
+            <a:solidFill>
+              <a:schemeClr val="accent2"/>
+            </a:solidFill>
+            <a:round/>
+            <a:extLst>
+              <a:ext uri="{C807C97D-BFC1-408E-A445-0C87EB9F89A2}">
+                <ask:lineSketchStyleProps xmlns:ask="http://schemas.microsoft.com/office/drawing/2018/sketchyshapes" sd="1219033472">
+                  <a:prstGeom prst="rect">
+                    <a:avLst/>
+                  </a:prstGeom>
+                  <ask:type>
+                    <ask:lineSketchFreehand/>
+                  </ask:type>
+                </ask:lineSketchStyleProps>
+              </a:ext>
+            </a:extLst>
+          </a:ln>
+        </p:spPr>
+        <p:style>
+          <a:lnRef idx="2">
+            <a:schemeClr val="accent1">
+              <a:shade val="50000"/>
+            </a:schemeClr>
+          </a:lnRef>
+          <a:fillRef idx="1">
+            <a:schemeClr val="accent1"/>
+          </a:fillRef>
+          <a:effectRef idx="0">
+            <a:schemeClr val="accent1"/>
+          </a:effectRef>
+          <a:fontRef idx="minor">
+            <a:schemeClr val="lt1"/>
+          </a:fontRef>
+        </p:style>
+        <p:txBody>
+          <a:bodyPr rtlCol="0" anchor="ctr"/>
+          <a:lstStyle/>
+          <a:p>
+            <a:pPr algn="ctr"/>
+            <a:endParaRPr lang="en-US"/>
+          </a:p>
+        </p:txBody>
+      </p:sp>
+      <p:sp>
+        <p:nvSpPr>
+          <p:cNvPr id="22" name="Content Placeholder 2">
+            <a:extLst>
+              <a:ext uri="{FF2B5EF4-FFF2-40B4-BE49-F238E27FC236}">
+                <a16:creationId xmlns:a16="http://schemas.microsoft.com/office/drawing/2014/main" id="{698DAA1A-2626-4E03-895C-50C17773C921}"/>
+              </a:ext>
+            </a:extLst>
+          </p:cNvPr>
+          <p:cNvSpPr>
+            <a:spLocks noGrp="1"/>
+          </p:cNvSpPr>
+          <p:nvPr>
+            <p:ph idx="1"/>
+          </p:nvPr>
+        </p:nvSpPr>
+        <p:spPr>
+          <a:xfrm>
+            <a:off x="838200" y="1929384"/>
+            <a:ext cx="10515600" cy="4251960"/>
+          </a:xfrm>
+        </p:spPr>
+        <p:txBody>
+          <a:bodyPr>
+            <a:normAutofit/>
+          </a:bodyPr>
+          <a:lstStyle/>
+          <a:p>
+            <a:r>
+              <a:rPr lang="en-US" sz="2200"/>
+              <a:t>Visualization and Presentation </a:t>
+            </a:r>
+          </a:p>
+          <a:p>
+            <a:r>
+              <a:rPr lang="en-US" sz="2200"/>
+              <a:t>PA #6: Data Analysis Plan</a:t>
+            </a:r>
+          </a:p>
+        </p:txBody>
+      </p:sp>
+      <p:sp>
+        <p:nvSpPr>
+          <p:cNvPr id="4" name="Footer Placeholder 3">
+            <a:extLst>
+              <a:ext uri="{FF2B5EF4-FFF2-40B4-BE49-F238E27FC236}">
+                <a16:creationId xmlns:a16="http://schemas.microsoft.com/office/drawing/2014/main" id="{7FD319BA-FECE-4F55-AD5A-26FCA5CA05BD}"/>
+              </a:ext>
+            </a:extLst>
+          </p:cNvPr>
+          <p:cNvSpPr>
+            <a:spLocks noGrp="1"/>
+          </p:cNvSpPr>
+          <p:nvPr>
+            <p:ph type="ftr" sz="quarter" idx="11"/>
+          </p:nvPr>
+        </p:nvSpPr>
+        <p:spPr>
+          <a:xfrm>
+            <a:off x="4038600" y="6356350"/>
+            <a:ext cx="4114800" cy="365125"/>
+          </a:xfrm>
+        </p:spPr>
+        <p:txBody>
+          <a:bodyPr>
+            <a:normAutofit/>
+          </a:bodyPr>
+          <a:lstStyle/>
+          <a:p>
+            <a:pPr>
+              <a:spcAft>
+                <a:spcPts val="600"/>
+              </a:spcAft>
+            </a:pPr>
+            <a:r>
+              <a:rPr lang="en-US"/>
+              <a:t>Mike Nguyen</a:t>
+            </a:r>
+          </a:p>
+        </p:txBody>
+      </p:sp>
+      <p:sp>
+        <p:nvSpPr>
+          <p:cNvPr id="5" name="Slide Number Placeholder 4">
+            <a:extLst>
+              <a:ext uri="{FF2B5EF4-FFF2-40B4-BE49-F238E27FC236}">
+                <a16:creationId xmlns:a16="http://schemas.microsoft.com/office/drawing/2014/main" id="{D50385FC-D2FE-47A7-BEFD-BCF396A47676}"/>
+              </a:ext>
+            </a:extLst>
+          </p:cNvPr>
+          <p:cNvSpPr>
+            <a:spLocks noGrp="1"/>
+          </p:cNvSpPr>
+          <p:nvPr>
+            <p:ph type="sldNum" sz="quarter" idx="12"/>
+          </p:nvPr>
+        </p:nvSpPr>
+        <p:spPr>
+          <a:xfrm>
+            <a:off x="8610600" y="6356350"/>
+            <a:ext cx="2743200" cy="365125"/>
+          </a:xfrm>
+        </p:spPr>
+        <p:txBody>
+          <a:bodyPr>
+            <a:normAutofit/>
+          </a:bodyPr>
+          <a:lstStyle/>
+          <a:p>
+            <a:pPr>
+              <a:spcAft>
+                <a:spcPts val="600"/>
+              </a:spcAft>
+            </a:pPr>
+            <a:fld id="{A6AF1B4E-90EC-4A51-B6E5-B702C054ECB0}" type="slidenum">
+              <a:rPr lang="en-US" smtClean="0"/>
+              <a:pPr>
+                <a:spcAft>
+                  <a:spcPts val="600"/>
+                </a:spcAft>
+              </a:pPr>
+              <a:t>28</a:t>
+            </a:fld>
+            <a:endParaRPr lang="en-US"/>
+          </a:p>
+        </p:txBody>
+      </p:sp>
+    </p:spTree>
+    <p:extLst>
+      <p:ext uri="{BB962C8B-B14F-4D97-AF65-F5344CB8AC3E}">
+        <p14:creationId xmlns:p14="http://schemas.microsoft.com/office/powerpoint/2010/main" val="3649184197"/>
       </p:ext>
     </p:extLst>
   </p:cSld>
@@ -33568,1460 +33712,6 @@
     <p:extLst>
       <p:ext uri="{BB962C8B-B14F-4D97-AF65-F5344CB8AC3E}">
         <p14:creationId xmlns:p14="http://schemas.microsoft.com/office/powerpoint/2010/main" val="2513758636"/>
-      </p:ext>
-    </p:extLst>
-  </p:cSld>
-  <p:clrMapOvr>
-    <a:masterClrMapping/>
-  </p:clrMapOvr>
-</p:sld>
-</file>
-
-<file path=ppt/slides/slide30.xml><?xml version="1.0" encoding="utf-8"?>
-<p:sld xmlns:a="http://schemas.openxmlformats.org/drawingml/2006/main" xmlns:r="http://schemas.openxmlformats.org/officeDocument/2006/relationships" xmlns:p="http://schemas.openxmlformats.org/presentationml/2006/main">
-  <p:cSld>
-    <p:bg>
-      <p:bgPr>
-        <a:solidFill>
-          <a:schemeClr val="bg1"/>
-        </a:solidFill>
-        <a:effectLst/>
-      </p:bgPr>
-    </p:bg>
-    <p:spTree>
-      <p:nvGrpSpPr>
-        <p:cNvPr id="1" name=""/>
-        <p:cNvGrpSpPr/>
-        <p:nvPr/>
-      </p:nvGrpSpPr>
-      <p:grpSpPr>
-        <a:xfrm>
-          <a:off x="0" y="0"/>
-          <a:ext cx="0" cy="0"/>
-          <a:chOff x="0" y="0"/>
-          <a:chExt cx="0" cy="0"/>
-        </a:xfrm>
-      </p:grpSpPr>
-      <p:sp useBgFill="1">
-        <p:nvSpPr>
-          <p:cNvPr id="10" name="Rectangle 9">
-            <a:extLst>
-              <a:ext uri="{FF2B5EF4-FFF2-40B4-BE49-F238E27FC236}">
-                <a16:creationId xmlns:a16="http://schemas.microsoft.com/office/drawing/2014/main" id="{DAF1966E-FD40-4A4A-B61B-C4DF7FA05F06}"/>
-              </a:ext>
-              <a:ext uri="{C183D7F6-B498-43B3-948B-1728B52AA6E4}">
-                <adec:decorative xmlns:adec="http://schemas.microsoft.com/office/drawing/2017/decorative" val="1"/>
-              </a:ext>
-            </a:extLst>
-          </p:cNvPr>
-          <p:cNvSpPr>
-            <a:spLocks noGrp="1" noRot="1" noChangeAspect="1" noMove="1" noResize="1" noEditPoints="1" noAdjustHandles="1" noChangeArrowheads="1" noChangeShapeType="1" noTextEdit="1"/>
-          </p:cNvSpPr>
-          <p:nvPr>
-            <p:extLst>
-              <p:ext uri="{386F3935-93C4-4BCD-93E2-E3B085C9AB24}">
-                <p16:designElem xmlns:p16="http://schemas.microsoft.com/office/powerpoint/2015/main" val="1"/>
-              </p:ext>
-            </p:extLst>
-          </p:nvPr>
-        </p:nvSpPr>
-        <p:spPr>
-          <a:xfrm>
-            <a:off x="0" y="0"/>
-            <a:ext cx="12192000" cy="6858000"/>
-          </a:xfrm>
-          <a:prstGeom prst="rect">
-            <a:avLst/>
-          </a:prstGeom>
-          <a:ln>
-            <a:noFill/>
-          </a:ln>
-        </p:spPr>
-        <p:style>
-          <a:lnRef idx="2">
-            <a:schemeClr val="accent1">
-              <a:shade val="50000"/>
-            </a:schemeClr>
-          </a:lnRef>
-          <a:fillRef idx="1">
-            <a:schemeClr val="accent1"/>
-          </a:fillRef>
-          <a:effectRef idx="0">
-            <a:schemeClr val="accent1"/>
-          </a:effectRef>
-          <a:fontRef idx="minor">
-            <a:schemeClr val="lt1"/>
-          </a:fontRef>
-        </p:style>
-        <p:txBody>
-          <a:bodyPr rtlCol="0" anchor="ctr"/>
-          <a:lstStyle/>
-          <a:p>
-            <a:pPr algn="ctr"/>
-            <a:endParaRPr lang="en-US"/>
-          </a:p>
-        </p:txBody>
-      </p:sp>
-      <p:sp useBgFill="1">
-        <p:nvSpPr>
-          <p:cNvPr id="12" name="Rectangle 11">
-            <a:extLst>
-              <a:ext uri="{FF2B5EF4-FFF2-40B4-BE49-F238E27FC236}">
-                <a16:creationId xmlns:a16="http://schemas.microsoft.com/office/drawing/2014/main" id="{047BFA19-D45E-416B-A404-7AF2F3F27017}"/>
-              </a:ext>
-              <a:ext uri="{C183D7F6-B498-43B3-948B-1728B52AA6E4}">
-                <adec:decorative xmlns:adec="http://schemas.microsoft.com/office/drawing/2017/decorative" val="1"/>
-              </a:ext>
-            </a:extLst>
-          </p:cNvPr>
-          <p:cNvSpPr>
-            <a:spLocks noGrp="1" noRot="1" noChangeAspect="1" noMove="1" noResize="1" noEditPoints="1" noAdjustHandles="1" noChangeArrowheads="1" noChangeShapeType="1" noTextEdit="1"/>
-          </p:cNvSpPr>
-          <p:nvPr>
-            <p:extLst>
-              <p:ext uri="{386F3935-93C4-4BCD-93E2-E3B085C9AB24}">
-                <p16:designElem xmlns:p16="http://schemas.microsoft.com/office/powerpoint/2015/main" val="1"/>
-              </p:ext>
-            </p:extLst>
-          </p:nvPr>
-        </p:nvSpPr>
-        <p:spPr>
-          <a:xfrm>
-            <a:off x="558209" y="0"/>
-            <a:ext cx="11167447" cy="2018806"/>
-          </a:xfrm>
-          <a:prstGeom prst="rect">
-            <a:avLst/>
-          </a:prstGeom>
-          <a:ln w="9525">
-            <a:solidFill>
-              <a:srgbClr val="E1E1E1"/>
-            </a:solidFill>
-          </a:ln>
-          <a:effectLst>
-            <a:outerShdw blurRad="50800" dist="38100" dir="2700000" algn="tl" rotWithShape="0">
-              <a:schemeClr val="bg1">
-                <a:lumMod val="85000"/>
-                <a:alpha val="50000"/>
-              </a:schemeClr>
-            </a:outerShdw>
-          </a:effectLst>
-        </p:spPr>
-        <p:style>
-          <a:lnRef idx="2">
-            <a:schemeClr val="accent1">
-              <a:shade val="50000"/>
-            </a:schemeClr>
-          </a:lnRef>
-          <a:fillRef idx="1">
-            <a:schemeClr val="accent1"/>
-          </a:fillRef>
-          <a:effectRef idx="0">
-            <a:schemeClr val="accent1"/>
-          </a:effectRef>
-          <a:fontRef idx="minor">
-            <a:schemeClr val="lt1"/>
-          </a:fontRef>
-        </p:style>
-        <p:txBody>
-          <a:bodyPr rtlCol="0" anchor="ctr"/>
-          <a:lstStyle/>
-          <a:p>
-            <a:pPr marL="0" marR="0" lvl="0" indent="0" algn="ctr" defTabSz="914400" rtl="0" eaLnBrk="1" fontAlgn="auto" latinLnBrk="0" hangingPunct="1">
-              <a:lnSpc>
-                <a:spcPct val="100000"/>
-              </a:lnSpc>
-              <a:spcBef>
-                <a:spcPts val="0"/>
-              </a:spcBef>
-              <a:spcAft>
-                <a:spcPts val="0"/>
-              </a:spcAft>
-              <a:buClrTx/>
-              <a:buSzTx/>
-              <a:buFontTx/>
-              <a:buNone/>
-              <a:tabLst/>
-              <a:defRPr/>
-            </a:pPr>
-            <a:endParaRPr kumimoji="0" lang="en-US" sz="1800" b="0" i="0" u="none" strike="noStrike" kern="1200" cap="none" spc="0" normalizeH="0" baseline="0" noProof="0">
-              <a:ln>
-                <a:noFill/>
-              </a:ln>
-              <a:solidFill>
-                <a:prstClr val="white"/>
-              </a:solidFill>
-              <a:effectLst/>
-              <a:uLnTx/>
-              <a:uFillTx/>
-              <a:latin typeface="Calibri" panose="020F0502020204030204"/>
-              <a:ea typeface="+mn-ea"/>
-              <a:cs typeface="+mn-cs"/>
-            </a:endParaRPr>
-          </a:p>
-        </p:txBody>
-      </p:sp>
-      <p:sp useBgFill="1">
-        <p:nvSpPr>
-          <p:cNvPr id="14" name="Rectangle 13">
-            <a:extLst>
-              <a:ext uri="{FF2B5EF4-FFF2-40B4-BE49-F238E27FC236}">
-                <a16:creationId xmlns:a16="http://schemas.microsoft.com/office/drawing/2014/main" id="{8E0105E7-23DB-4CF2-8258-FF47C7620F6E}"/>
-              </a:ext>
-              <a:ext uri="{C183D7F6-B498-43B3-948B-1728B52AA6E4}">
-                <adec:decorative xmlns:adec="http://schemas.microsoft.com/office/drawing/2017/decorative" val="1"/>
-              </a:ext>
-            </a:extLst>
-          </p:cNvPr>
-          <p:cNvSpPr>
-            <a:spLocks noGrp="1" noRot="1" noChangeAspect="1" noMove="1" noResize="1" noEditPoints="1" noAdjustHandles="1" noChangeArrowheads="1" noChangeShapeType="1" noTextEdit="1"/>
-          </p:cNvSpPr>
-          <p:nvPr>
-            <p:extLst>
-              <p:ext uri="{386F3935-93C4-4BCD-93E2-E3B085C9AB24}">
-                <p16:designElem xmlns:p16="http://schemas.microsoft.com/office/powerpoint/2015/main" val="1"/>
-              </p:ext>
-            </p:extLst>
-          </p:nvPr>
-        </p:nvSpPr>
-        <p:spPr>
-          <a:xfrm>
-            <a:off x="566928" y="0"/>
-            <a:ext cx="11155680" cy="2011680"/>
-          </a:xfrm>
-          <a:prstGeom prst="rect">
-            <a:avLst/>
-          </a:prstGeom>
-          <a:ln w="9525">
-            <a:noFill/>
-          </a:ln>
-          <a:effectLst/>
-        </p:spPr>
-        <p:style>
-          <a:lnRef idx="2">
-            <a:schemeClr val="accent1">
-              <a:shade val="50000"/>
-            </a:schemeClr>
-          </a:lnRef>
-          <a:fillRef idx="1">
-            <a:schemeClr val="accent1"/>
-          </a:fillRef>
-          <a:effectRef idx="0">
-            <a:schemeClr val="accent1"/>
-          </a:effectRef>
-          <a:fontRef idx="minor">
-            <a:schemeClr val="lt1"/>
-          </a:fontRef>
-        </p:style>
-        <p:txBody>
-          <a:bodyPr rtlCol="0" anchor="ctr"/>
-          <a:lstStyle/>
-          <a:p>
-            <a:pPr marL="0" marR="0" lvl="0" indent="0" algn="ctr" defTabSz="914400" rtl="0" eaLnBrk="1" fontAlgn="auto" latinLnBrk="0" hangingPunct="1">
-              <a:lnSpc>
-                <a:spcPct val="100000"/>
-              </a:lnSpc>
-              <a:spcBef>
-                <a:spcPts val="0"/>
-              </a:spcBef>
-              <a:spcAft>
-                <a:spcPts val="0"/>
-              </a:spcAft>
-              <a:buClrTx/>
-              <a:buSzTx/>
-              <a:buFontTx/>
-              <a:buNone/>
-              <a:tabLst/>
-              <a:defRPr/>
-            </a:pPr>
-            <a:endParaRPr kumimoji="0" lang="en-US" sz="1800" b="0" i="0" u="none" strike="noStrike" kern="1200" cap="none" spc="0" normalizeH="0" baseline="0" noProof="0">
-              <a:ln>
-                <a:noFill/>
-              </a:ln>
-              <a:solidFill>
-                <a:prstClr val="white"/>
-              </a:solidFill>
-              <a:effectLst/>
-              <a:uLnTx/>
-              <a:uFillTx/>
-              <a:latin typeface="Calibri" panose="020F0502020204030204"/>
-              <a:ea typeface="+mn-ea"/>
-              <a:cs typeface="+mn-cs"/>
-            </a:endParaRPr>
-          </a:p>
-        </p:txBody>
-      </p:sp>
-      <p:sp>
-        <p:nvSpPr>
-          <p:cNvPr id="2" name="Title 1">
-            <a:extLst>
-              <a:ext uri="{FF2B5EF4-FFF2-40B4-BE49-F238E27FC236}">
-                <a16:creationId xmlns:a16="http://schemas.microsoft.com/office/drawing/2014/main" id="{3FE68948-7F47-4BF7-B78F-7A6715C565CB}"/>
-              </a:ext>
-            </a:extLst>
-          </p:cNvPr>
-          <p:cNvSpPr>
-            <a:spLocks noGrp="1"/>
-          </p:cNvSpPr>
-          <p:nvPr>
-            <p:ph type="title"/>
-          </p:nvPr>
-        </p:nvSpPr>
-        <p:spPr>
-          <a:xfrm>
-            <a:off x="1115568" y="548640"/>
-            <a:ext cx="10168128" cy="1179576"/>
-          </a:xfrm>
-        </p:spPr>
-        <p:txBody>
-          <a:bodyPr>
-            <a:normAutofit/>
-          </a:bodyPr>
-          <a:lstStyle/>
-          <a:p>
-            <a:r>
-              <a:rPr lang="en-US" sz="4000"/>
-              <a:t>15-min Group Discussion</a:t>
-            </a:r>
-          </a:p>
-        </p:txBody>
-      </p:sp>
-      <p:sp>
-        <p:nvSpPr>
-          <p:cNvPr id="16" name="Rectangle 15">
-            <a:extLst>
-              <a:ext uri="{FF2B5EF4-FFF2-40B4-BE49-F238E27FC236}">
-                <a16:creationId xmlns:a16="http://schemas.microsoft.com/office/drawing/2014/main" id="{074B4F7D-14B2-478B-8BF5-01E4E0C5D263}"/>
-              </a:ext>
-              <a:ext uri="{C183D7F6-B498-43B3-948B-1728B52AA6E4}">
-                <adec:decorative xmlns:adec="http://schemas.microsoft.com/office/drawing/2017/decorative" val="1"/>
-              </a:ext>
-            </a:extLst>
-          </p:cNvPr>
-          <p:cNvSpPr>
-            <a:spLocks noGrp="1" noRot="1" noChangeAspect="1" noMove="1" noResize="1" noEditPoints="1" noAdjustHandles="1" noChangeArrowheads="1" noChangeShapeType="1" noTextEdit="1"/>
-          </p:cNvSpPr>
-          <p:nvPr>
-            <p:extLst>
-              <p:ext uri="{386F3935-93C4-4BCD-93E2-E3B085C9AB24}">
-                <p16:designElem xmlns:p16="http://schemas.microsoft.com/office/powerpoint/2015/main" val="1"/>
-              </p:ext>
-            </p:extLst>
-          </p:nvPr>
-        </p:nvSpPr>
-        <p:spPr>
-          <a:xfrm>
-            <a:off x="498834" y="758952"/>
-            <a:ext cx="128016" cy="704088"/>
-          </a:xfrm>
-          <a:prstGeom prst="rect">
-            <a:avLst/>
-          </a:prstGeom>
-          <a:solidFill>
-            <a:schemeClr val="accent2"/>
-          </a:solidFill>
-          <a:ln>
-            <a:noFill/>
-          </a:ln>
-        </p:spPr>
-        <p:style>
-          <a:lnRef idx="2">
-            <a:schemeClr val="accent1">
-              <a:shade val="50000"/>
-            </a:schemeClr>
-          </a:lnRef>
-          <a:fillRef idx="1">
-            <a:schemeClr val="accent1"/>
-          </a:fillRef>
-          <a:effectRef idx="0">
-            <a:schemeClr val="accent1"/>
-          </a:effectRef>
-          <a:fontRef idx="minor">
-            <a:schemeClr val="lt1"/>
-          </a:fontRef>
-        </p:style>
-        <p:txBody>
-          <a:bodyPr rtlCol="0" anchor="ctr"/>
-          <a:lstStyle/>
-          <a:p>
-            <a:pPr algn="ctr"/>
-            <a:endParaRPr lang="en-US">
-              <a:solidFill>
-                <a:prstClr val="white"/>
-              </a:solidFill>
-              <a:latin typeface="Calibri" panose="020F0502020204030204"/>
-            </a:endParaRPr>
-          </a:p>
-        </p:txBody>
-      </p:sp>
-      <p:sp>
-        <p:nvSpPr>
-          <p:cNvPr id="3" name="Content Placeholder 2">
-            <a:extLst>
-              <a:ext uri="{FF2B5EF4-FFF2-40B4-BE49-F238E27FC236}">
-                <a16:creationId xmlns:a16="http://schemas.microsoft.com/office/drawing/2014/main" id="{507C7574-29FA-44A4-A50E-D19477F0A427}"/>
-              </a:ext>
-            </a:extLst>
-          </p:cNvPr>
-          <p:cNvSpPr>
-            <a:spLocks noGrp="1"/>
-          </p:cNvSpPr>
-          <p:nvPr>
-            <p:ph idx="1"/>
-          </p:nvPr>
-        </p:nvSpPr>
-        <p:spPr>
-          <a:xfrm>
-            <a:off x="1115568" y="2481943"/>
-            <a:ext cx="10168128" cy="3695020"/>
-          </a:xfrm>
-        </p:spPr>
-        <p:txBody>
-          <a:bodyPr>
-            <a:normAutofit/>
-          </a:bodyPr>
-          <a:lstStyle/>
-          <a:p>
-            <a:r>
-              <a:rPr lang="en-US" sz="2200">
-                <a:hlinkClick r:id="rId3"/>
-              </a:rPr>
-              <a:t>Sign up </a:t>
-            </a:r>
-            <a:r>
-              <a:rPr lang="en-US" sz="2200"/>
-              <a:t>for presentation day (same link for the project meeting)</a:t>
-            </a:r>
-          </a:p>
-          <a:p>
-            <a:r>
-              <a:rPr lang="en-US" sz="2200"/>
-              <a:t>Each team will present 15 mins and 5 mins Q&amp;A </a:t>
-            </a:r>
-          </a:p>
-          <a:p>
-            <a:r>
-              <a:rPr lang="en-US" sz="2200"/>
-              <a:t>Not all group members need to present (As long as your group finds optimal task allocation). </a:t>
-            </a:r>
-          </a:p>
-          <a:p>
-            <a:r>
-              <a:rPr lang="en-US" sz="2200"/>
-              <a:t>Discuss questions that allow you to use descriptive statistics (e.g., mean, prop, confidence interval)</a:t>
-            </a:r>
-          </a:p>
-        </p:txBody>
-      </p:sp>
-      <p:sp>
-        <p:nvSpPr>
-          <p:cNvPr id="4" name="Footer Placeholder 3">
-            <a:extLst>
-              <a:ext uri="{FF2B5EF4-FFF2-40B4-BE49-F238E27FC236}">
-                <a16:creationId xmlns:a16="http://schemas.microsoft.com/office/drawing/2014/main" id="{6B80ED8E-73D2-4E5C-A161-11637FAB5202}"/>
-              </a:ext>
-            </a:extLst>
-          </p:cNvPr>
-          <p:cNvSpPr>
-            <a:spLocks noGrp="1"/>
-          </p:cNvSpPr>
-          <p:nvPr>
-            <p:ph type="ftr" sz="quarter" idx="11"/>
-          </p:nvPr>
-        </p:nvSpPr>
-        <p:spPr>
-          <a:xfrm>
-            <a:off x="4038600" y="6356350"/>
-            <a:ext cx="4114800" cy="365125"/>
-          </a:xfrm>
-        </p:spPr>
-        <p:txBody>
-          <a:bodyPr>
-            <a:normAutofit/>
-          </a:bodyPr>
-          <a:lstStyle/>
-          <a:p>
-            <a:pPr>
-              <a:spcAft>
-                <a:spcPts val="600"/>
-              </a:spcAft>
-            </a:pPr>
-            <a:r>
-              <a:rPr lang="en-US">
-                <a:solidFill>
-                  <a:schemeClr val="tx1">
-                    <a:lumMod val="50000"/>
-                    <a:lumOff val="50000"/>
-                  </a:schemeClr>
-                </a:solidFill>
-              </a:rPr>
-              <a:t>Mike Nguyen</a:t>
-            </a:r>
-          </a:p>
-        </p:txBody>
-      </p:sp>
-      <p:sp>
-        <p:nvSpPr>
-          <p:cNvPr id="5" name="Slide Number Placeholder 4">
-            <a:extLst>
-              <a:ext uri="{FF2B5EF4-FFF2-40B4-BE49-F238E27FC236}">
-                <a16:creationId xmlns:a16="http://schemas.microsoft.com/office/drawing/2014/main" id="{08F567C8-72ED-40B8-A839-D957B2F9C570}"/>
-              </a:ext>
-            </a:extLst>
-          </p:cNvPr>
-          <p:cNvSpPr>
-            <a:spLocks noGrp="1"/>
-          </p:cNvSpPr>
-          <p:nvPr>
-            <p:ph type="sldNum" sz="quarter" idx="12"/>
-          </p:nvPr>
-        </p:nvSpPr>
-        <p:spPr>
-          <a:xfrm>
-            <a:off x="8540496" y="6356350"/>
-            <a:ext cx="2743200" cy="365125"/>
-          </a:xfrm>
-        </p:spPr>
-        <p:txBody>
-          <a:bodyPr>
-            <a:normAutofit/>
-          </a:bodyPr>
-          <a:lstStyle/>
-          <a:p>
-            <a:pPr>
-              <a:spcAft>
-                <a:spcPts val="600"/>
-              </a:spcAft>
-            </a:pPr>
-            <a:fld id="{A6AF1B4E-90EC-4A51-B6E5-B702C054ECB0}" type="slidenum">
-              <a:rPr lang="en-US">
-                <a:solidFill>
-                  <a:schemeClr val="tx1">
-                    <a:lumMod val="50000"/>
-                    <a:lumOff val="50000"/>
-                  </a:schemeClr>
-                </a:solidFill>
-              </a:rPr>
-              <a:pPr>
-                <a:spcAft>
-                  <a:spcPts val="600"/>
-                </a:spcAft>
-              </a:pPr>
-              <a:t>30</a:t>
-            </a:fld>
-            <a:endParaRPr lang="en-US">
-              <a:solidFill>
-                <a:schemeClr val="tx1">
-                  <a:lumMod val="50000"/>
-                  <a:lumOff val="50000"/>
-                </a:schemeClr>
-              </a:solidFill>
-            </a:endParaRPr>
-          </a:p>
-        </p:txBody>
-      </p:sp>
-    </p:spTree>
-    <p:extLst>
-      <p:ext uri="{BB962C8B-B14F-4D97-AF65-F5344CB8AC3E}">
-        <p14:creationId xmlns:p14="http://schemas.microsoft.com/office/powerpoint/2010/main" val="490149799"/>
-      </p:ext>
-    </p:extLst>
-  </p:cSld>
-  <p:clrMapOvr>
-    <a:masterClrMapping/>
-  </p:clrMapOvr>
-</p:sld>
-</file>
-
-<file path=ppt/slides/slide31.xml><?xml version="1.0" encoding="utf-8"?>
-<p:sld xmlns:a="http://schemas.openxmlformats.org/drawingml/2006/main" xmlns:r="http://schemas.openxmlformats.org/officeDocument/2006/relationships" xmlns:p="http://schemas.openxmlformats.org/presentationml/2006/main">
-  <p:cSld>
-    <p:bg>
-      <p:bgPr>
-        <a:solidFill>
-          <a:schemeClr val="bg1"/>
-        </a:solidFill>
-        <a:effectLst/>
-      </p:bgPr>
-    </p:bg>
-    <p:spTree>
-      <p:nvGrpSpPr>
-        <p:cNvPr id="1" name=""/>
-        <p:cNvGrpSpPr/>
-        <p:nvPr/>
-      </p:nvGrpSpPr>
-      <p:grpSpPr>
-        <a:xfrm>
-          <a:off x="0" y="0"/>
-          <a:ext cx="0" cy="0"/>
-          <a:chOff x="0" y="0"/>
-          <a:chExt cx="0" cy="0"/>
-        </a:xfrm>
-      </p:grpSpPr>
-      <p:sp useBgFill="1">
-        <p:nvSpPr>
-          <p:cNvPr id="10" name="Rectangle 9">
-            <a:extLst>
-              <a:ext uri="{FF2B5EF4-FFF2-40B4-BE49-F238E27FC236}">
-                <a16:creationId xmlns:a16="http://schemas.microsoft.com/office/drawing/2014/main" id="{100EDD19-6802-4EC3-95CE-CFFAB042CFD6}"/>
-              </a:ext>
-              <a:ext uri="{C183D7F6-B498-43B3-948B-1728B52AA6E4}">
-                <adec:decorative xmlns:adec="http://schemas.microsoft.com/office/drawing/2017/decorative" val="1"/>
-              </a:ext>
-            </a:extLst>
-          </p:cNvPr>
-          <p:cNvSpPr>
-            <a:spLocks noGrp="1" noRot="1" noChangeAspect="1" noMove="1" noResize="1" noEditPoints="1" noAdjustHandles="1" noChangeArrowheads="1" noChangeShapeType="1" noTextEdit="1"/>
-          </p:cNvSpPr>
-          <p:nvPr>
-            <p:extLst>
-              <p:ext uri="{386F3935-93C4-4BCD-93E2-E3B085C9AB24}">
-                <p16:designElem xmlns:p16="http://schemas.microsoft.com/office/powerpoint/2015/main" val="1"/>
-              </p:ext>
-            </p:extLst>
-          </p:nvPr>
-        </p:nvSpPr>
-        <p:spPr>
-          <a:xfrm>
-            <a:off x="0" y="0"/>
-            <a:ext cx="12188952" cy="6858000"/>
-          </a:xfrm>
-          <a:prstGeom prst="rect">
-            <a:avLst/>
-          </a:prstGeom>
-          <a:ln>
-            <a:noFill/>
-          </a:ln>
-        </p:spPr>
-        <p:style>
-          <a:lnRef idx="2">
-            <a:schemeClr val="accent1">
-              <a:shade val="50000"/>
-            </a:schemeClr>
-          </a:lnRef>
-          <a:fillRef idx="1">
-            <a:schemeClr val="accent1"/>
-          </a:fillRef>
-          <a:effectRef idx="0">
-            <a:schemeClr val="accent1"/>
-          </a:effectRef>
-          <a:fontRef idx="minor">
-            <a:schemeClr val="lt1"/>
-          </a:fontRef>
-        </p:style>
-        <p:txBody>
-          <a:bodyPr rtlCol="0" anchor="ctr"/>
-          <a:lstStyle/>
-          <a:p>
-            <a:pPr algn="ctr"/>
-            <a:endParaRPr lang="en-US"/>
-          </a:p>
-        </p:txBody>
-      </p:sp>
-      <p:sp>
-        <p:nvSpPr>
-          <p:cNvPr id="2" name="Title 1">
-            <a:extLst>
-              <a:ext uri="{FF2B5EF4-FFF2-40B4-BE49-F238E27FC236}">
-                <a16:creationId xmlns:a16="http://schemas.microsoft.com/office/drawing/2014/main" id="{71C30304-52C6-4138-80FC-A867DFF8EB5A}"/>
-              </a:ext>
-            </a:extLst>
-          </p:cNvPr>
-          <p:cNvSpPr>
-            <a:spLocks noGrp="1"/>
-          </p:cNvSpPr>
-          <p:nvPr>
-            <p:ph type="title"/>
-          </p:nvPr>
-        </p:nvSpPr>
-        <p:spPr>
-          <a:xfrm>
-            <a:off x="838200" y="365125"/>
-            <a:ext cx="10515600" cy="1325563"/>
-          </a:xfrm>
-        </p:spPr>
-        <p:txBody>
-          <a:bodyPr>
-            <a:normAutofit/>
-          </a:bodyPr>
-          <a:lstStyle/>
-          <a:p>
-            <a:r>
-              <a:rPr lang="en-US" sz="5400"/>
-              <a:t>Up next</a:t>
-            </a:r>
-          </a:p>
-        </p:txBody>
-      </p:sp>
-      <p:sp>
-        <p:nvSpPr>
-          <p:cNvPr id="12" name="sketch line">
-            <a:extLst>
-              <a:ext uri="{FF2B5EF4-FFF2-40B4-BE49-F238E27FC236}">
-                <a16:creationId xmlns:a16="http://schemas.microsoft.com/office/drawing/2014/main" id="{DB17E863-922E-4C26-BD64-E8FD41D28661}"/>
-              </a:ext>
-              <a:ext uri="{C183D7F6-B498-43B3-948B-1728B52AA6E4}">
-                <adec:decorative xmlns:adec="http://schemas.microsoft.com/office/drawing/2017/decorative" val="1"/>
-              </a:ext>
-            </a:extLst>
-          </p:cNvPr>
-          <p:cNvSpPr>
-            <a:spLocks noGrp="1" noRot="1" noChangeAspect="1" noMove="1" noResize="1" noEditPoints="1" noAdjustHandles="1" noChangeArrowheads="1" noChangeShapeType="1" noTextEdit="1"/>
-          </p:cNvSpPr>
-          <p:nvPr>
-            <p:extLst>
-              <p:ext uri="{386F3935-93C4-4BCD-93E2-E3B085C9AB24}">
-                <p16:designElem xmlns:p16="http://schemas.microsoft.com/office/powerpoint/2015/main" val="1"/>
-              </p:ext>
-            </p:extLst>
-          </p:nvPr>
-        </p:nvSpPr>
-        <p:spPr>
-          <a:xfrm>
-            <a:off x="669036" y="1677373"/>
-            <a:ext cx="10853928" cy="18288"/>
-          </a:xfrm>
-          <a:custGeom>
-            <a:avLst/>
-            <a:gdLst>
-              <a:gd name="connsiteX0" fmla="*/ 0 w 10853928"/>
-              <a:gd name="connsiteY0" fmla="*/ 0 h 18288"/>
-              <a:gd name="connsiteX1" fmla="*/ 461292 w 10853928"/>
-              <a:gd name="connsiteY1" fmla="*/ 0 h 18288"/>
-              <a:gd name="connsiteX2" fmla="*/ 1139662 w 10853928"/>
-              <a:gd name="connsiteY2" fmla="*/ 0 h 18288"/>
-              <a:gd name="connsiteX3" fmla="*/ 1926572 w 10853928"/>
-              <a:gd name="connsiteY3" fmla="*/ 0 h 18288"/>
-              <a:gd name="connsiteX4" fmla="*/ 2279325 w 10853928"/>
-              <a:gd name="connsiteY4" fmla="*/ 0 h 18288"/>
-              <a:gd name="connsiteX5" fmla="*/ 2632078 w 10853928"/>
-              <a:gd name="connsiteY5" fmla="*/ 0 h 18288"/>
-              <a:gd name="connsiteX6" fmla="*/ 3527527 w 10853928"/>
-              <a:gd name="connsiteY6" fmla="*/ 0 h 18288"/>
-              <a:gd name="connsiteX7" fmla="*/ 4205897 w 10853928"/>
-              <a:gd name="connsiteY7" fmla="*/ 0 h 18288"/>
-              <a:gd name="connsiteX8" fmla="*/ 4558650 w 10853928"/>
-              <a:gd name="connsiteY8" fmla="*/ 0 h 18288"/>
-              <a:gd name="connsiteX9" fmla="*/ 5237020 w 10853928"/>
-              <a:gd name="connsiteY9" fmla="*/ 0 h 18288"/>
-              <a:gd name="connsiteX10" fmla="*/ 6132469 w 10853928"/>
-              <a:gd name="connsiteY10" fmla="*/ 0 h 18288"/>
-              <a:gd name="connsiteX11" fmla="*/ 6702301 w 10853928"/>
-              <a:gd name="connsiteY11" fmla="*/ 0 h 18288"/>
-              <a:gd name="connsiteX12" fmla="*/ 7272132 w 10853928"/>
-              <a:gd name="connsiteY12" fmla="*/ 0 h 18288"/>
-              <a:gd name="connsiteX13" fmla="*/ 7950502 w 10853928"/>
-              <a:gd name="connsiteY13" fmla="*/ 0 h 18288"/>
-              <a:gd name="connsiteX14" fmla="*/ 8737412 w 10853928"/>
-              <a:gd name="connsiteY14" fmla="*/ 0 h 18288"/>
-              <a:gd name="connsiteX15" fmla="*/ 9524322 w 10853928"/>
-              <a:gd name="connsiteY15" fmla="*/ 0 h 18288"/>
-              <a:gd name="connsiteX16" fmla="*/ 10853928 w 10853928"/>
-              <a:gd name="connsiteY16" fmla="*/ 0 h 18288"/>
-              <a:gd name="connsiteX17" fmla="*/ 10853928 w 10853928"/>
-              <a:gd name="connsiteY17" fmla="*/ 18288 h 18288"/>
-              <a:gd name="connsiteX18" fmla="*/ 10392636 w 10853928"/>
-              <a:gd name="connsiteY18" fmla="*/ 18288 h 18288"/>
-              <a:gd name="connsiteX19" fmla="*/ 9497187 w 10853928"/>
-              <a:gd name="connsiteY19" fmla="*/ 18288 h 18288"/>
-              <a:gd name="connsiteX20" fmla="*/ 8818817 w 10853928"/>
-              <a:gd name="connsiteY20" fmla="*/ 18288 h 18288"/>
-              <a:gd name="connsiteX21" fmla="*/ 8466064 w 10853928"/>
-              <a:gd name="connsiteY21" fmla="*/ 18288 h 18288"/>
-              <a:gd name="connsiteX22" fmla="*/ 7787693 w 10853928"/>
-              <a:gd name="connsiteY22" fmla="*/ 18288 h 18288"/>
-              <a:gd name="connsiteX23" fmla="*/ 7217862 w 10853928"/>
-              <a:gd name="connsiteY23" fmla="*/ 18288 h 18288"/>
-              <a:gd name="connsiteX24" fmla="*/ 6648031 w 10853928"/>
-              <a:gd name="connsiteY24" fmla="*/ 18288 h 18288"/>
-              <a:gd name="connsiteX25" fmla="*/ 6078200 w 10853928"/>
-              <a:gd name="connsiteY25" fmla="*/ 18288 h 18288"/>
-              <a:gd name="connsiteX26" fmla="*/ 5508368 w 10853928"/>
-              <a:gd name="connsiteY26" fmla="*/ 18288 h 18288"/>
-              <a:gd name="connsiteX27" fmla="*/ 4721459 w 10853928"/>
-              <a:gd name="connsiteY27" fmla="*/ 18288 h 18288"/>
-              <a:gd name="connsiteX28" fmla="*/ 4043088 w 10853928"/>
-              <a:gd name="connsiteY28" fmla="*/ 18288 h 18288"/>
-              <a:gd name="connsiteX29" fmla="*/ 3690336 w 10853928"/>
-              <a:gd name="connsiteY29" fmla="*/ 18288 h 18288"/>
-              <a:gd name="connsiteX30" fmla="*/ 3120504 w 10853928"/>
-              <a:gd name="connsiteY30" fmla="*/ 18288 h 18288"/>
-              <a:gd name="connsiteX31" fmla="*/ 2333595 w 10853928"/>
-              <a:gd name="connsiteY31" fmla="*/ 18288 h 18288"/>
-              <a:gd name="connsiteX32" fmla="*/ 1872303 w 10853928"/>
-              <a:gd name="connsiteY32" fmla="*/ 18288 h 18288"/>
-              <a:gd name="connsiteX33" fmla="*/ 976854 w 10853928"/>
-              <a:gd name="connsiteY33" fmla="*/ 18288 h 18288"/>
-              <a:gd name="connsiteX34" fmla="*/ 0 w 10853928"/>
-              <a:gd name="connsiteY34" fmla="*/ 18288 h 18288"/>
-              <a:gd name="connsiteX35" fmla="*/ 0 w 10853928"/>
-              <a:gd name="connsiteY35" fmla="*/ 0 h 18288"/>
-            </a:gdLst>
-            <a:ahLst/>
-            <a:cxnLst>
-              <a:cxn ang="0">
-                <a:pos x="connsiteX0" y="connsiteY0"/>
-              </a:cxn>
-              <a:cxn ang="0">
-                <a:pos x="connsiteX1" y="connsiteY1"/>
-              </a:cxn>
-              <a:cxn ang="0">
-                <a:pos x="connsiteX2" y="connsiteY2"/>
-              </a:cxn>
-              <a:cxn ang="0">
-                <a:pos x="connsiteX3" y="connsiteY3"/>
-              </a:cxn>
-              <a:cxn ang="0">
-                <a:pos x="connsiteX4" y="connsiteY4"/>
-              </a:cxn>
-              <a:cxn ang="0">
-                <a:pos x="connsiteX5" y="connsiteY5"/>
-              </a:cxn>
-              <a:cxn ang="0">
-                <a:pos x="connsiteX6" y="connsiteY6"/>
-              </a:cxn>
-              <a:cxn ang="0">
-                <a:pos x="connsiteX7" y="connsiteY7"/>
-              </a:cxn>
-              <a:cxn ang="0">
-                <a:pos x="connsiteX8" y="connsiteY8"/>
-              </a:cxn>
-              <a:cxn ang="0">
-                <a:pos x="connsiteX9" y="connsiteY9"/>
-              </a:cxn>
-              <a:cxn ang="0">
-                <a:pos x="connsiteX10" y="connsiteY10"/>
-              </a:cxn>
-              <a:cxn ang="0">
-                <a:pos x="connsiteX11" y="connsiteY11"/>
-              </a:cxn>
-              <a:cxn ang="0">
-                <a:pos x="connsiteX12" y="connsiteY12"/>
-              </a:cxn>
-              <a:cxn ang="0">
-                <a:pos x="connsiteX13" y="connsiteY13"/>
-              </a:cxn>
-              <a:cxn ang="0">
-                <a:pos x="connsiteX14" y="connsiteY14"/>
-              </a:cxn>
-              <a:cxn ang="0">
-                <a:pos x="connsiteX15" y="connsiteY15"/>
-              </a:cxn>
-              <a:cxn ang="0">
-                <a:pos x="connsiteX16" y="connsiteY16"/>
-              </a:cxn>
-              <a:cxn ang="0">
-                <a:pos x="connsiteX17" y="connsiteY17"/>
-              </a:cxn>
-              <a:cxn ang="0">
-                <a:pos x="connsiteX18" y="connsiteY18"/>
-              </a:cxn>
-              <a:cxn ang="0">
-                <a:pos x="connsiteX19" y="connsiteY19"/>
-              </a:cxn>
-              <a:cxn ang="0">
-                <a:pos x="connsiteX20" y="connsiteY20"/>
-              </a:cxn>
-              <a:cxn ang="0">
-                <a:pos x="connsiteX21" y="connsiteY21"/>
-              </a:cxn>
-              <a:cxn ang="0">
-                <a:pos x="connsiteX22" y="connsiteY22"/>
-              </a:cxn>
-              <a:cxn ang="0">
-                <a:pos x="connsiteX23" y="connsiteY23"/>
-              </a:cxn>
-              <a:cxn ang="0">
-                <a:pos x="connsiteX24" y="connsiteY24"/>
-              </a:cxn>
-              <a:cxn ang="0">
-                <a:pos x="connsiteX25" y="connsiteY25"/>
-              </a:cxn>
-              <a:cxn ang="0">
-                <a:pos x="connsiteX26" y="connsiteY26"/>
-              </a:cxn>
-              <a:cxn ang="0">
-                <a:pos x="connsiteX27" y="connsiteY27"/>
-              </a:cxn>
-              <a:cxn ang="0">
-                <a:pos x="connsiteX28" y="connsiteY28"/>
-              </a:cxn>
-              <a:cxn ang="0">
-                <a:pos x="connsiteX29" y="connsiteY29"/>
-              </a:cxn>
-              <a:cxn ang="0">
-                <a:pos x="connsiteX30" y="connsiteY30"/>
-              </a:cxn>
-              <a:cxn ang="0">
-                <a:pos x="connsiteX31" y="connsiteY31"/>
-              </a:cxn>
-              <a:cxn ang="0">
-                <a:pos x="connsiteX32" y="connsiteY32"/>
-              </a:cxn>
-              <a:cxn ang="0">
-                <a:pos x="connsiteX33" y="connsiteY33"/>
-              </a:cxn>
-              <a:cxn ang="0">
-                <a:pos x="connsiteX34" y="connsiteY34"/>
-              </a:cxn>
-              <a:cxn ang="0">
-                <a:pos x="connsiteX35" y="connsiteY35"/>
-              </a:cxn>
-            </a:cxnLst>
-            <a:rect l="l" t="t" r="r" b="b"/>
-            <a:pathLst>
-              <a:path w="10853928" h="18288" fill="none" extrusionOk="0">
-                <a:moveTo>
-                  <a:pt x="0" y="0"/>
-                </a:moveTo>
-                <a:cubicBezTo>
-                  <a:pt x="146993" y="-19076"/>
-                  <a:pt x="347684" y="-4790"/>
-                  <a:pt x="461292" y="0"/>
-                </a:cubicBezTo>
-                <a:cubicBezTo>
-                  <a:pt x="574900" y="4790"/>
-                  <a:pt x="808367" y="19821"/>
-                  <a:pt x="1139662" y="0"/>
-                </a:cubicBezTo>
-                <a:cubicBezTo>
-                  <a:pt x="1470957" y="-19821"/>
-                  <a:pt x="1627405" y="5721"/>
-                  <a:pt x="1926572" y="0"/>
-                </a:cubicBezTo>
-                <a:cubicBezTo>
-                  <a:pt x="2225739" y="-5721"/>
-                  <a:pt x="2137730" y="-3235"/>
-                  <a:pt x="2279325" y="0"/>
-                </a:cubicBezTo>
-                <a:cubicBezTo>
-                  <a:pt x="2420920" y="3235"/>
-                  <a:pt x="2456518" y="9685"/>
-                  <a:pt x="2632078" y="0"/>
-                </a:cubicBezTo>
-                <a:cubicBezTo>
-                  <a:pt x="2807638" y="-9685"/>
-                  <a:pt x="3211516" y="-43007"/>
-                  <a:pt x="3527527" y="0"/>
-                </a:cubicBezTo>
-                <a:cubicBezTo>
-                  <a:pt x="3843538" y="43007"/>
-                  <a:pt x="4058833" y="22042"/>
-                  <a:pt x="4205897" y="0"/>
-                </a:cubicBezTo>
-                <a:cubicBezTo>
-                  <a:pt x="4352961" y="-22042"/>
-                  <a:pt x="4474805" y="-11846"/>
-                  <a:pt x="4558650" y="0"/>
-                </a:cubicBezTo>
-                <a:cubicBezTo>
-                  <a:pt x="4642495" y="11846"/>
-                  <a:pt x="5041928" y="-6069"/>
-                  <a:pt x="5237020" y="0"/>
-                </a:cubicBezTo>
-                <a:cubicBezTo>
-                  <a:pt x="5432112" y="6069"/>
-                  <a:pt x="5943266" y="-17479"/>
-                  <a:pt x="6132469" y="0"/>
-                </a:cubicBezTo>
-                <a:cubicBezTo>
-                  <a:pt x="6321672" y="17479"/>
-                  <a:pt x="6483872" y="26234"/>
-                  <a:pt x="6702301" y="0"/>
-                </a:cubicBezTo>
-                <a:cubicBezTo>
-                  <a:pt x="6920730" y="-26234"/>
-                  <a:pt x="6991194" y="-15156"/>
-                  <a:pt x="7272132" y="0"/>
-                </a:cubicBezTo>
-                <a:cubicBezTo>
-                  <a:pt x="7553070" y="15156"/>
-                  <a:pt x="7684444" y="-32961"/>
-                  <a:pt x="7950502" y="0"/>
-                </a:cubicBezTo>
-                <a:cubicBezTo>
-                  <a:pt x="8216560" y="32961"/>
-                  <a:pt x="8493290" y="-10491"/>
-                  <a:pt x="8737412" y="0"/>
-                </a:cubicBezTo>
-                <a:cubicBezTo>
-                  <a:pt x="8981534" y="10491"/>
-                  <a:pt x="9191586" y="-13899"/>
-                  <a:pt x="9524322" y="0"/>
-                </a:cubicBezTo>
-                <a:cubicBezTo>
-                  <a:pt x="9857058" y="13899"/>
-                  <a:pt x="10297509" y="7485"/>
-                  <a:pt x="10853928" y="0"/>
-                </a:cubicBezTo>
-                <a:cubicBezTo>
-                  <a:pt x="10854574" y="4451"/>
-                  <a:pt x="10854418" y="9226"/>
-                  <a:pt x="10853928" y="18288"/>
-                </a:cubicBezTo>
-                <a:cubicBezTo>
-                  <a:pt x="10691638" y="28522"/>
-                  <a:pt x="10574319" y="29578"/>
-                  <a:pt x="10392636" y="18288"/>
-                </a:cubicBezTo>
-                <a:cubicBezTo>
-                  <a:pt x="10210953" y="6998"/>
-                  <a:pt x="9836277" y="-16742"/>
-                  <a:pt x="9497187" y="18288"/>
-                </a:cubicBezTo>
-                <a:cubicBezTo>
-                  <a:pt x="9158097" y="53318"/>
-                  <a:pt x="9119479" y="30714"/>
-                  <a:pt x="8818817" y="18288"/>
-                </a:cubicBezTo>
-                <a:cubicBezTo>
-                  <a:pt x="8518155" y="5863"/>
-                  <a:pt x="8640037" y="6483"/>
-                  <a:pt x="8466064" y="18288"/>
-                </a:cubicBezTo>
-                <a:cubicBezTo>
-                  <a:pt x="8292091" y="30093"/>
-                  <a:pt x="7997656" y="18914"/>
-                  <a:pt x="7787693" y="18288"/>
-                </a:cubicBezTo>
-                <a:cubicBezTo>
-                  <a:pt x="7577730" y="17662"/>
-                  <a:pt x="7412468" y="21416"/>
-                  <a:pt x="7217862" y="18288"/>
-                </a:cubicBezTo>
-                <a:cubicBezTo>
-                  <a:pt x="7023256" y="15160"/>
-                  <a:pt x="6898018" y="14824"/>
-                  <a:pt x="6648031" y="18288"/>
-                </a:cubicBezTo>
-                <a:cubicBezTo>
-                  <a:pt x="6398044" y="21752"/>
-                  <a:pt x="6254402" y="38625"/>
-                  <a:pt x="6078200" y="18288"/>
-                </a:cubicBezTo>
-                <a:cubicBezTo>
-                  <a:pt x="5901998" y="-2049"/>
-                  <a:pt x="5622886" y="3213"/>
-                  <a:pt x="5508368" y="18288"/>
-                </a:cubicBezTo>
-                <a:cubicBezTo>
-                  <a:pt x="5393850" y="33363"/>
-                  <a:pt x="5036260" y="26830"/>
-                  <a:pt x="4721459" y="18288"/>
-                </a:cubicBezTo>
-                <a:cubicBezTo>
-                  <a:pt x="4406658" y="9746"/>
-                  <a:pt x="4239221" y="41551"/>
-                  <a:pt x="4043088" y="18288"/>
-                </a:cubicBezTo>
-                <a:cubicBezTo>
-                  <a:pt x="3846955" y="-4975"/>
-                  <a:pt x="3818802" y="34658"/>
-                  <a:pt x="3690336" y="18288"/>
-                </a:cubicBezTo>
-                <a:cubicBezTo>
-                  <a:pt x="3561870" y="1918"/>
-                  <a:pt x="3265491" y="42194"/>
-                  <a:pt x="3120504" y="18288"/>
-                </a:cubicBezTo>
-                <a:cubicBezTo>
-                  <a:pt x="2975517" y="-5618"/>
-                  <a:pt x="2720254" y="36673"/>
-                  <a:pt x="2333595" y="18288"/>
-                </a:cubicBezTo>
-                <a:cubicBezTo>
-                  <a:pt x="1946936" y="-97"/>
-                  <a:pt x="2097241" y="5776"/>
-                  <a:pt x="1872303" y="18288"/>
-                </a:cubicBezTo>
-                <a:cubicBezTo>
-                  <a:pt x="1647365" y="30800"/>
-                  <a:pt x="1282708" y="45380"/>
-                  <a:pt x="976854" y="18288"/>
-                </a:cubicBezTo>
-                <a:cubicBezTo>
-                  <a:pt x="671000" y="-8804"/>
-                  <a:pt x="408401" y="-12775"/>
-                  <a:pt x="0" y="18288"/>
-                </a:cubicBezTo>
-                <a:cubicBezTo>
-                  <a:pt x="-213" y="9468"/>
-                  <a:pt x="187" y="4459"/>
-                  <a:pt x="0" y="0"/>
-                </a:cubicBezTo>
-                <a:close/>
-              </a:path>
-              <a:path w="10853928" h="18288" stroke="0" extrusionOk="0">
-                <a:moveTo>
-                  <a:pt x="0" y="0"/>
-                </a:moveTo>
-                <a:cubicBezTo>
-                  <a:pt x="267322" y="15284"/>
-                  <a:pt x="415388" y="-21048"/>
-                  <a:pt x="569831" y="0"/>
-                </a:cubicBezTo>
-                <a:cubicBezTo>
-                  <a:pt x="724274" y="21048"/>
-                  <a:pt x="769333" y="-2353"/>
-                  <a:pt x="922584" y="0"/>
-                </a:cubicBezTo>
-                <a:cubicBezTo>
-                  <a:pt x="1075835" y="2353"/>
-                  <a:pt x="1399490" y="-145"/>
-                  <a:pt x="1818033" y="0"/>
-                </a:cubicBezTo>
-                <a:cubicBezTo>
-                  <a:pt x="2236576" y="145"/>
-                  <a:pt x="2145330" y="5482"/>
-                  <a:pt x="2387864" y="0"/>
-                </a:cubicBezTo>
-                <a:cubicBezTo>
-                  <a:pt x="2630398" y="-5482"/>
-                  <a:pt x="2793207" y="18487"/>
-                  <a:pt x="2957695" y="0"/>
-                </a:cubicBezTo>
-                <a:cubicBezTo>
-                  <a:pt x="3122183" y="-18487"/>
-                  <a:pt x="3579141" y="19003"/>
-                  <a:pt x="3853144" y="0"/>
-                </a:cubicBezTo>
-                <a:cubicBezTo>
-                  <a:pt x="4127147" y="-19003"/>
-                  <a:pt x="4209857" y="12211"/>
-                  <a:pt x="4314436" y="0"/>
-                </a:cubicBezTo>
-                <a:cubicBezTo>
-                  <a:pt x="4419015" y="-12211"/>
-                  <a:pt x="4762459" y="-17220"/>
-                  <a:pt x="5209885" y="0"/>
-                </a:cubicBezTo>
-                <a:cubicBezTo>
-                  <a:pt x="5657311" y="17220"/>
-                  <a:pt x="5692663" y="-3290"/>
-                  <a:pt x="6105335" y="0"/>
-                </a:cubicBezTo>
-                <a:cubicBezTo>
-                  <a:pt x="6518007" y="3290"/>
-                  <a:pt x="6455516" y="-5124"/>
-                  <a:pt x="6783705" y="0"/>
-                </a:cubicBezTo>
-                <a:cubicBezTo>
-                  <a:pt x="7111894" y="5124"/>
-                  <a:pt x="7441941" y="-17829"/>
-                  <a:pt x="7679154" y="0"/>
-                </a:cubicBezTo>
-                <a:cubicBezTo>
-                  <a:pt x="7916367" y="17829"/>
-                  <a:pt x="8102967" y="-24363"/>
-                  <a:pt x="8248985" y="0"/>
-                </a:cubicBezTo>
-                <a:cubicBezTo>
-                  <a:pt x="8395003" y="24363"/>
-                  <a:pt x="8552393" y="25505"/>
-                  <a:pt x="8818817" y="0"/>
-                </a:cubicBezTo>
-                <a:cubicBezTo>
-                  <a:pt x="9085241" y="-25505"/>
-                  <a:pt x="9411308" y="38000"/>
-                  <a:pt x="9605726" y="0"/>
-                </a:cubicBezTo>
-                <a:cubicBezTo>
-                  <a:pt x="9800144" y="-38000"/>
-                  <a:pt x="10006468" y="-25741"/>
-                  <a:pt x="10175558" y="0"/>
-                </a:cubicBezTo>
-                <a:cubicBezTo>
-                  <a:pt x="10344648" y="25741"/>
-                  <a:pt x="10696282" y="695"/>
-                  <a:pt x="10853928" y="0"/>
-                </a:cubicBezTo>
-                <a:cubicBezTo>
-                  <a:pt x="10853521" y="8690"/>
-                  <a:pt x="10853774" y="14141"/>
-                  <a:pt x="10853928" y="18288"/>
-                </a:cubicBezTo>
-                <a:cubicBezTo>
-                  <a:pt x="10608124" y="24255"/>
-                  <a:pt x="10343415" y="22307"/>
-                  <a:pt x="10067018" y="18288"/>
-                </a:cubicBezTo>
-                <a:cubicBezTo>
-                  <a:pt x="9790621" y="14270"/>
-                  <a:pt x="9843266" y="3564"/>
-                  <a:pt x="9714266" y="18288"/>
-                </a:cubicBezTo>
-                <a:cubicBezTo>
-                  <a:pt x="9585266" y="33012"/>
-                  <a:pt x="9379484" y="1875"/>
-                  <a:pt x="9252974" y="18288"/>
-                </a:cubicBezTo>
-                <a:cubicBezTo>
-                  <a:pt x="9126464" y="34701"/>
-                  <a:pt x="8580678" y="-4904"/>
-                  <a:pt x="8357525" y="18288"/>
-                </a:cubicBezTo>
-                <a:cubicBezTo>
-                  <a:pt x="8134372" y="41480"/>
-                  <a:pt x="7903199" y="26458"/>
-                  <a:pt x="7679154" y="18288"/>
-                </a:cubicBezTo>
-                <a:cubicBezTo>
-                  <a:pt x="7455109" y="10118"/>
-                  <a:pt x="7435944" y="27109"/>
-                  <a:pt x="7217862" y="18288"/>
-                </a:cubicBezTo>
-                <a:cubicBezTo>
-                  <a:pt x="6999780" y="9467"/>
-                  <a:pt x="6680409" y="18985"/>
-                  <a:pt x="6539492" y="18288"/>
-                </a:cubicBezTo>
-                <a:cubicBezTo>
-                  <a:pt x="6398575" y="17592"/>
-                  <a:pt x="6312077" y="33018"/>
-                  <a:pt x="6186739" y="18288"/>
-                </a:cubicBezTo>
-                <a:cubicBezTo>
-                  <a:pt x="6061401" y="3558"/>
-                  <a:pt x="5947033" y="12075"/>
-                  <a:pt x="5833986" y="18288"/>
-                </a:cubicBezTo>
-                <a:cubicBezTo>
-                  <a:pt x="5720939" y="24501"/>
-                  <a:pt x="5482226" y="8586"/>
-                  <a:pt x="5155616" y="18288"/>
-                </a:cubicBezTo>
-                <a:cubicBezTo>
-                  <a:pt x="4829006" y="27991"/>
-                  <a:pt x="4841274" y="29316"/>
-                  <a:pt x="4694324" y="18288"/>
-                </a:cubicBezTo>
-                <a:cubicBezTo>
-                  <a:pt x="4547374" y="7260"/>
-                  <a:pt x="4077675" y="7013"/>
-                  <a:pt x="3907414" y="18288"/>
-                </a:cubicBezTo>
-                <a:cubicBezTo>
-                  <a:pt x="3737153" y="29564"/>
-                  <a:pt x="3538393" y="21630"/>
-                  <a:pt x="3446122" y="18288"/>
-                </a:cubicBezTo>
-                <a:cubicBezTo>
-                  <a:pt x="3353851" y="14946"/>
-                  <a:pt x="2990320" y="-8091"/>
-                  <a:pt x="2659212" y="18288"/>
-                </a:cubicBezTo>
-                <a:cubicBezTo>
-                  <a:pt x="2328104" y="44667"/>
-                  <a:pt x="2427653" y="9607"/>
-                  <a:pt x="2306460" y="18288"/>
-                </a:cubicBezTo>
-                <a:cubicBezTo>
-                  <a:pt x="2185267" y="26969"/>
-                  <a:pt x="1719763" y="3717"/>
-                  <a:pt x="1519550" y="18288"/>
-                </a:cubicBezTo>
-                <a:cubicBezTo>
-                  <a:pt x="1319337" y="32860"/>
-                  <a:pt x="1167371" y="17040"/>
-                  <a:pt x="1058258" y="18288"/>
-                </a:cubicBezTo>
-                <a:cubicBezTo>
-                  <a:pt x="949145" y="19536"/>
-                  <a:pt x="780234" y="31447"/>
-                  <a:pt x="705505" y="18288"/>
-                </a:cubicBezTo>
-                <a:cubicBezTo>
-                  <a:pt x="630776" y="5129"/>
-                  <a:pt x="215796" y="30056"/>
-                  <a:pt x="0" y="18288"/>
-                </a:cubicBezTo>
-                <a:cubicBezTo>
-                  <a:pt x="-53" y="11301"/>
-                  <a:pt x="-649" y="7756"/>
-                  <a:pt x="0" y="0"/>
-                </a:cubicBezTo>
-                <a:close/>
-              </a:path>
-            </a:pathLst>
-          </a:custGeom>
-          <a:solidFill>
-            <a:schemeClr val="accent2"/>
-          </a:solidFill>
-          <a:ln w="41275" cap="rnd">
-            <a:solidFill>
-              <a:schemeClr val="accent2"/>
-            </a:solidFill>
-            <a:round/>
-            <a:extLst>
-              <a:ext uri="{C807C97D-BFC1-408E-A445-0C87EB9F89A2}">
-                <ask:lineSketchStyleProps xmlns:ask="http://schemas.microsoft.com/office/drawing/2018/sketchyshapes" sd="1219033472">
-                  <a:prstGeom prst="rect">
-                    <a:avLst/>
-                  </a:prstGeom>
-                  <ask:type>
-                    <ask:lineSketchFreehand/>
-                  </ask:type>
-                </ask:lineSketchStyleProps>
-              </a:ext>
-            </a:extLst>
-          </a:ln>
-        </p:spPr>
-        <p:style>
-          <a:lnRef idx="2">
-            <a:schemeClr val="accent1">
-              <a:shade val="50000"/>
-            </a:schemeClr>
-          </a:lnRef>
-          <a:fillRef idx="1">
-            <a:schemeClr val="accent1"/>
-          </a:fillRef>
-          <a:effectRef idx="0">
-            <a:schemeClr val="accent1"/>
-          </a:effectRef>
-          <a:fontRef idx="minor">
-            <a:schemeClr val="lt1"/>
-          </a:fontRef>
-        </p:style>
-        <p:txBody>
-          <a:bodyPr rtlCol="0" anchor="ctr"/>
-          <a:lstStyle/>
-          <a:p>
-            <a:pPr algn="ctr"/>
-            <a:endParaRPr lang="en-US"/>
-          </a:p>
-        </p:txBody>
-      </p:sp>
-      <p:sp>
-        <p:nvSpPr>
-          <p:cNvPr id="22" name="Content Placeholder 2">
-            <a:extLst>
-              <a:ext uri="{FF2B5EF4-FFF2-40B4-BE49-F238E27FC236}">
-                <a16:creationId xmlns:a16="http://schemas.microsoft.com/office/drawing/2014/main" id="{698DAA1A-2626-4E03-895C-50C17773C921}"/>
-              </a:ext>
-            </a:extLst>
-          </p:cNvPr>
-          <p:cNvSpPr>
-            <a:spLocks noGrp="1"/>
-          </p:cNvSpPr>
-          <p:nvPr>
-            <p:ph idx="1"/>
-          </p:nvPr>
-        </p:nvSpPr>
-        <p:spPr>
-          <a:xfrm>
-            <a:off x="838200" y="1929384"/>
-            <a:ext cx="10515600" cy="4251960"/>
-          </a:xfrm>
-        </p:spPr>
-        <p:txBody>
-          <a:bodyPr>
-            <a:normAutofit/>
-          </a:bodyPr>
-          <a:lstStyle/>
-          <a:p>
-            <a:r>
-              <a:rPr lang="en-US" sz="2200"/>
-              <a:t>Visualization and Presentation </a:t>
-            </a:r>
-          </a:p>
-          <a:p>
-            <a:r>
-              <a:rPr lang="en-US" sz="2200"/>
-              <a:t>PA #6: Data Analysis Plan</a:t>
-            </a:r>
-          </a:p>
-        </p:txBody>
-      </p:sp>
-      <p:sp>
-        <p:nvSpPr>
-          <p:cNvPr id="4" name="Footer Placeholder 3">
-            <a:extLst>
-              <a:ext uri="{FF2B5EF4-FFF2-40B4-BE49-F238E27FC236}">
-                <a16:creationId xmlns:a16="http://schemas.microsoft.com/office/drawing/2014/main" id="{7FD319BA-FECE-4F55-AD5A-26FCA5CA05BD}"/>
-              </a:ext>
-            </a:extLst>
-          </p:cNvPr>
-          <p:cNvSpPr>
-            <a:spLocks noGrp="1"/>
-          </p:cNvSpPr>
-          <p:nvPr>
-            <p:ph type="ftr" sz="quarter" idx="11"/>
-          </p:nvPr>
-        </p:nvSpPr>
-        <p:spPr>
-          <a:xfrm>
-            <a:off x="4038600" y="6356350"/>
-            <a:ext cx="4114800" cy="365125"/>
-          </a:xfrm>
-        </p:spPr>
-        <p:txBody>
-          <a:bodyPr>
-            <a:normAutofit/>
-          </a:bodyPr>
-          <a:lstStyle/>
-          <a:p>
-            <a:pPr>
-              <a:spcAft>
-                <a:spcPts val="600"/>
-              </a:spcAft>
-            </a:pPr>
-            <a:r>
-              <a:rPr lang="en-US"/>
-              <a:t>Mike Nguyen</a:t>
-            </a:r>
-          </a:p>
-        </p:txBody>
-      </p:sp>
-      <p:sp>
-        <p:nvSpPr>
-          <p:cNvPr id="5" name="Slide Number Placeholder 4">
-            <a:extLst>
-              <a:ext uri="{FF2B5EF4-FFF2-40B4-BE49-F238E27FC236}">
-                <a16:creationId xmlns:a16="http://schemas.microsoft.com/office/drawing/2014/main" id="{D50385FC-D2FE-47A7-BEFD-BCF396A47676}"/>
-              </a:ext>
-            </a:extLst>
-          </p:cNvPr>
-          <p:cNvSpPr>
-            <a:spLocks noGrp="1"/>
-          </p:cNvSpPr>
-          <p:nvPr>
-            <p:ph type="sldNum" sz="quarter" idx="12"/>
-          </p:nvPr>
-        </p:nvSpPr>
-        <p:spPr>
-          <a:xfrm>
-            <a:off x="8610600" y="6356350"/>
-            <a:ext cx="2743200" cy="365125"/>
-          </a:xfrm>
-        </p:spPr>
-        <p:txBody>
-          <a:bodyPr>
-            <a:normAutofit/>
-          </a:bodyPr>
-          <a:lstStyle/>
-          <a:p>
-            <a:pPr>
-              <a:spcAft>
-                <a:spcPts val="600"/>
-              </a:spcAft>
-            </a:pPr>
-            <a:fld id="{A6AF1B4E-90EC-4A51-B6E5-B702C054ECB0}" type="slidenum">
-              <a:rPr lang="en-US" smtClean="0"/>
-              <a:pPr>
-                <a:spcAft>
-                  <a:spcPts val="600"/>
-                </a:spcAft>
-              </a:pPr>
-              <a:t>31</a:t>
-            </a:fld>
-            <a:endParaRPr lang="en-US"/>
-          </a:p>
-        </p:txBody>
-      </p:sp>
-    </p:spTree>
-    <p:extLst>
-      <p:ext uri="{BB962C8B-B14F-4D97-AF65-F5344CB8AC3E}">
-        <p14:creationId xmlns:p14="http://schemas.microsoft.com/office/powerpoint/2010/main" val="3649184197"/>
       </p:ext>
     </p:extLst>
   </p:cSld>
@@ -40250,12 +38940,11 @@
 </file>
 
 <file path=customXml/item1.xml><?xml version="1.0" encoding="utf-8"?>
-<?mso-contentType ?>
-<FormTemplates xmlns="http://schemas.microsoft.com/sharepoint/v3/contenttype/forms">
-  <Display>DocumentLibraryForm</Display>
-  <Edit>DocumentLibraryForm</Edit>
-  <New>DocumentLibraryForm</New>
-</FormTemplates>
+<p:properties xmlns:p="http://schemas.microsoft.com/office/2006/metadata/properties" xmlns:xsi="http://www.w3.org/2001/XMLSchema-instance" xmlns:pc="http://schemas.microsoft.com/office/infopath/2007/PartnerControls">
+  <documentManagement>
+    <MediaServiceKeyPoints xmlns="71af3243-3dd4-4a8d-8c0d-dd76da1f02a5" xsi:nil="true"/>
+  </documentManagement>
+</p:properties>
 </file>
 
 <file path=customXml/item2.xml><?xml version="1.0" encoding="utf-8"?>
@@ -40470,17 +39159,20 @@
 </file>
 
 <file path=customXml/item3.xml><?xml version="1.0" encoding="utf-8"?>
-<p:properties xmlns:p="http://schemas.microsoft.com/office/2006/metadata/properties" xmlns:xsi="http://www.w3.org/2001/XMLSchema-instance" xmlns:pc="http://schemas.microsoft.com/office/infopath/2007/PartnerControls">
-  <documentManagement>
-    <MediaServiceKeyPoints xmlns="71af3243-3dd4-4a8d-8c0d-dd76da1f02a5" xsi:nil="true"/>
-  </documentManagement>
-</p:properties>
+<?mso-contentType ?>
+<FormTemplates xmlns="http://schemas.microsoft.com/sharepoint/v3/contenttype/forms">
+  <Display>DocumentLibraryForm</Display>
+  <Edit>DocumentLibraryForm</Edit>
+  <New>DocumentLibraryForm</New>
+</FormTemplates>
 </file>
 
 <file path=customXml/itemProps1.xml><?xml version="1.0" encoding="utf-8"?>
-<ds:datastoreItem xmlns:ds="http://schemas.openxmlformats.org/officeDocument/2006/customXml" ds:itemID="{5CA875DA-F9FD-4F83-A049-3B1027B542DE}">
+<ds:datastoreItem xmlns:ds="http://schemas.openxmlformats.org/officeDocument/2006/customXml" ds:itemID="{03C7D9E6-B0D9-433E-BD46-EB60F64F4DA8}">
   <ds:schemaRefs>
-    <ds:schemaRef ds:uri="http://schemas.microsoft.com/sharepoint/v3/contenttype/forms"/>
+    <ds:schemaRef ds:uri="http://schemas.microsoft.com/office/2006/metadata/properties"/>
+    <ds:schemaRef ds:uri="http://schemas.microsoft.com/office/infopath/2007/PartnerControls"/>
+    <ds:schemaRef ds:uri="71af3243-3dd4-4a8d-8c0d-dd76da1f02a5"/>
   </ds:schemaRefs>
 </ds:datastoreItem>
 </file>
@@ -40505,11 +39197,9 @@
 </file>
 
 <file path=customXml/itemProps3.xml><?xml version="1.0" encoding="utf-8"?>
-<ds:datastoreItem xmlns:ds="http://schemas.openxmlformats.org/officeDocument/2006/customXml" ds:itemID="{03C7D9E6-B0D9-433E-BD46-EB60F64F4DA8}">
+<ds:datastoreItem xmlns:ds="http://schemas.openxmlformats.org/officeDocument/2006/customXml" ds:itemID="{5CA875DA-F9FD-4F83-A049-3B1027B542DE}">
   <ds:schemaRefs>
-    <ds:schemaRef ds:uri="http://schemas.microsoft.com/office/2006/metadata/properties"/>
-    <ds:schemaRef ds:uri="http://schemas.microsoft.com/office/infopath/2007/PartnerControls"/>
-    <ds:schemaRef ds:uri="71af3243-3dd4-4a8d-8c0d-dd76da1f02a5"/>
+    <ds:schemaRef ds:uri="http://schemas.microsoft.com/sharepoint/v3/contenttype/forms"/>
   </ds:schemaRefs>
 </ds:datastoreItem>
 </file>